--- a/Report & presentation/redcode.pptx
+++ b/Report & presentation/redcode.pptx
@@ -994,6 +994,13 @@
         </dgm:presLayoutVars>
       </dgm:prSet>
       <dgm:spPr/>
+      <dgm:t>
+        <a:bodyPr/>
+        <a:lstStyle/>
+        <a:p>
+          <a:endParaRPr lang="sv-SE"/>
+        </a:p>
+      </dgm:t>
     </dgm:pt>
     <dgm:pt modelId="{97F45B16-0670-4754-A2A3-C2A8DB9644FC}" type="pres">
       <dgm:prSet presAssocID="{121E1C86-194D-4DF6-B0BC-2F16A92204CC}" presName="dummy" presStyleCnt="0"/>
@@ -1017,6 +1024,13 @@
     <dgm:pt modelId="{B6645BF3-5BCB-4903-B820-ECB7450424EF}" type="pres">
       <dgm:prSet presAssocID="{86624D31-9446-4631-9CEC-11694752CD5D}" presName="sibTrans" presStyleLbl="node1" presStyleIdx="0" presStyleCnt="3"/>
       <dgm:spPr/>
+      <dgm:t>
+        <a:bodyPr/>
+        <a:lstStyle/>
+        <a:p>
+          <a:endParaRPr lang="sv-SE"/>
+        </a:p>
+      </dgm:t>
     </dgm:pt>
     <dgm:pt modelId="{0D0203B3-5998-45AF-9C7C-2547D81F24EA}" type="pres">
       <dgm:prSet presAssocID="{A2B9157A-6E85-47EF-9345-81D93FAB43DF}" presName="dummy" presStyleCnt="0"/>
@@ -1040,6 +1054,13 @@
     <dgm:pt modelId="{448F264E-E2BC-4BED-81F5-C95466382586}" type="pres">
       <dgm:prSet presAssocID="{F866C608-7065-41B0-A7F3-24D080A94683}" presName="sibTrans" presStyleLbl="node1" presStyleIdx="1" presStyleCnt="3"/>
       <dgm:spPr/>
+      <dgm:t>
+        <a:bodyPr/>
+        <a:lstStyle/>
+        <a:p>
+          <a:endParaRPr lang="sv-SE"/>
+        </a:p>
+      </dgm:t>
     </dgm:pt>
     <dgm:pt modelId="{8ECAF64D-BDB3-4DDA-BDEB-B45BB78D47F9}" type="pres">
       <dgm:prSet presAssocID="{B81181E6-FCD8-41EA-BD6B-BE98F324CBCC}" presName="dummy" presStyleCnt="0"/>
@@ -1063,19 +1084,26 @@
     <dgm:pt modelId="{16D24C7A-CCCC-4882-B934-90977AA6BD9E}" type="pres">
       <dgm:prSet presAssocID="{0602A2B7-4D18-42BF-A076-75FF6635E523}" presName="sibTrans" presStyleLbl="node1" presStyleIdx="2" presStyleCnt="3"/>
       <dgm:spPr/>
+      <dgm:t>
+        <a:bodyPr/>
+        <a:lstStyle/>
+        <a:p>
+          <a:endParaRPr lang="sv-SE"/>
+        </a:p>
+      </dgm:t>
     </dgm:pt>
   </dgm:ptLst>
   <dgm:cxnLst>
-    <dgm:cxn modelId="{8ECFAC25-E1F4-4AC3-B870-1B76CC9EF898}" type="presOf" srcId="{0602A2B7-4D18-42BF-A076-75FF6635E523}" destId="{16D24C7A-CCCC-4882-B934-90977AA6BD9E}" srcOrd="0" destOrd="0" presId="urn:microsoft.com/office/officeart/2005/8/layout/cycle1"/>
+    <dgm:cxn modelId="{12FEC066-F98A-4C2E-9531-C458A44A713A}" srcId="{BE7EC54E-C9AE-46C7-80BD-22C366D9A86E}" destId="{A2B9157A-6E85-47EF-9345-81D93FAB43DF}" srcOrd="1" destOrd="0" parTransId="{9B06E2EF-9C0E-4055-B8A7-8CFCA513F420}" sibTransId="{F866C608-7065-41B0-A7F3-24D080A94683}"/>
     <dgm:cxn modelId="{575D89F7-A336-4FC2-B755-9F29886AE125}" type="presOf" srcId="{121E1C86-194D-4DF6-B0BC-2F16A92204CC}" destId="{42786540-CF8D-4C77-A842-B03FC0441540}" srcOrd="0" destOrd="0" presId="urn:microsoft.com/office/officeart/2005/8/layout/cycle1"/>
+    <dgm:cxn modelId="{AD62CFE2-EFB3-4656-91F9-9C1603703BB1}" srcId="{BE7EC54E-C9AE-46C7-80BD-22C366D9A86E}" destId="{121E1C86-194D-4DF6-B0BC-2F16A92204CC}" srcOrd="0" destOrd="0" parTransId="{935321C5-E4E1-4FAB-9687-E083257F85CA}" sibTransId="{86624D31-9446-4631-9CEC-11694752CD5D}"/>
     <dgm:cxn modelId="{B425561F-1173-4EA0-865B-B05ECDEFF10E}" type="presOf" srcId="{BE7EC54E-C9AE-46C7-80BD-22C366D9A86E}" destId="{2AE07B8B-A84C-43C1-BD30-8A563B0CB8FE}" srcOrd="0" destOrd="0" presId="urn:microsoft.com/office/officeart/2005/8/layout/cycle1"/>
     <dgm:cxn modelId="{E41AF4C9-FEB2-477C-B021-19B6BE783A4C}" type="presOf" srcId="{A2B9157A-6E85-47EF-9345-81D93FAB43DF}" destId="{F9D26068-3D8B-4BDA-8665-3B2F6AC0BB8C}" srcOrd="0" destOrd="0" presId="urn:microsoft.com/office/officeart/2005/8/layout/cycle1"/>
+    <dgm:cxn modelId="{AAAD2D7D-4354-411E-B36E-7E310E131056}" type="presOf" srcId="{86624D31-9446-4631-9CEC-11694752CD5D}" destId="{B6645BF3-5BCB-4903-B820-ECB7450424EF}" srcOrd="0" destOrd="0" presId="urn:microsoft.com/office/officeart/2005/8/layout/cycle1"/>
     <dgm:cxn modelId="{D56DE644-B670-49E5-891A-B6C95DB1C63E}" type="presOf" srcId="{B81181E6-FCD8-41EA-BD6B-BE98F324CBCC}" destId="{C69897C8-D670-4C2E-94ED-3989C82AB1D8}" srcOrd="0" destOrd="0" presId="urn:microsoft.com/office/officeart/2005/8/layout/cycle1"/>
+    <dgm:cxn modelId="{8ECFAC25-E1F4-4AC3-B870-1B76CC9EF898}" type="presOf" srcId="{0602A2B7-4D18-42BF-A076-75FF6635E523}" destId="{16D24C7A-CCCC-4882-B934-90977AA6BD9E}" srcOrd="0" destOrd="0" presId="urn:microsoft.com/office/officeart/2005/8/layout/cycle1"/>
     <dgm:cxn modelId="{C7869466-0563-43E5-BC29-45C2BB971504}" srcId="{BE7EC54E-C9AE-46C7-80BD-22C366D9A86E}" destId="{B81181E6-FCD8-41EA-BD6B-BE98F324CBCC}" srcOrd="2" destOrd="0" parTransId="{C13E7DBD-6248-48A6-97D3-EA24283C418E}" sibTransId="{0602A2B7-4D18-42BF-A076-75FF6635E523}"/>
-    <dgm:cxn modelId="{12FEC066-F98A-4C2E-9531-C458A44A713A}" srcId="{BE7EC54E-C9AE-46C7-80BD-22C366D9A86E}" destId="{A2B9157A-6E85-47EF-9345-81D93FAB43DF}" srcOrd="1" destOrd="0" parTransId="{9B06E2EF-9C0E-4055-B8A7-8CFCA513F420}" sibTransId="{F866C608-7065-41B0-A7F3-24D080A94683}"/>
     <dgm:cxn modelId="{987F7327-13A1-4CCC-924F-5FEE25D89D23}" type="presOf" srcId="{F866C608-7065-41B0-A7F3-24D080A94683}" destId="{448F264E-E2BC-4BED-81F5-C95466382586}" srcOrd="0" destOrd="0" presId="urn:microsoft.com/office/officeart/2005/8/layout/cycle1"/>
-    <dgm:cxn modelId="{AD62CFE2-EFB3-4656-91F9-9C1603703BB1}" srcId="{BE7EC54E-C9AE-46C7-80BD-22C366D9A86E}" destId="{121E1C86-194D-4DF6-B0BC-2F16A92204CC}" srcOrd="0" destOrd="0" parTransId="{935321C5-E4E1-4FAB-9687-E083257F85CA}" sibTransId="{86624D31-9446-4631-9CEC-11694752CD5D}"/>
-    <dgm:cxn modelId="{AAAD2D7D-4354-411E-B36E-7E310E131056}" type="presOf" srcId="{86624D31-9446-4631-9CEC-11694752CD5D}" destId="{B6645BF3-5BCB-4903-B820-ECB7450424EF}" srcOrd="0" destOrd="0" presId="urn:microsoft.com/office/officeart/2005/8/layout/cycle1"/>
     <dgm:cxn modelId="{0ADED617-B722-4DA9-9BFB-F8C2E999EDE1}" type="presParOf" srcId="{2AE07B8B-A84C-43C1-BD30-8A563B0CB8FE}" destId="{97F45B16-0670-4754-A2A3-C2A8DB9644FC}" srcOrd="0" destOrd="0" presId="urn:microsoft.com/office/officeart/2005/8/layout/cycle1"/>
     <dgm:cxn modelId="{953338BD-51DB-41B0-A1E7-DDC1B50111EA}" type="presParOf" srcId="{2AE07B8B-A84C-43C1-BD30-8A563B0CB8FE}" destId="{42786540-CF8D-4C77-A842-B03FC0441540}" srcOrd="1" destOrd="0" presId="urn:microsoft.com/office/officeart/2005/8/layout/cycle1"/>
     <dgm:cxn modelId="{96600FA4-BFF1-4837-B3B6-7F9B93B17D75}" type="presParOf" srcId="{2AE07B8B-A84C-43C1-BD30-8A563B0CB8FE}" destId="{B6645BF3-5BCB-4903-B820-ECB7450424EF}" srcOrd="2" destOrd="0" presId="urn:microsoft.com/office/officeart/2005/8/layout/cycle1"/>
@@ -2866,7 +2894,8 @@
           <a:p>
             <a:fld id="{4A1C7490-C7A0-40FD-866A-2F199AA75342}" type="datetimeFigureOut">
               <a:rPr lang="sv-SE" smtClean="0"/>
-              <a:t>2012-05-12</a:t>
+              <a:pPr/>
+              <a:t>2012-05-13</a:t>
             </a:fld>
             <a:endParaRPr lang="sv-SE"/>
           </a:p>
@@ -2908,6 +2937,7 @@
           <a:p>
             <a:fld id="{B489F0B7-5920-4710-981B-E0503F55D3D4}" type="slidenum">
               <a:rPr lang="sv-SE" smtClean="0"/>
+              <a:pPr/>
               <a:t>‹#›</a:t>
             </a:fld>
             <a:endParaRPr lang="sv-SE"/>
@@ -3031,7 +3061,8 @@
           <a:p>
             <a:fld id="{4A1C7490-C7A0-40FD-866A-2F199AA75342}" type="datetimeFigureOut">
               <a:rPr lang="sv-SE" smtClean="0"/>
-              <a:t>2012-05-12</a:t>
+              <a:pPr/>
+              <a:t>2012-05-13</a:t>
             </a:fld>
             <a:endParaRPr lang="sv-SE"/>
           </a:p>
@@ -3073,6 +3104,7 @@
           <a:p>
             <a:fld id="{B489F0B7-5920-4710-981B-E0503F55D3D4}" type="slidenum">
               <a:rPr lang="sv-SE" smtClean="0"/>
+              <a:pPr/>
               <a:t>‹#›</a:t>
             </a:fld>
             <a:endParaRPr lang="sv-SE"/>
@@ -3206,7 +3238,8 @@
           <a:p>
             <a:fld id="{4A1C7490-C7A0-40FD-866A-2F199AA75342}" type="datetimeFigureOut">
               <a:rPr lang="sv-SE" smtClean="0"/>
-              <a:t>2012-05-12</a:t>
+              <a:pPr/>
+              <a:t>2012-05-13</a:t>
             </a:fld>
             <a:endParaRPr lang="sv-SE"/>
           </a:p>
@@ -3248,6 +3281,7 @@
           <a:p>
             <a:fld id="{B489F0B7-5920-4710-981B-E0503F55D3D4}" type="slidenum">
               <a:rPr lang="sv-SE" smtClean="0"/>
+              <a:pPr/>
               <a:t>‹#›</a:t>
             </a:fld>
             <a:endParaRPr lang="sv-SE"/>
@@ -3371,7 +3405,8 @@
           <a:p>
             <a:fld id="{4A1C7490-C7A0-40FD-866A-2F199AA75342}" type="datetimeFigureOut">
               <a:rPr lang="sv-SE" smtClean="0"/>
-              <a:t>2012-05-12</a:t>
+              <a:pPr/>
+              <a:t>2012-05-13</a:t>
             </a:fld>
             <a:endParaRPr lang="sv-SE"/>
           </a:p>
@@ -3413,6 +3448,7 @@
           <a:p>
             <a:fld id="{B489F0B7-5920-4710-981B-E0503F55D3D4}" type="slidenum">
               <a:rPr lang="sv-SE" smtClean="0"/>
+              <a:pPr/>
               <a:t>‹#›</a:t>
             </a:fld>
             <a:endParaRPr lang="sv-SE"/>
@@ -3612,7 +3648,8 @@
           <a:p>
             <a:fld id="{4A1C7490-C7A0-40FD-866A-2F199AA75342}" type="datetimeFigureOut">
               <a:rPr lang="sv-SE" smtClean="0"/>
-              <a:t>2012-05-12</a:t>
+              <a:pPr/>
+              <a:t>2012-05-13</a:t>
             </a:fld>
             <a:endParaRPr lang="sv-SE"/>
           </a:p>
@@ -3654,6 +3691,7 @@
           <a:p>
             <a:fld id="{B489F0B7-5920-4710-981B-E0503F55D3D4}" type="slidenum">
               <a:rPr lang="sv-SE" smtClean="0"/>
+              <a:pPr/>
               <a:t>‹#›</a:t>
             </a:fld>
             <a:endParaRPr lang="sv-SE"/>
@@ -3895,7 +3933,8 @@
           <a:p>
             <a:fld id="{4A1C7490-C7A0-40FD-866A-2F199AA75342}" type="datetimeFigureOut">
               <a:rPr lang="sv-SE" smtClean="0"/>
-              <a:t>2012-05-12</a:t>
+              <a:pPr/>
+              <a:t>2012-05-13</a:t>
             </a:fld>
             <a:endParaRPr lang="sv-SE"/>
           </a:p>
@@ -3937,6 +3976,7 @@
           <a:p>
             <a:fld id="{B489F0B7-5920-4710-981B-E0503F55D3D4}" type="slidenum">
               <a:rPr lang="sv-SE" smtClean="0"/>
+              <a:pPr/>
               <a:t>‹#›</a:t>
             </a:fld>
             <a:endParaRPr lang="sv-SE"/>
@@ -4312,7 +4352,8 @@
           <a:p>
             <a:fld id="{4A1C7490-C7A0-40FD-866A-2F199AA75342}" type="datetimeFigureOut">
               <a:rPr lang="sv-SE" smtClean="0"/>
-              <a:t>2012-05-12</a:t>
+              <a:pPr/>
+              <a:t>2012-05-13</a:t>
             </a:fld>
             <a:endParaRPr lang="sv-SE"/>
           </a:p>
@@ -4354,6 +4395,7 @@
           <a:p>
             <a:fld id="{B489F0B7-5920-4710-981B-E0503F55D3D4}" type="slidenum">
               <a:rPr lang="sv-SE" smtClean="0"/>
+              <a:pPr/>
               <a:t>‹#›</a:t>
             </a:fld>
             <a:endParaRPr lang="sv-SE"/>
@@ -4425,7 +4467,8 @@
           <a:p>
             <a:fld id="{4A1C7490-C7A0-40FD-866A-2F199AA75342}" type="datetimeFigureOut">
               <a:rPr lang="sv-SE" smtClean="0"/>
-              <a:t>2012-05-12</a:t>
+              <a:pPr/>
+              <a:t>2012-05-13</a:t>
             </a:fld>
             <a:endParaRPr lang="sv-SE"/>
           </a:p>
@@ -4467,6 +4510,7 @@
           <a:p>
             <a:fld id="{B489F0B7-5920-4710-981B-E0503F55D3D4}" type="slidenum">
               <a:rPr lang="sv-SE" smtClean="0"/>
+              <a:pPr/>
               <a:t>‹#›</a:t>
             </a:fld>
             <a:endParaRPr lang="sv-SE"/>
@@ -4515,7 +4559,8 @@
           <a:p>
             <a:fld id="{4A1C7490-C7A0-40FD-866A-2F199AA75342}" type="datetimeFigureOut">
               <a:rPr lang="sv-SE" smtClean="0"/>
-              <a:t>2012-05-12</a:t>
+              <a:pPr/>
+              <a:t>2012-05-13</a:t>
             </a:fld>
             <a:endParaRPr lang="sv-SE"/>
           </a:p>
@@ -4557,6 +4602,7 @@
           <a:p>
             <a:fld id="{B489F0B7-5920-4710-981B-E0503F55D3D4}" type="slidenum">
               <a:rPr lang="sv-SE" smtClean="0"/>
+              <a:pPr/>
               <a:t>‹#›</a:t>
             </a:fld>
             <a:endParaRPr lang="sv-SE"/>
@@ -4787,7 +4833,8 @@
           <a:p>
             <a:fld id="{4A1C7490-C7A0-40FD-866A-2F199AA75342}" type="datetimeFigureOut">
               <a:rPr lang="sv-SE" smtClean="0"/>
-              <a:t>2012-05-12</a:t>
+              <a:pPr/>
+              <a:t>2012-05-13</a:t>
             </a:fld>
             <a:endParaRPr lang="sv-SE"/>
           </a:p>
@@ -4829,6 +4876,7 @@
           <a:p>
             <a:fld id="{B489F0B7-5920-4710-981B-E0503F55D3D4}" type="slidenum">
               <a:rPr lang="sv-SE" smtClean="0"/>
+              <a:pPr/>
               <a:t>‹#›</a:t>
             </a:fld>
             <a:endParaRPr lang="sv-SE"/>
@@ -5035,7 +5083,8 @@
           <a:p>
             <a:fld id="{4A1C7490-C7A0-40FD-866A-2F199AA75342}" type="datetimeFigureOut">
               <a:rPr lang="sv-SE" smtClean="0"/>
-              <a:t>2012-05-12</a:t>
+              <a:pPr/>
+              <a:t>2012-05-13</a:t>
             </a:fld>
             <a:endParaRPr lang="sv-SE"/>
           </a:p>
@@ -5077,6 +5126,7 @@
           <a:p>
             <a:fld id="{B489F0B7-5920-4710-981B-E0503F55D3D4}" type="slidenum">
               <a:rPr lang="sv-SE" smtClean="0"/>
+              <a:pPr/>
               <a:t>‹#›</a:t>
             </a:fld>
             <a:endParaRPr lang="sv-SE"/>
@@ -5243,7 +5293,8 @@
           <a:p>
             <a:fld id="{4A1C7490-C7A0-40FD-866A-2F199AA75342}" type="datetimeFigureOut">
               <a:rPr lang="sv-SE" smtClean="0"/>
-              <a:t>2012-05-12</a:t>
+              <a:pPr/>
+              <a:t>2012-05-13</a:t>
             </a:fld>
             <a:endParaRPr lang="sv-SE"/>
           </a:p>
@@ -5321,6 +5372,7 @@
           <a:p>
             <a:fld id="{B489F0B7-5920-4710-981B-E0503F55D3D4}" type="slidenum">
               <a:rPr lang="sv-SE" smtClean="0"/>
+              <a:pPr/>
               <a:t>‹#›</a:t>
             </a:fld>
             <a:endParaRPr lang="sv-SE"/>
@@ -5756,17 +5808,7 @@
                 <a:latin typeface="Courier New" pitchFamily="49" charset="0"/>
                 <a:cs typeface="Courier New" pitchFamily="49" charset="0"/>
               </a:rPr>
-              <a:t>TSEA43 </a:t>
-            </a:r>
-            <a:r>
-              <a:rPr lang="sv-SE" dirty="0" smtClean="0">
-                <a:solidFill>
-                  <a:srgbClr val="00FF00"/>
-                </a:solidFill>
-                <a:latin typeface="Courier New" pitchFamily="49" charset="0"/>
-                <a:cs typeface="Courier New" pitchFamily="49" charset="0"/>
-              </a:rPr>
-              <a:t>Digital konstruktion</a:t>
+              <a:t>TSEA43 Digital konstruktion</a:t>
             </a:r>
           </a:p>
           <a:p>
@@ -6674,6 +6716,17 @@
             <a:r>
               <a:rPr lang="sv-SE" dirty="0" err="1" smtClean="0"/>
               <a:t>Vampire</a:t>
+            </a:r>
+            <a:endParaRPr lang="sv-SE" dirty="0" smtClean="0"/>
+          </a:p>
+          <a:p>
+            <a:r>
+              <a:rPr lang="sv-SE" dirty="0" smtClean="0"/>
+              <a:t>Anti </a:t>
+            </a:r>
+            <a:r>
+              <a:rPr lang="sv-SE" smtClean="0"/>
+              <a:t>vampire</a:t>
             </a:r>
             <a:endParaRPr lang="sv-SE" dirty="0" smtClean="0"/>
           </a:p>
@@ -7051,21 +7104,7 @@
                 <a:latin typeface="Courier New" pitchFamily="49" charset="0"/>
                 <a:cs typeface="Courier New" pitchFamily="49" charset="0"/>
               </a:rPr>
-              <a:t>     JMP </a:t>
-            </a:r>
-            <a:r>
-              <a:rPr lang="sv-SE" dirty="0" smtClean="0">
-                <a:latin typeface="Courier New" pitchFamily="49" charset="0"/>
-                <a:cs typeface="Courier New" pitchFamily="49" charset="0"/>
-              </a:rPr>
-              <a:t>STRT</a:t>
-            </a:r>
-            <a:r>
-              <a:rPr lang="sv-SE" dirty="0" smtClean="0">
-                <a:latin typeface="Courier New" pitchFamily="49" charset="0"/>
-                <a:cs typeface="Courier New" pitchFamily="49" charset="0"/>
-              </a:rPr>
-              <a:t>, 0</a:t>
+              <a:t>     JMP STRT, 0</a:t>
             </a:r>
           </a:p>
           <a:p>

--- a/Report & presentation/redcode.pptx
+++ b/Report & presentation/redcode.pptx
@@ -8,11 +8,20 @@
     <p:sldId id="257" r:id="rId2"/>
     <p:sldId id="258" r:id="rId3"/>
     <p:sldId id="259" r:id="rId4"/>
-    <p:sldId id="262" r:id="rId5"/>
-    <p:sldId id="263" r:id="rId6"/>
-    <p:sldId id="260" r:id="rId7"/>
-    <p:sldId id="256" r:id="rId8"/>
-    <p:sldId id="261" r:id="rId9"/>
+    <p:sldId id="267" r:id="rId5"/>
+    <p:sldId id="264" r:id="rId6"/>
+    <p:sldId id="263" r:id="rId7"/>
+    <p:sldId id="265" r:id="rId8"/>
+    <p:sldId id="266" r:id="rId9"/>
+    <p:sldId id="268" r:id="rId10"/>
+    <p:sldId id="256" r:id="rId11"/>
+    <p:sldId id="269" r:id="rId12"/>
+    <p:sldId id="270" r:id="rId13"/>
+    <p:sldId id="271" r:id="rId14"/>
+    <p:sldId id="272" r:id="rId15"/>
+    <p:sldId id="273" r:id="rId16"/>
+    <p:sldId id="276" r:id="rId17"/>
+    <p:sldId id="260" r:id="rId18"/>
   </p:sldIdLst>
   <p:sldSz cx="9144000" cy="6858000" type="screen4x3"/>
   <p:notesSz cx="6858000" cy="9144000"/>
@@ -883,10 +892,18 @@
         <a:lstStyle/>
         <a:p>
           <a:r>
-            <a:rPr lang="sv-SE" dirty="0" smtClean="0"/>
+            <a:rPr lang="sv-SE" dirty="0" smtClean="0">
+              <a:solidFill>
+                <a:srgbClr val="00FF00"/>
+              </a:solidFill>
+            </a:rPr>
             <a:t>Scanner</a:t>
           </a:r>
-          <a:endParaRPr lang="sv-SE" dirty="0"/>
+          <a:endParaRPr lang="sv-SE" dirty="0">
+            <a:solidFill>
+              <a:srgbClr val="00FF00"/>
+            </a:solidFill>
+          </a:endParaRPr>
         </a:p>
       </dgm:t>
     </dgm:pt>
@@ -903,7 +920,16 @@
     </dgm:pt>
     <dgm:pt modelId="{86624D31-9446-4631-9CEC-11694752CD5D}" type="sibTrans" cxnId="{AD62CFE2-EFB3-4656-91F9-9C1603703BB1}">
       <dgm:prSet/>
-      <dgm:spPr/>
+      <dgm:spPr>
+        <a:solidFill>
+          <a:schemeClr val="tx1"/>
+        </a:solidFill>
+        <a:ln>
+          <a:solidFill>
+            <a:srgbClr val="00FF00"/>
+          </a:solidFill>
+        </a:ln>
+      </dgm:spPr>
       <dgm:t>
         <a:bodyPr/>
         <a:lstStyle/>
@@ -920,10 +946,18 @@
         <a:lstStyle/>
         <a:p>
           <a:r>
-            <a:rPr lang="sv-SE" dirty="0" err="1" smtClean="0"/>
+            <a:rPr lang="sv-SE" dirty="0" err="1" smtClean="0">
+              <a:solidFill>
+                <a:srgbClr val="00FF00"/>
+              </a:solidFill>
+            </a:rPr>
             <a:t>Replicator</a:t>
           </a:r>
-          <a:endParaRPr lang="sv-SE" dirty="0"/>
+          <a:endParaRPr lang="sv-SE" dirty="0">
+            <a:solidFill>
+              <a:srgbClr val="00FF00"/>
+            </a:solidFill>
+          </a:endParaRPr>
         </a:p>
       </dgm:t>
     </dgm:pt>
@@ -939,8 +973,32 @@
       </dgm:t>
     </dgm:pt>
     <dgm:pt modelId="{F866C608-7065-41B0-A7F3-24D080A94683}" type="sibTrans" cxnId="{12FEC066-F98A-4C2E-9531-C458A44A713A}">
-      <dgm:prSet/>
-      <dgm:spPr/>
+      <dgm:prSet>
+        <dgm:style>
+          <a:lnRef idx="2">
+            <a:schemeClr val="accent3"/>
+          </a:lnRef>
+          <a:fillRef idx="1">
+            <a:schemeClr val="lt1"/>
+          </a:fillRef>
+          <a:effectRef idx="0">
+            <a:schemeClr val="accent3"/>
+          </a:effectRef>
+          <a:fontRef idx="minor">
+            <a:schemeClr val="dk1"/>
+          </a:fontRef>
+        </dgm:style>
+      </dgm:prSet>
+      <dgm:spPr>
+        <a:solidFill>
+          <a:schemeClr val="tx1"/>
+        </a:solidFill>
+        <a:ln>
+          <a:solidFill>
+            <a:srgbClr val="00FF00"/>
+          </a:solidFill>
+        </a:ln>
+      </dgm:spPr>
       <dgm:t>
         <a:bodyPr/>
         <a:lstStyle/>
@@ -957,10 +1015,18 @@
         <a:lstStyle/>
         <a:p>
           <a:r>
-            <a:rPr lang="sv-SE" dirty="0" smtClean="0"/>
+            <a:rPr lang="sv-SE" dirty="0" smtClean="0">
+              <a:solidFill>
+                <a:srgbClr val="00FF00"/>
+              </a:solidFill>
+            </a:rPr>
             <a:t>Bomber</a:t>
           </a:r>
-          <a:endParaRPr lang="sv-SE" dirty="0"/>
+          <a:endParaRPr lang="sv-SE" dirty="0">
+            <a:solidFill>
+              <a:srgbClr val="00FF00"/>
+            </a:solidFill>
+          </a:endParaRPr>
         </a:p>
       </dgm:t>
     </dgm:pt>
@@ -977,7 +1043,16 @@
     </dgm:pt>
     <dgm:pt modelId="{0602A2B7-4D18-42BF-A076-75FF6635E523}" type="sibTrans" cxnId="{C7869466-0563-43E5-BC29-45C2BB971504}">
       <dgm:prSet/>
-      <dgm:spPr/>
+      <dgm:spPr>
+        <a:solidFill>
+          <a:schemeClr val="tx1"/>
+        </a:solidFill>
+        <a:ln>
+          <a:solidFill>
+            <a:srgbClr val="00FF00"/>
+          </a:solidFill>
+        </a:ln>
+      </dgm:spPr>
       <dgm:t>
         <a:bodyPr/>
         <a:lstStyle/>
@@ -1181,10 +1256,18 @@
             </a:spcAft>
           </a:pPr>
           <a:r>
-            <a:rPr lang="sv-SE" sz="2700" kern="1200" dirty="0" smtClean="0"/>
+            <a:rPr lang="sv-SE" sz="2700" kern="1200" dirty="0" smtClean="0">
+              <a:solidFill>
+                <a:srgbClr val="00FF00"/>
+              </a:solidFill>
+            </a:rPr>
             <a:t>Scanner</a:t>
           </a:r>
-          <a:endParaRPr lang="sv-SE" sz="2700" kern="1200" dirty="0"/>
+          <a:endParaRPr lang="sv-SE" sz="2700" kern="1200" dirty="0">
+            <a:solidFill>
+              <a:srgbClr val="00FF00"/>
+            </a:solidFill>
+          </a:endParaRPr>
         </a:p>
       </dsp:txBody>
       <dsp:txXfrm>
@@ -1212,21 +1295,11 @@
           </a:avLst>
         </a:prstGeom>
         <a:solidFill>
-          <a:schemeClr val="accent1">
-            <a:hueOff val="0"/>
-            <a:satOff val="0"/>
-            <a:lumOff val="0"/>
-            <a:alphaOff val="0"/>
-          </a:schemeClr>
+          <a:schemeClr val="tx1"/>
         </a:solidFill>
         <a:ln w="25400" cap="flat" cmpd="sng" algn="ctr">
           <a:solidFill>
-            <a:schemeClr val="lt1">
-              <a:hueOff val="0"/>
-              <a:satOff val="0"/>
-              <a:lumOff val="0"/>
-              <a:alphaOff val="0"/>
-            </a:schemeClr>
+            <a:srgbClr val="00FF00"/>
           </a:solidFill>
           <a:prstDash val="solid"/>
         </a:ln>
@@ -1296,10 +1369,18 @@
             </a:spcAft>
           </a:pPr>
           <a:r>
-            <a:rPr lang="sv-SE" sz="2700" kern="1200" dirty="0" err="1" smtClean="0"/>
+            <a:rPr lang="sv-SE" sz="2700" kern="1200" dirty="0" err="1" smtClean="0">
+              <a:solidFill>
+                <a:srgbClr val="00FF00"/>
+              </a:solidFill>
+            </a:rPr>
             <a:t>Replicator</a:t>
           </a:r>
-          <a:endParaRPr lang="sv-SE" sz="2700" kern="1200" dirty="0"/>
+          <a:endParaRPr lang="sv-SE" sz="2700" kern="1200" dirty="0">
+            <a:solidFill>
+              <a:srgbClr val="00FF00"/>
+            </a:solidFill>
+          </a:endParaRPr>
         </a:p>
       </dsp:txBody>
       <dsp:txXfrm>
@@ -1327,21 +1408,11 @@
           </a:avLst>
         </a:prstGeom>
         <a:solidFill>
-          <a:schemeClr val="accent1">
-            <a:hueOff val="0"/>
-            <a:satOff val="0"/>
-            <a:lumOff val="0"/>
-            <a:alphaOff val="0"/>
-          </a:schemeClr>
+          <a:schemeClr val="tx1"/>
         </a:solidFill>
         <a:ln w="25400" cap="flat" cmpd="sng" algn="ctr">
           <a:solidFill>
-            <a:schemeClr val="lt1">
-              <a:hueOff val="0"/>
-              <a:satOff val="0"/>
-              <a:lumOff val="0"/>
-              <a:alphaOff val="0"/>
-            </a:schemeClr>
+            <a:srgbClr val="00FF00"/>
           </a:solidFill>
           <a:prstDash val="solid"/>
         </a:ln>
@@ -1349,16 +1420,16 @@
       </dsp:spPr>
       <dsp:style>
         <a:lnRef idx="2">
-          <a:scrgbClr r="0" g="0" b="0"/>
+          <a:schemeClr val="accent3"/>
         </a:lnRef>
         <a:fillRef idx="1">
-          <a:scrgbClr r="0" g="0" b="0"/>
+          <a:schemeClr val="lt1"/>
         </a:fillRef>
         <a:effectRef idx="0">
-          <a:scrgbClr r="0" g="0" b="0"/>
+          <a:schemeClr val="accent3"/>
         </a:effectRef>
         <a:fontRef idx="minor">
-          <a:schemeClr val="lt1"/>
+          <a:schemeClr val="dk1"/>
         </a:fontRef>
       </dsp:style>
     </dsp:sp>
@@ -1411,10 +1482,18 @@
             </a:spcAft>
           </a:pPr>
           <a:r>
-            <a:rPr lang="sv-SE" sz="2700" kern="1200" dirty="0" smtClean="0"/>
+            <a:rPr lang="sv-SE" sz="2700" kern="1200" dirty="0" smtClean="0">
+              <a:solidFill>
+                <a:srgbClr val="00FF00"/>
+              </a:solidFill>
+            </a:rPr>
             <a:t>Bomber</a:t>
           </a:r>
-          <a:endParaRPr lang="sv-SE" sz="2700" kern="1200" dirty="0"/>
+          <a:endParaRPr lang="sv-SE" sz="2700" kern="1200" dirty="0">
+            <a:solidFill>
+              <a:srgbClr val="00FF00"/>
+            </a:solidFill>
+          </a:endParaRPr>
         </a:p>
       </dsp:txBody>
       <dsp:txXfrm>
@@ -1442,21 +1521,11 @@
           </a:avLst>
         </a:prstGeom>
         <a:solidFill>
-          <a:schemeClr val="accent1">
-            <a:hueOff val="0"/>
-            <a:satOff val="0"/>
-            <a:lumOff val="0"/>
-            <a:alphaOff val="0"/>
-          </a:schemeClr>
+          <a:schemeClr val="tx1"/>
         </a:solidFill>
         <a:ln w="25400" cap="flat" cmpd="sng" algn="ctr">
           <a:solidFill>
-            <a:schemeClr val="lt1">
-              <a:hueOff val="0"/>
-              <a:satOff val="0"/>
-              <a:lumOff val="0"/>
-              <a:alphaOff val="0"/>
-            </a:schemeClr>
+            <a:srgbClr val="00FF00"/>
           </a:solidFill>
           <a:prstDash val="solid"/>
         </a:ln>
@@ -5145,9 +5214,12 @@
 <p:sldMaster xmlns:a="http://schemas.openxmlformats.org/drawingml/2006/main" xmlns:r="http://schemas.openxmlformats.org/officeDocument/2006/relationships" xmlns:p="http://schemas.openxmlformats.org/presentationml/2006/main">
   <p:cSld>
     <p:bg>
-      <p:bgRef idx="1001">
-        <a:schemeClr val="bg1"/>
-      </p:bgRef>
+      <p:bgPr>
+        <a:solidFill>
+          <a:schemeClr val="tx1"/>
+        </a:solidFill>
+        <a:effectLst/>
+      </p:bgPr>
     </p:bg>
     <p:spTree>
       <p:nvGrpSpPr>
@@ -5651,14 +5723,6 @@
 <file path=ppt/slides/slide1.xml><?xml version="1.0" encoding="utf-8"?>
 <p:sld xmlns:a="http://schemas.openxmlformats.org/drawingml/2006/main" xmlns:r="http://schemas.openxmlformats.org/officeDocument/2006/relationships" xmlns:p="http://schemas.openxmlformats.org/presentationml/2006/main">
   <p:cSld>
-    <p:bg>
-      <p:bgPr>
-        <a:solidFill>
-          <a:schemeClr val="tx1"/>
-        </a:solidFill>
-        <a:effectLst/>
-      </p:bgPr>
-    </p:bg>
     <p:spTree>
       <p:nvGrpSpPr>
         <p:cNvPr id="1" name=""/>
@@ -5820,11 +5884,2117 @@
                 <a:latin typeface="Courier New" pitchFamily="49" charset="0"/>
                 <a:cs typeface="Courier New" pitchFamily="49" charset="0"/>
               </a:rPr>
-              <a:t>8/5 2012</a:t>
+              <a:t>15/5 </a:t>
+            </a:r>
+            <a:r>
+              <a:rPr lang="sv-SE" dirty="0" smtClean="0">
+                <a:solidFill>
+                  <a:srgbClr val="00FF00"/>
+                </a:solidFill>
+                <a:latin typeface="Courier New" pitchFamily="49" charset="0"/>
+                <a:cs typeface="Courier New" pitchFamily="49" charset="0"/>
+              </a:rPr>
+              <a:t>2012</a:t>
             </a:r>
           </a:p>
         </p:txBody>
       </p:sp>
+    </p:spTree>
+  </p:cSld>
+  <p:clrMapOvr>
+    <a:masterClrMapping/>
+  </p:clrMapOvr>
+</p:sld>
+</file>
+
+<file path=ppt/slides/slide10.xml><?xml version="1.0" encoding="utf-8"?>
+<p:sld xmlns:a="http://schemas.openxmlformats.org/drawingml/2006/main" xmlns:r="http://schemas.openxmlformats.org/officeDocument/2006/relationships" xmlns:p="http://schemas.openxmlformats.org/presentationml/2006/main">
+  <p:cSld>
+    <p:spTree>
+      <p:nvGrpSpPr>
+        <p:cNvPr id="1" name=""/>
+        <p:cNvGrpSpPr/>
+        <p:nvPr/>
+      </p:nvGrpSpPr>
+      <p:grpSpPr>
+        <a:xfrm>
+          <a:off x="0" y="0"/>
+          <a:ext cx="0" cy="0"/>
+          <a:chOff x="0" y="0"/>
+          <a:chExt cx="0" cy="0"/>
+        </a:xfrm>
+      </p:grpSpPr>
+      <p:sp>
+        <p:nvSpPr>
+          <p:cNvPr id="5" name="Content Placeholder 4"/>
+          <p:cNvSpPr>
+            <a:spLocks noGrp="1"/>
+          </p:cNvSpPr>
+          <p:nvPr>
+            <p:ph sz="half" idx="1"/>
+          </p:nvPr>
+        </p:nvSpPr>
+        <p:spPr/>
+        <p:txBody>
+          <a:bodyPr/>
+          <a:lstStyle/>
+          <a:p>
+            <a:pPr>
+              <a:buNone/>
+            </a:pPr>
+            <a:r>
+              <a:rPr lang="sv-SE" dirty="0" smtClean="0">
+                <a:solidFill>
+                  <a:srgbClr val="00FF00"/>
+                </a:solidFill>
+                <a:latin typeface="Courier New" pitchFamily="49" charset="0"/>
+                <a:cs typeface="Courier New" pitchFamily="49" charset="0"/>
+              </a:rPr>
+              <a:t>;</a:t>
+            </a:r>
+            <a:r>
+              <a:rPr lang="sv-SE" dirty="0" err="1" smtClean="0">
+                <a:solidFill>
+                  <a:srgbClr val="00FF00"/>
+                </a:solidFill>
+                <a:latin typeface="Courier New" pitchFamily="49" charset="0"/>
+                <a:cs typeface="Courier New" pitchFamily="49" charset="0"/>
+              </a:rPr>
+              <a:t>name</a:t>
+            </a:r>
+            <a:r>
+              <a:rPr lang="sv-SE" dirty="0" smtClean="0">
+                <a:solidFill>
+                  <a:srgbClr val="00FF00"/>
+                </a:solidFill>
+                <a:latin typeface="Courier New" pitchFamily="49" charset="0"/>
+                <a:cs typeface="Courier New" pitchFamily="49" charset="0"/>
+              </a:rPr>
+              <a:t> IMP</a:t>
+            </a:r>
+          </a:p>
+          <a:p>
+            <a:pPr>
+              <a:buNone/>
+            </a:pPr>
+            <a:r>
+              <a:rPr lang="sv-SE" dirty="0" smtClean="0">
+                <a:solidFill>
+                  <a:srgbClr val="00FF00"/>
+                </a:solidFill>
+                <a:latin typeface="Courier New" pitchFamily="49" charset="0"/>
+                <a:cs typeface="Courier New" pitchFamily="49" charset="0"/>
+              </a:rPr>
+              <a:t>MOV 0, 1</a:t>
+            </a:r>
+            <a:endParaRPr lang="sv-SE" dirty="0">
+              <a:solidFill>
+                <a:srgbClr val="00FF00"/>
+              </a:solidFill>
+              <a:latin typeface="Courier New" pitchFamily="49" charset="0"/>
+              <a:cs typeface="Courier New" pitchFamily="49" charset="0"/>
+            </a:endParaRPr>
+          </a:p>
+        </p:txBody>
+      </p:sp>
+      <p:sp>
+        <p:nvSpPr>
+          <p:cNvPr id="6" name="Content Placeholder 5"/>
+          <p:cNvSpPr>
+            <a:spLocks noGrp="1"/>
+          </p:cNvSpPr>
+          <p:nvPr>
+            <p:ph sz="half" idx="2"/>
+          </p:nvPr>
+        </p:nvSpPr>
+        <p:spPr/>
+        <p:txBody>
+          <a:bodyPr/>
+          <a:lstStyle/>
+          <a:p>
+            <a:pPr>
+              <a:buNone/>
+            </a:pPr>
+            <a:r>
+              <a:rPr lang="sv-SE" dirty="0" smtClean="0">
+                <a:solidFill>
+                  <a:srgbClr val="00FF00"/>
+                </a:solidFill>
+                <a:latin typeface="Courier New" pitchFamily="49" charset="0"/>
+                <a:cs typeface="Courier New" pitchFamily="49" charset="0"/>
+              </a:rPr>
+              <a:t>;</a:t>
+            </a:r>
+            <a:r>
+              <a:rPr lang="sv-SE" dirty="0" err="1" smtClean="0">
+                <a:solidFill>
+                  <a:srgbClr val="00FF00"/>
+                </a:solidFill>
+                <a:latin typeface="Courier New" pitchFamily="49" charset="0"/>
+                <a:cs typeface="Courier New" pitchFamily="49" charset="0"/>
+              </a:rPr>
+              <a:t>name</a:t>
+            </a:r>
+            <a:r>
+              <a:rPr lang="sv-SE" dirty="0" smtClean="0">
+                <a:solidFill>
+                  <a:srgbClr val="00FF00"/>
+                </a:solidFill>
+                <a:latin typeface="Courier New" pitchFamily="49" charset="0"/>
+                <a:cs typeface="Courier New" pitchFamily="49" charset="0"/>
+              </a:rPr>
+              <a:t> GATE</a:t>
+            </a:r>
+          </a:p>
+          <a:p>
+            <a:pPr>
+              <a:buNone/>
+            </a:pPr>
+            <a:r>
+              <a:rPr lang="sv-SE" dirty="0" smtClean="0">
+                <a:solidFill>
+                  <a:srgbClr val="00FF00"/>
+                </a:solidFill>
+                <a:latin typeface="Courier New" pitchFamily="49" charset="0"/>
+                <a:cs typeface="Courier New" pitchFamily="49" charset="0"/>
+              </a:rPr>
+              <a:t>GATE JMP GATE ,&lt;-2</a:t>
+            </a:r>
+          </a:p>
+        </p:txBody>
+      </p:sp>
+      <p:sp>
+        <p:nvSpPr>
+          <p:cNvPr id="7" name="Title 6"/>
+          <p:cNvSpPr>
+            <a:spLocks noGrp="1"/>
+          </p:cNvSpPr>
+          <p:nvPr>
+            <p:ph type="title"/>
+          </p:nvPr>
+        </p:nvSpPr>
+        <p:spPr/>
+        <p:txBody>
+          <a:bodyPr/>
+          <a:lstStyle/>
+          <a:p>
+            <a:r>
+              <a:rPr lang="sv-SE" dirty="0" err="1" smtClean="0">
+                <a:solidFill>
+                  <a:srgbClr val="00FF00"/>
+                </a:solidFill>
+              </a:rPr>
+              <a:t>Imp</a:t>
+            </a:r>
+            <a:r>
+              <a:rPr lang="sv-SE" dirty="0" smtClean="0">
+                <a:solidFill>
+                  <a:srgbClr val="00FF00"/>
+                </a:solidFill>
+              </a:rPr>
+              <a:t> vs. Gate</a:t>
+            </a:r>
+            <a:endParaRPr lang="sv-SE" dirty="0">
+              <a:solidFill>
+                <a:srgbClr val="00FF00"/>
+              </a:solidFill>
+            </a:endParaRPr>
+          </a:p>
+        </p:txBody>
+      </p:sp>
+    </p:spTree>
+  </p:cSld>
+  <p:clrMapOvr>
+    <a:masterClrMapping/>
+  </p:clrMapOvr>
+</p:sld>
+</file>
+
+<file path=ppt/slides/slide11.xml><?xml version="1.0" encoding="utf-8"?>
+<p:sld xmlns:a="http://schemas.openxmlformats.org/drawingml/2006/main" xmlns:r="http://schemas.openxmlformats.org/officeDocument/2006/relationships" xmlns:p="http://schemas.openxmlformats.org/presentationml/2006/main">
+  <p:cSld>
+    <p:spTree>
+      <p:nvGrpSpPr>
+        <p:cNvPr id="1" name=""/>
+        <p:cNvGrpSpPr/>
+        <p:nvPr/>
+      </p:nvGrpSpPr>
+      <p:grpSpPr>
+        <a:xfrm>
+          <a:off x="0" y="0"/>
+          <a:ext cx="0" cy="0"/>
+          <a:chOff x="0" y="0"/>
+          <a:chExt cx="0" cy="0"/>
+        </a:xfrm>
+      </p:grpSpPr>
+      <p:sp>
+        <p:nvSpPr>
+          <p:cNvPr id="2" name="Title 1"/>
+          <p:cNvSpPr>
+            <a:spLocks noGrp="1"/>
+          </p:cNvSpPr>
+          <p:nvPr>
+            <p:ph type="title"/>
+          </p:nvPr>
+        </p:nvSpPr>
+        <p:spPr/>
+        <p:txBody>
+          <a:bodyPr/>
+          <a:lstStyle/>
+          <a:p>
+            <a:r>
+              <a:rPr lang="sv-SE" dirty="0" err="1" smtClean="0">
+                <a:solidFill>
+                  <a:srgbClr val="00FF00"/>
+                </a:solidFill>
+              </a:rPr>
+              <a:t>Imp</a:t>
+            </a:r>
+            <a:r>
+              <a:rPr lang="sv-SE" dirty="0" smtClean="0">
+                <a:solidFill>
+                  <a:srgbClr val="00FF00"/>
+                </a:solidFill>
+              </a:rPr>
+              <a:t> vs. Gate</a:t>
+            </a:r>
+            <a:endParaRPr lang="sv-SE" dirty="0">
+              <a:solidFill>
+                <a:srgbClr val="00FF00"/>
+              </a:solidFill>
+            </a:endParaRPr>
+          </a:p>
+        </p:txBody>
+      </p:sp>
+      <p:sp>
+        <p:nvSpPr>
+          <p:cNvPr id="3" name="Content Placeholder 2"/>
+          <p:cNvSpPr>
+            <a:spLocks noGrp="1"/>
+          </p:cNvSpPr>
+          <p:nvPr>
+            <p:ph sz="half" idx="1"/>
+          </p:nvPr>
+        </p:nvSpPr>
+        <p:spPr>
+          <a:xfrm>
+            <a:off x="2552700" y="1600200"/>
+            <a:ext cx="4038600" cy="4525963"/>
+          </a:xfrm>
+        </p:spPr>
+        <p:txBody>
+          <a:bodyPr>
+            <a:normAutofit/>
+          </a:bodyPr>
+          <a:lstStyle/>
+          <a:p>
+            <a:pPr>
+              <a:buNone/>
+            </a:pPr>
+            <a:r>
+              <a:rPr lang="sv-SE" dirty="0" smtClean="0">
+                <a:solidFill>
+                  <a:srgbClr val="FF0000"/>
+                </a:solidFill>
+                <a:latin typeface="Courier New" pitchFamily="49" charset="0"/>
+                <a:cs typeface="Courier New" pitchFamily="49" charset="0"/>
+              </a:rPr>
+              <a:t>MOV 0, </a:t>
+            </a:r>
+            <a:r>
+              <a:rPr lang="sv-SE" dirty="0" smtClean="0">
+                <a:solidFill>
+                  <a:srgbClr val="FF0000"/>
+                </a:solidFill>
+                <a:latin typeface="Courier New" pitchFamily="49" charset="0"/>
+                <a:cs typeface="Courier New" pitchFamily="49" charset="0"/>
+              </a:rPr>
+              <a:t> 1</a:t>
+            </a:r>
+          </a:p>
+          <a:p>
+            <a:pPr>
+              <a:buNone/>
+            </a:pPr>
+            <a:r>
+              <a:rPr lang="sv-SE" dirty="0" smtClean="0">
+                <a:solidFill>
+                  <a:srgbClr val="00FF00"/>
+                </a:solidFill>
+                <a:latin typeface="Courier New" pitchFamily="49" charset="0"/>
+                <a:cs typeface="Courier New" pitchFamily="49" charset="0"/>
+              </a:rPr>
+              <a:t>DAT 0,  0</a:t>
+            </a:r>
+          </a:p>
+          <a:p>
+            <a:pPr>
+              <a:buNone/>
+            </a:pPr>
+            <a:r>
+              <a:rPr lang="sv-SE" dirty="0" smtClean="0">
+                <a:solidFill>
+                  <a:srgbClr val="00FF00"/>
+                </a:solidFill>
+                <a:latin typeface="Courier New" pitchFamily="49" charset="0"/>
+                <a:cs typeface="Courier New" pitchFamily="49" charset="0"/>
+              </a:rPr>
+              <a:t>DAT </a:t>
+            </a:r>
+            <a:r>
+              <a:rPr lang="sv-SE" dirty="0" smtClean="0">
+                <a:solidFill>
+                  <a:srgbClr val="00FF00"/>
+                </a:solidFill>
+                <a:latin typeface="Courier New" pitchFamily="49" charset="0"/>
+                <a:cs typeface="Courier New" pitchFamily="49" charset="0"/>
+              </a:rPr>
+              <a:t>0, </a:t>
+            </a:r>
+            <a:r>
+              <a:rPr lang="sv-SE" dirty="0" smtClean="0">
+                <a:solidFill>
+                  <a:srgbClr val="00FF00"/>
+                </a:solidFill>
+                <a:latin typeface="Courier New" pitchFamily="49" charset="0"/>
+                <a:cs typeface="Courier New" pitchFamily="49" charset="0"/>
+              </a:rPr>
+              <a:t> 0</a:t>
+            </a:r>
+          </a:p>
+          <a:p>
+            <a:pPr>
+              <a:buNone/>
+            </a:pPr>
+            <a:r>
+              <a:rPr lang="sv-SE" dirty="0" smtClean="0">
+                <a:solidFill>
+                  <a:srgbClr val="00FF00"/>
+                </a:solidFill>
+                <a:latin typeface="Courier New" pitchFamily="49" charset="0"/>
+                <a:cs typeface="Courier New" pitchFamily="49" charset="0"/>
+              </a:rPr>
+              <a:t>DAT 0, </a:t>
+            </a:r>
+            <a:r>
+              <a:rPr lang="sv-SE" dirty="0" smtClean="0">
+                <a:solidFill>
+                  <a:srgbClr val="00FF00"/>
+                </a:solidFill>
+                <a:latin typeface="Courier New" pitchFamily="49" charset="0"/>
+                <a:cs typeface="Courier New" pitchFamily="49" charset="0"/>
+              </a:rPr>
+              <a:t> 0</a:t>
+            </a:r>
+          </a:p>
+          <a:p>
+            <a:pPr>
+              <a:buNone/>
+            </a:pPr>
+            <a:r>
+              <a:rPr lang="sv-SE" dirty="0" smtClean="0">
+                <a:solidFill>
+                  <a:srgbClr val="00FF00"/>
+                </a:solidFill>
+                <a:latin typeface="Courier New" pitchFamily="49" charset="0"/>
+                <a:cs typeface="Courier New" pitchFamily="49" charset="0"/>
+              </a:rPr>
+              <a:t>DAT 0, </a:t>
+            </a:r>
+            <a:r>
+              <a:rPr lang="sv-SE" dirty="0" smtClean="0">
+                <a:solidFill>
+                  <a:srgbClr val="00FF00"/>
+                </a:solidFill>
+                <a:latin typeface="Courier New" pitchFamily="49" charset="0"/>
+                <a:cs typeface="Courier New" pitchFamily="49" charset="0"/>
+              </a:rPr>
+              <a:t> 0</a:t>
+            </a:r>
+            <a:endParaRPr lang="sv-SE" dirty="0" smtClean="0">
+              <a:solidFill>
+                <a:srgbClr val="00FF00"/>
+              </a:solidFill>
+              <a:latin typeface="Courier New" pitchFamily="49" charset="0"/>
+              <a:cs typeface="Courier New" pitchFamily="49" charset="0"/>
+            </a:endParaRPr>
+          </a:p>
+          <a:p>
+            <a:pPr>
+              <a:buNone/>
+            </a:pPr>
+            <a:r>
+              <a:rPr lang="sv-SE" dirty="0" smtClean="0">
+                <a:solidFill>
+                  <a:srgbClr val="00B0F0"/>
+                </a:solidFill>
+                <a:latin typeface="Courier New" pitchFamily="49" charset="0"/>
+                <a:cs typeface="Courier New" pitchFamily="49" charset="0"/>
+              </a:rPr>
+              <a:t>JMP 0,  &lt;-</a:t>
+            </a:r>
+            <a:r>
+              <a:rPr lang="sv-SE" dirty="0" smtClean="0">
+                <a:solidFill>
+                  <a:srgbClr val="00B0F0"/>
+                </a:solidFill>
+                <a:latin typeface="Courier New" pitchFamily="49" charset="0"/>
+                <a:cs typeface="Courier New" pitchFamily="49" charset="0"/>
+              </a:rPr>
+              <a:t>2</a:t>
+            </a:r>
+          </a:p>
+          <a:p>
+            <a:endParaRPr lang="sv-SE" dirty="0" smtClean="0">
+              <a:solidFill>
+                <a:srgbClr val="00FF00"/>
+              </a:solidFill>
+              <a:latin typeface="Courier New" pitchFamily="49" charset="0"/>
+              <a:cs typeface="Courier New" pitchFamily="49" charset="0"/>
+            </a:endParaRPr>
+          </a:p>
+          <a:p>
+            <a:endParaRPr lang="sv-SE" dirty="0"/>
+          </a:p>
+        </p:txBody>
+      </p:sp>
+    </p:spTree>
+  </p:cSld>
+  <p:clrMapOvr>
+    <a:masterClrMapping/>
+  </p:clrMapOvr>
+</p:sld>
+</file>
+
+<file path=ppt/slides/slide12.xml><?xml version="1.0" encoding="utf-8"?>
+<p:sld xmlns:a="http://schemas.openxmlformats.org/drawingml/2006/main" xmlns:r="http://schemas.openxmlformats.org/officeDocument/2006/relationships" xmlns:p="http://schemas.openxmlformats.org/presentationml/2006/main">
+  <p:cSld>
+    <p:spTree>
+      <p:nvGrpSpPr>
+        <p:cNvPr id="1" name=""/>
+        <p:cNvGrpSpPr/>
+        <p:nvPr/>
+      </p:nvGrpSpPr>
+      <p:grpSpPr>
+        <a:xfrm>
+          <a:off x="0" y="0"/>
+          <a:ext cx="0" cy="0"/>
+          <a:chOff x="0" y="0"/>
+          <a:chExt cx="0" cy="0"/>
+        </a:xfrm>
+      </p:grpSpPr>
+      <p:sp>
+        <p:nvSpPr>
+          <p:cNvPr id="2" name="Title 1"/>
+          <p:cNvSpPr>
+            <a:spLocks noGrp="1"/>
+          </p:cNvSpPr>
+          <p:nvPr>
+            <p:ph type="title"/>
+          </p:nvPr>
+        </p:nvSpPr>
+        <p:spPr/>
+        <p:txBody>
+          <a:bodyPr/>
+          <a:lstStyle/>
+          <a:p>
+            <a:r>
+              <a:rPr lang="sv-SE" dirty="0" err="1" smtClean="0">
+                <a:solidFill>
+                  <a:srgbClr val="00FF00"/>
+                </a:solidFill>
+              </a:rPr>
+              <a:t>Imp</a:t>
+            </a:r>
+            <a:r>
+              <a:rPr lang="sv-SE" dirty="0" smtClean="0">
+                <a:solidFill>
+                  <a:srgbClr val="00FF00"/>
+                </a:solidFill>
+              </a:rPr>
+              <a:t> vs. Gate</a:t>
+            </a:r>
+            <a:endParaRPr lang="sv-SE" dirty="0">
+              <a:solidFill>
+                <a:srgbClr val="00FF00"/>
+              </a:solidFill>
+            </a:endParaRPr>
+          </a:p>
+        </p:txBody>
+      </p:sp>
+      <p:sp>
+        <p:nvSpPr>
+          <p:cNvPr id="3" name="Content Placeholder 2"/>
+          <p:cNvSpPr>
+            <a:spLocks noGrp="1"/>
+          </p:cNvSpPr>
+          <p:nvPr>
+            <p:ph sz="half" idx="1"/>
+          </p:nvPr>
+        </p:nvSpPr>
+        <p:spPr>
+          <a:xfrm>
+            <a:off x="2552700" y="1600200"/>
+            <a:ext cx="4038600" cy="4525963"/>
+          </a:xfrm>
+        </p:spPr>
+        <p:txBody>
+          <a:bodyPr>
+            <a:normAutofit/>
+          </a:bodyPr>
+          <a:lstStyle/>
+          <a:p>
+            <a:pPr>
+              <a:buNone/>
+            </a:pPr>
+            <a:r>
+              <a:rPr lang="sv-SE" dirty="0" smtClean="0">
+                <a:solidFill>
+                  <a:srgbClr val="00FF00"/>
+                </a:solidFill>
+                <a:latin typeface="Courier New" pitchFamily="49" charset="0"/>
+                <a:cs typeface="Courier New" pitchFamily="49" charset="0"/>
+              </a:rPr>
+              <a:t>MOV 0, </a:t>
+            </a:r>
+            <a:r>
+              <a:rPr lang="sv-SE" dirty="0" smtClean="0">
+                <a:solidFill>
+                  <a:srgbClr val="00FF00"/>
+                </a:solidFill>
+                <a:latin typeface="Courier New" pitchFamily="49" charset="0"/>
+                <a:cs typeface="Courier New" pitchFamily="49" charset="0"/>
+              </a:rPr>
+              <a:t> 1</a:t>
+            </a:r>
+          </a:p>
+          <a:p>
+            <a:pPr>
+              <a:buNone/>
+            </a:pPr>
+            <a:r>
+              <a:rPr lang="sv-SE" dirty="0" smtClean="0">
+                <a:solidFill>
+                  <a:srgbClr val="FF0000"/>
+                </a:solidFill>
+                <a:latin typeface="Courier New" pitchFamily="49" charset="0"/>
+                <a:cs typeface="Courier New" pitchFamily="49" charset="0"/>
+              </a:rPr>
+              <a:t>MOV 0, </a:t>
+            </a:r>
+            <a:r>
+              <a:rPr lang="sv-SE" dirty="0" smtClean="0">
+                <a:solidFill>
+                  <a:srgbClr val="FF0000"/>
+                </a:solidFill>
+                <a:latin typeface="Courier New" pitchFamily="49" charset="0"/>
+                <a:cs typeface="Courier New" pitchFamily="49" charset="0"/>
+              </a:rPr>
+              <a:t> 1</a:t>
+            </a:r>
+            <a:endParaRPr lang="sv-SE" dirty="0" smtClean="0">
+              <a:solidFill>
+                <a:srgbClr val="FF0000"/>
+              </a:solidFill>
+              <a:latin typeface="Courier New" pitchFamily="49" charset="0"/>
+              <a:cs typeface="Courier New" pitchFamily="49" charset="0"/>
+            </a:endParaRPr>
+          </a:p>
+          <a:p>
+            <a:pPr>
+              <a:buNone/>
+            </a:pPr>
+            <a:r>
+              <a:rPr lang="sv-SE" dirty="0" smtClean="0">
+                <a:solidFill>
+                  <a:srgbClr val="00FF00"/>
+                </a:solidFill>
+                <a:latin typeface="Courier New" pitchFamily="49" charset="0"/>
+                <a:cs typeface="Courier New" pitchFamily="49" charset="0"/>
+              </a:rPr>
+              <a:t>DAT </a:t>
+            </a:r>
+            <a:r>
+              <a:rPr lang="sv-SE" dirty="0" smtClean="0">
+                <a:solidFill>
+                  <a:srgbClr val="00FF00"/>
+                </a:solidFill>
+                <a:latin typeface="Courier New" pitchFamily="49" charset="0"/>
+                <a:cs typeface="Courier New" pitchFamily="49" charset="0"/>
+              </a:rPr>
+              <a:t>0, </a:t>
+            </a:r>
+            <a:r>
+              <a:rPr lang="sv-SE" dirty="0" smtClean="0">
+                <a:solidFill>
+                  <a:srgbClr val="00FF00"/>
+                </a:solidFill>
+                <a:latin typeface="Courier New" pitchFamily="49" charset="0"/>
+                <a:cs typeface="Courier New" pitchFamily="49" charset="0"/>
+              </a:rPr>
+              <a:t> 0</a:t>
+            </a:r>
+          </a:p>
+          <a:p>
+            <a:pPr>
+              <a:buNone/>
+            </a:pPr>
+            <a:r>
+              <a:rPr lang="sv-SE" dirty="0" smtClean="0">
+                <a:solidFill>
+                  <a:srgbClr val="00FF00"/>
+                </a:solidFill>
+                <a:latin typeface="Courier New" pitchFamily="49" charset="0"/>
+                <a:cs typeface="Courier New" pitchFamily="49" charset="0"/>
+              </a:rPr>
+              <a:t>DAT </a:t>
+            </a:r>
+            <a:r>
+              <a:rPr lang="sv-SE" dirty="0" smtClean="0">
+                <a:solidFill>
+                  <a:srgbClr val="00FF00"/>
+                </a:solidFill>
+                <a:latin typeface="Courier New" pitchFamily="49" charset="0"/>
+                <a:cs typeface="Courier New" pitchFamily="49" charset="0"/>
+              </a:rPr>
+              <a:t>-1, -1</a:t>
+            </a:r>
+          </a:p>
+          <a:p>
+            <a:pPr>
+              <a:buNone/>
+            </a:pPr>
+            <a:r>
+              <a:rPr lang="sv-SE" dirty="0" smtClean="0">
+                <a:solidFill>
+                  <a:srgbClr val="00FF00"/>
+                </a:solidFill>
+                <a:latin typeface="Courier New" pitchFamily="49" charset="0"/>
+                <a:cs typeface="Courier New" pitchFamily="49" charset="0"/>
+              </a:rPr>
+              <a:t>DAT 0, </a:t>
+            </a:r>
+            <a:r>
+              <a:rPr lang="sv-SE" dirty="0" smtClean="0">
+                <a:solidFill>
+                  <a:srgbClr val="00FF00"/>
+                </a:solidFill>
+                <a:latin typeface="Courier New" pitchFamily="49" charset="0"/>
+                <a:cs typeface="Courier New" pitchFamily="49" charset="0"/>
+              </a:rPr>
+              <a:t> 0</a:t>
+            </a:r>
+            <a:endParaRPr lang="sv-SE" dirty="0" smtClean="0">
+              <a:solidFill>
+                <a:srgbClr val="00FF00"/>
+              </a:solidFill>
+              <a:latin typeface="Courier New" pitchFamily="49" charset="0"/>
+              <a:cs typeface="Courier New" pitchFamily="49" charset="0"/>
+            </a:endParaRPr>
+          </a:p>
+          <a:p>
+            <a:pPr>
+              <a:buNone/>
+            </a:pPr>
+            <a:r>
+              <a:rPr lang="sv-SE" dirty="0" smtClean="0">
+                <a:solidFill>
+                  <a:srgbClr val="00B0F0"/>
+                </a:solidFill>
+                <a:latin typeface="Courier New" pitchFamily="49" charset="0"/>
+                <a:cs typeface="Courier New" pitchFamily="49" charset="0"/>
+              </a:rPr>
+              <a:t>JMP 0,  &lt;-</a:t>
+            </a:r>
+            <a:r>
+              <a:rPr lang="sv-SE" dirty="0" smtClean="0">
+                <a:solidFill>
+                  <a:srgbClr val="00B0F0"/>
+                </a:solidFill>
+                <a:latin typeface="Courier New" pitchFamily="49" charset="0"/>
+                <a:cs typeface="Courier New" pitchFamily="49" charset="0"/>
+              </a:rPr>
+              <a:t>2</a:t>
+            </a:r>
+          </a:p>
+          <a:p>
+            <a:endParaRPr lang="sv-SE" dirty="0" smtClean="0">
+              <a:solidFill>
+                <a:srgbClr val="00FF00"/>
+              </a:solidFill>
+              <a:latin typeface="Courier New" pitchFamily="49" charset="0"/>
+              <a:cs typeface="Courier New" pitchFamily="49" charset="0"/>
+            </a:endParaRPr>
+          </a:p>
+          <a:p>
+            <a:endParaRPr lang="sv-SE" dirty="0"/>
+          </a:p>
+        </p:txBody>
+      </p:sp>
+    </p:spTree>
+  </p:cSld>
+  <p:clrMapOvr>
+    <a:masterClrMapping/>
+  </p:clrMapOvr>
+</p:sld>
+</file>
+
+<file path=ppt/slides/slide13.xml><?xml version="1.0" encoding="utf-8"?>
+<p:sld xmlns:a="http://schemas.openxmlformats.org/drawingml/2006/main" xmlns:r="http://schemas.openxmlformats.org/officeDocument/2006/relationships" xmlns:p="http://schemas.openxmlformats.org/presentationml/2006/main">
+  <p:cSld>
+    <p:spTree>
+      <p:nvGrpSpPr>
+        <p:cNvPr id="1" name=""/>
+        <p:cNvGrpSpPr/>
+        <p:nvPr/>
+      </p:nvGrpSpPr>
+      <p:grpSpPr>
+        <a:xfrm>
+          <a:off x="0" y="0"/>
+          <a:ext cx="0" cy="0"/>
+          <a:chOff x="0" y="0"/>
+          <a:chExt cx="0" cy="0"/>
+        </a:xfrm>
+      </p:grpSpPr>
+      <p:sp>
+        <p:nvSpPr>
+          <p:cNvPr id="2" name="Title 1"/>
+          <p:cNvSpPr>
+            <a:spLocks noGrp="1"/>
+          </p:cNvSpPr>
+          <p:nvPr>
+            <p:ph type="title"/>
+          </p:nvPr>
+        </p:nvSpPr>
+        <p:spPr/>
+        <p:txBody>
+          <a:bodyPr/>
+          <a:lstStyle/>
+          <a:p>
+            <a:r>
+              <a:rPr lang="sv-SE" dirty="0" err="1" smtClean="0">
+                <a:solidFill>
+                  <a:srgbClr val="00FF00"/>
+                </a:solidFill>
+              </a:rPr>
+              <a:t>Imp</a:t>
+            </a:r>
+            <a:r>
+              <a:rPr lang="sv-SE" dirty="0" smtClean="0">
+                <a:solidFill>
+                  <a:srgbClr val="00FF00"/>
+                </a:solidFill>
+              </a:rPr>
+              <a:t> vs. Gate</a:t>
+            </a:r>
+            <a:endParaRPr lang="sv-SE" dirty="0">
+              <a:solidFill>
+                <a:srgbClr val="00FF00"/>
+              </a:solidFill>
+            </a:endParaRPr>
+          </a:p>
+        </p:txBody>
+      </p:sp>
+      <p:sp>
+        <p:nvSpPr>
+          <p:cNvPr id="3" name="Content Placeholder 2"/>
+          <p:cNvSpPr>
+            <a:spLocks noGrp="1"/>
+          </p:cNvSpPr>
+          <p:nvPr>
+            <p:ph sz="half" idx="1"/>
+          </p:nvPr>
+        </p:nvSpPr>
+        <p:spPr>
+          <a:xfrm>
+            <a:off x="2552700" y="1600200"/>
+            <a:ext cx="4038600" cy="4525963"/>
+          </a:xfrm>
+        </p:spPr>
+        <p:txBody>
+          <a:bodyPr>
+            <a:normAutofit/>
+          </a:bodyPr>
+          <a:lstStyle/>
+          <a:p>
+            <a:pPr>
+              <a:buNone/>
+            </a:pPr>
+            <a:r>
+              <a:rPr lang="sv-SE" dirty="0" smtClean="0">
+                <a:solidFill>
+                  <a:srgbClr val="00FF00"/>
+                </a:solidFill>
+                <a:latin typeface="Courier New" pitchFamily="49" charset="0"/>
+                <a:cs typeface="Courier New" pitchFamily="49" charset="0"/>
+              </a:rPr>
+              <a:t>MOV 0, </a:t>
+            </a:r>
+            <a:r>
+              <a:rPr lang="sv-SE" dirty="0" smtClean="0">
+                <a:solidFill>
+                  <a:srgbClr val="00FF00"/>
+                </a:solidFill>
+                <a:latin typeface="Courier New" pitchFamily="49" charset="0"/>
+                <a:cs typeface="Courier New" pitchFamily="49" charset="0"/>
+              </a:rPr>
+              <a:t> 1</a:t>
+            </a:r>
+          </a:p>
+          <a:p>
+            <a:pPr>
+              <a:buNone/>
+            </a:pPr>
+            <a:r>
+              <a:rPr lang="sv-SE" dirty="0" smtClean="0">
+                <a:solidFill>
+                  <a:srgbClr val="00FF00"/>
+                </a:solidFill>
+                <a:latin typeface="Courier New" pitchFamily="49" charset="0"/>
+                <a:cs typeface="Courier New" pitchFamily="49" charset="0"/>
+              </a:rPr>
+              <a:t>MOV 0, </a:t>
+            </a:r>
+            <a:r>
+              <a:rPr lang="sv-SE" dirty="0" smtClean="0">
+                <a:solidFill>
+                  <a:srgbClr val="00FF00"/>
+                </a:solidFill>
+                <a:latin typeface="Courier New" pitchFamily="49" charset="0"/>
+                <a:cs typeface="Courier New" pitchFamily="49" charset="0"/>
+              </a:rPr>
+              <a:t> 1</a:t>
+            </a:r>
+            <a:endParaRPr lang="sv-SE" dirty="0" smtClean="0">
+              <a:solidFill>
+                <a:srgbClr val="00FF00"/>
+              </a:solidFill>
+              <a:latin typeface="Courier New" pitchFamily="49" charset="0"/>
+              <a:cs typeface="Courier New" pitchFamily="49" charset="0"/>
+            </a:endParaRPr>
+          </a:p>
+          <a:p>
+            <a:pPr>
+              <a:buNone/>
+            </a:pPr>
+            <a:r>
+              <a:rPr lang="sv-SE" dirty="0" smtClean="0">
+                <a:solidFill>
+                  <a:srgbClr val="FF0000"/>
+                </a:solidFill>
+                <a:latin typeface="Courier New" pitchFamily="49" charset="0"/>
+                <a:cs typeface="Courier New" pitchFamily="49" charset="0"/>
+              </a:rPr>
+              <a:t>MOV 0,  1</a:t>
+            </a:r>
+          </a:p>
+          <a:p>
+            <a:pPr>
+              <a:buNone/>
+            </a:pPr>
+            <a:r>
+              <a:rPr lang="sv-SE" dirty="0" smtClean="0">
+                <a:solidFill>
+                  <a:srgbClr val="00FF00"/>
+                </a:solidFill>
+                <a:latin typeface="Courier New" pitchFamily="49" charset="0"/>
+                <a:cs typeface="Courier New" pitchFamily="49" charset="0"/>
+              </a:rPr>
+              <a:t>DAT -2, -2</a:t>
+            </a:r>
+          </a:p>
+          <a:p>
+            <a:pPr>
+              <a:buNone/>
+            </a:pPr>
+            <a:r>
+              <a:rPr lang="sv-SE" dirty="0" smtClean="0">
+                <a:solidFill>
+                  <a:srgbClr val="00FF00"/>
+                </a:solidFill>
+                <a:latin typeface="Courier New" pitchFamily="49" charset="0"/>
+                <a:cs typeface="Courier New" pitchFamily="49" charset="0"/>
+              </a:rPr>
+              <a:t>DAT 0, </a:t>
+            </a:r>
+            <a:r>
+              <a:rPr lang="sv-SE" dirty="0" smtClean="0">
+                <a:solidFill>
+                  <a:srgbClr val="00FF00"/>
+                </a:solidFill>
+                <a:latin typeface="Courier New" pitchFamily="49" charset="0"/>
+                <a:cs typeface="Courier New" pitchFamily="49" charset="0"/>
+              </a:rPr>
+              <a:t> 0</a:t>
+            </a:r>
+            <a:endParaRPr lang="sv-SE" dirty="0" smtClean="0">
+              <a:solidFill>
+                <a:srgbClr val="00FF00"/>
+              </a:solidFill>
+              <a:latin typeface="Courier New" pitchFamily="49" charset="0"/>
+              <a:cs typeface="Courier New" pitchFamily="49" charset="0"/>
+            </a:endParaRPr>
+          </a:p>
+          <a:p>
+            <a:pPr>
+              <a:buNone/>
+            </a:pPr>
+            <a:r>
+              <a:rPr lang="sv-SE" dirty="0" smtClean="0">
+                <a:solidFill>
+                  <a:srgbClr val="00B0F0"/>
+                </a:solidFill>
+                <a:latin typeface="Courier New" pitchFamily="49" charset="0"/>
+                <a:cs typeface="Courier New" pitchFamily="49" charset="0"/>
+              </a:rPr>
+              <a:t>JMP 0,  &lt;-</a:t>
+            </a:r>
+            <a:r>
+              <a:rPr lang="sv-SE" dirty="0" smtClean="0">
+                <a:solidFill>
+                  <a:srgbClr val="00B0F0"/>
+                </a:solidFill>
+                <a:latin typeface="Courier New" pitchFamily="49" charset="0"/>
+                <a:cs typeface="Courier New" pitchFamily="49" charset="0"/>
+              </a:rPr>
+              <a:t>2</a:t>
+            </a:r>
+          </a:p>
+          <a:p>
+            <a:endParaRPr lang="sv-SE" dirty="0" smtClean="0">
+              <a:solidFill>
+                <a:srgbClr val="00FF00"/>
+              </a:solidFill>
+              <a:latin typeface="Courier New" pitchFamily="49" charset="0"/>
+              <a:cs typeface="Courier New" pitchFamily="49" charset="0"/>
+            </a:endParaRPr>
+          </a:p>
+          <a:p>
+            <a:endParaRPr lang="sv-SE" dirty="0"/>
+          </a:p>
+        </p:txBody>
+      </p:sp>
+    </p:spTree>
+  </p:cSld>
+  <p:clrMapOvr>
+    <a:masterClrMapping/>
+  </p:clrMapOvr>
+</p:sld>
+</file>
+
+<file path=ppt/slides/slide14.xml><?xml version="1.0" encoding="utf-8"?>
+<p:sld xmlns:a="http://schemas.openxmlformats.org/drawingml/2006/main" xmlns:r="http://schemas.openxmlformats.org/officeDocument/2006/relationships" xmlns:p="http://schemas.openxmlformats.org/presentationml/2006/main">
+  <p:cSld>
+    <p:spTree>
+      <p:nvGrpSpPr>
+        <p:cNvPr id="1" name=""/>
+        <p:cNvGrpSpPr/>
+        <p:nvPr/>
+      </p:nvGrpSpPr>
+      <p:grpSpPr>
+        <a:xfrm>
+          <a:off x="0" y="0"/>
+          <a:ext cx="0" cy="0"/>
+          <a:chOff x="0" y="0"/>
+          <a:chExt cx="0" cy="0"/>
+        </a:xfrm>
+      </p:grpSpPr>
+      <p:sp>
+        <p:nvSpPr>
+          <p:cNvPr id="2" name="Title 1"/>
+          <p:cNvSpPr>
+            <a:spLocks noGrp="1"/>
+          </p:cNvSpPr>
+          <p:nvPr>
+            <p:ph type="title"/>
+          </p:nvPr>
+        </p:nvSpPr>
+        <p:spPr/>
+        <p:txBody>
+          <a:bodyPr/>
+          <a:lstStyle/>
+          <a:p>
+            <a:r>
+              <a:rPr lang="sv-SE" dirty="0" err="1" smtClean="0">
+                <a:solidFill>
+                  <a:srgbClr val="00FF00"/>
+                </a:solidFill>
+              </a:rPr>
+              <a:t>Imp</a:t>
+            </a:r>
+            <a:r>
+              <a:rPr lang="sv-SE" dirty="0" smtClean="0">
+                <a:solidFill>
+                  <a:srgbClr val="00FF00"/>
+                </a:solidFill>
+              </a:rPr>
+              <a:t> vs. Gate</a:t>
+            </a:r>
+            <a:endParaRPr lang="sv-SE" dirty="0">
+              <a:solidFill>
+                <a:srgbClr val="00FF00"/>
+              </a:solidFill>
+            </a:endParaRPr>
+          </a:p>
+        </p:txBody>
+      </p:sp>
+      <p:sp>
+        <p:nvSpPr>
+          <p:cNvPr id="3" name="Content Placeholder 2"/>
+          <p:cNvSpPr>
+            <a:spLocks noGrp="1"/>
+          </p:cNvSpPr>
+          <p:nvPr>
+            <p:ph sz="half" idx="1"/>
+          </p:nvPr>
+        </p:nvSpPr>
+        <p:spPr>
+          <a:xfrm>
+            <a:off x="2552700" y="1600200"/>
+            <a:ext cx="4038600" cy="4525963"/>
+          </a:xfrm>
+        </p:spPr>
+        <p:txBody>
+          <a:bodyPr>
+            <a:normAutofit/>
+          </a:bodyPr>
+          <a:lstStyle/>
+          <a:p>
+            <a:pPr>
+              <a:buNone/>
+            </a:pPr>
+            <a:r>
+              <a:rPr lang="sv-SE" dirty="0" smtClean="0">
+                <a:solidFill>
+                  <a:srgbClr val="00FF00"/>
+                </a:solidFill>
+                <a:latin typeface="Courier New" pitchFamily="49" charset="0"/>
+                <a:cs typeface="Courier New" pitchFamily="49" charset="0"/>
+              </a:rPr>
+              <a:t>MOV 0, </a:t>
+            </a:r>
+            <a:r>
+              <a:rPr lang="sv-SE" dirty="0" smtClean="0">
+                <a:solidFill>
+                  <a:srgbClr val="00FF00"/>
+                </a:solidFill>
+                <a:latin typeface="Courier New" pitchFamily="49" charset="0"/>
+                <a:cs typeface="Courier New" pitchFamily="49" charset="0"/>
+              </a:rPr>
+              <a:t> 1</a:t>
+            </a:r>
+          </a:p>
+          <a:p>
+            <a:pPr>
+              <a:buNone/>
+            </a:pPr>
+            <a:r>
+              <a:rPr lang="sv-SE" dirty="0" smtClean="0">
+                <a:solidFill>
+                  <a:srgbClr val="00FF00"/>
+                </a:solidFill>
+                <a:latin typeface="Courier New" pitchFamily="49" charset="0"/>
+                <a:cs typeface="Courier New" pitchFamily="49" charset="0"/>
+              </a:rPr>
+              <a:t>MOV 0, </a:t>
+            </a:r>
+            <a:r>
+              <a:rPr lang="sv-SE" dirty="0" smtClean="0">
+                <a:solidFill>
+                  <a:srgbClr val="00FF00"/>
+                </a:solidFill>
+                <a:latin typeface="Courier New" pitchFamily="49" charset="0"/>
+                <a:cs typeface="Courier New" pitchFamily="49" charset="0"/>
+              </a:rPr>
+              <a:t> 1</a:t>
+            </a:r>
+            <a:endParaRPr lang="sv-SE" dirty="0" smtClean="0">
+              <a:solidFill>
+                <a:srgbClr val="00FF00"/>
+              </a:solidFill>
+              <a:latin typeface="Courier New" pitchFamily="49" charset="0"/>
+              <a:cs typeface="Courier New" pitchFamily="49" charset="0"/>
+            </a:endParaRPr>
+          </a:p>
+          <a:p>
+            <a:pPr>
+              <a:buNone/>
+            </a:pPr>
+            <a:r>
+              <a:rPr lang="sv-SE" dirty="0" smtClean="0">
+                <a:solidFill>
+                  <a:srgbClr val="00FF00"/>
+                </a:solidFill>
+                <a:latin typeface="Courier New" pitchFamily="49" charset="0"/>
+                <a:cs typeface="Courier New" pitchFamily="49" charset="0"/>
+              </a:rPr>
+              <a:t>MOV 0,  1</a:t>
+            </a:r>
+          </a:p>
+          <a:p>
+            <a:pPr>
+              <a:buNone/>
+            </a:pPr>
+            <a:r>
+              <a:rPr lang="sv-SE" dirty="0" smtClean="0">
+                <a:solidFill>
+                  <a:srgbClr val="FF0000"/>
+                </a:solidFill>
+                <a:latin typeface="Courier New" pitchFamily="49" charset="0"/>
+                <a:cs typeface="Courier New" pitchFamily="49" charset="0"/>
+              </a:rPr>
+              <a:t>MOV 0,  1</a:t>
+            </a:r>
+          </a:p>
+          <a:p>
+            <a:pPr>
+              <a:buNone/>
+            </a:pPr>
+            <a:r>
+              <a:rPr lang="sv-SE" dirty="0" smtClean="0">
+                <a:solidFill>
+                  <a:srgbClr val="00FF00"/>
+                </a:solidFill>
+                <a:latin typeface="Courier New" pitchFamily="49" charset="0"/>
+                <a:cs typeface="Courier New" pitchFamily="49" charset="0"/>
+              </a:rPr>
+              <a:t>DAT </a:t>
+            </a:r>
+            <a:r>
+              <a:rPr lang="sv-SE" dirty="0" smtClean="0">
+                <a:solidFill>
+                  <a:srgbClr val="00FF00"/>
+                </a:solidFill>
+                <a:latin typeface="Courier New" pitchFamily="49" charset="0"/>
+                <a:cs typeface="Courier New" pitchFamily="49" charset="0"/>
+              </a:rPr>
+              <a:t>0, </a:t>
+            </a:r>
+            <a:r>
+              <a:rPr lang="sv-SE" dirty="0" smtClean="0">
+                <a:solidFill>
+                  <a:srgbClr val="00FF00"/>
+                </a:solidFill>
+                <a:latin typeface="Courier New" pitchFamily="49" charset="0"/>
+                <a:cs typeface="Courier New" pitchFamily="49" charset="0"/>
+              </a:rPr>
+              <a:t> 0</a:t>
+            </a:r>
+            <a:endParaRPr lang="sv-SE" dirty="0" smtClean="0">
+              <a:solidFill>
+                <a:srgbClr val="00FF00"/>
+              </a:solidFill>
+              <a:latin typeface="Courier New" pitchFamily="49" charset="0"/>
+              <a:cs typeface="Courier New" pitchFamily="49" charset="0"/>
+            </a:endParaRPr>
+          </a:p>
+          <a:p>
+            <a:pPr>
+              <a:buNone/>
+            </a:pPr>
+            <a:r>
+              <a:rPr lang="sv-SE" dirty="0" smtClean="0">
+                <a:solidFill>
+                  <a:srgbClr val="00B0F0"/>
+                </a:solidFill>
+                <a:latin typeface="Courier New" pitchFamily="49" charset="0"/>
+                <a:cs typeface="Courier New" pitchFamily="49" charset="0"/>
+              </a:rPr>
+              <a:t>JMP 0,  &lt;-</a:t>
+            </a:r>
+            <a:r>
+              <a:rPr lang="sv-SE" dirty="0" smtClean="0">
+                <a:solidFill>
+                  <a:srgbClr val="00B0F0"/>
+                </a:solidFill>
+                <a:latin typeface="Courier New" pitchFamily="49" charset="0"/>
+                <a:cs typeface="Courier New" pitchFamily="49" charset="0"/>
+              </a:rPr>
+              <a:t>2</a:t>
+            </a:r>
+          </a:p>
+          <a:p>
+            <a:endParaRPr lang="sv-SE" dirty="0" smtClean="0">
+              <a:solidFill>
+                <a:srgbClr val="00FF00"/>
+              </a:solidFill>
+              <a:latin typeface="Courier New" pitchFamily="49" charset="0"/>
+              <a:cs typeface="Courier New" pitchFamily="49" charset="0"/>
+            </a:endParaRPr>
+          </a:p>
+          <a:p>
+            <a:endParaRPr lang="sv-SE" dirty="0"/>
+          </a:p>
+        </p:txBody>
+      </p:sp>
+    </p:spTree>
+  </p:cSld>
+  <p:clrMapOvr>
+    <a:masterClrMapping/>
+  </p:clrMapOvr>
+</p:sld>
+</file>
+
+<file path=ppt/slides/slide15.xml><?xml version="1.0" encoding="utf-8"?>
+<p:sld xmlns:a="http://schemas.openxmlformats.org/drawingml/2006/main" xmlns:r="http://schemas.openxmlformats.org/officeDocument/2006/relationships" xmlns:p="http://schemas.openxmlformats.org/presentationml/2006/main">
+  <p:cSld>
+    <p:spTree>
+      <p:nvGrpSpPr>
+        <p:cNvPr id="1" name=""/>
+        <p:cNvGrpSpPr/>
+        <p:nvPr/>
+      </p:nvGrpSpPr>
+      <p:grpSpPr>
+        <a:xfrm>
+          <a:off x="0" y="0"/>
+          <a:ext cx="0" cy="0"/>
+          <a:chOff x="0" y="0"/>
+          <a:chExt cx="0" cy="0"/>
+        </a:xfrm>
+      </p:grpSpPr>
+      <p:sp>
+        <p:nvSpPr>
+          <p:cNvPr id="2" name="Title 1"/>
+          <p:cNvSpPr>
+            <a:spLocks noGrp="1"/>
+          </p:cNvSpPr>
+          <p:nvPr>
+            <p:ph type="title"/>
+          </p:nvPr>
+        </p:nvSpPr>
+        <p:spPr/>
+        <p:txBody>
+          <a:bodyPr/>
+          <a:lstStyle/>
+          <a:p>
+            <a:r>
+              <a:rPr lang="sv-SE" dirty="0" err="1" smtClean="0">
+                <a:solidFill>
+                  <a:srgbClr val="00FF00"/>
+                </a:solidFill>
+              </a:rPr>
+              <a:t>Imp</a:t>
+            </a:r>
+            <a:r>
+              <a:rPr lang="sv-SE" dirty="0" smtClean="0">
+                <a:solidFill>
+                  <a:srgbClr val="00FF00"/>
+                </a:solidFill>
+              </a:rPr>
+              <a:t> vs. Gate</a:t>
+            </a:r>
+            <a:endParaRPr lang="sv-SE" dirty="0">
+              <a:solidFill>
+                <a:srgbClr val="00FF00"/>
+              </a:solidFill>
+            </a:endParaRPr>
+          </a:p>
+        </p:txBody>
+      </p:sp>
+      <p:sp>
+        <p:nvSpPr>
+          <p:cNvPr id="3" name="Content Placeholder 2"/>
+          <p:cNvSpPr>
+            <a:spLocks noGrp="1"/>
+          </p:cNvSpPr>
+          <p:nvPr>
+            <p:ph sz="half" idx="1"/>
+          </p:nvPr>
+        </p:nvSpPr>
+        <p:spPr>
+          <a:xfrm>
+            <a:off x="2552700" y="1600200"/>
+            <a:ext cx="4038600" cy="4525963"/>
+          </a:xfrm>
+        </p:spPr>
+        <p:txBody>
+          <a:bodyPr>
+            <a:normAutofit/>
+          </a:bodyPr>
+          <a:lstStyle/>
+          <a:p>
+            <a:pPr>
+              <a:buNone/>
+            </a:pPr>
+            <a:r>
+              <a:rPr lang="sv-SE" dirty="0" smtClean="0">
+                <a:solidFill>
+                  <a:srgbClr val="00FF00"/>
+                </a:solidFill>
+                <a:latin typeface="Courier New" pitchFamily="49" charset="0"/>
+                <a:cs typeface="Courier New" pitchFamily="49" charset="0"/>
+              </a:rPr>
+              <a:t>MOV 0, </a:t>
+            </a:r>
+            <a:r>
+              <a:rPr lang="sv-SE" dirty="0" smtClean="0">
+                <a:solidFill>
+                  <a:srgbClr val="00FF00"/>
+                </a:solidFill>
+                <a:latin typeface="Courier New" pitchFamily="49" charset="0"/>
+                <a:cs typeface="Courier New" pitchFamily="49" charset="0"/>
+              </a:rPr>
+              <a:t> 1</a:t>
+            </a:r>
+          </a:p>
+          <a:p>
+            <a:pPr>
+              <a:buNone/>
+            </a:pPr>
+            <a:r>
+              <a:rPr lang="sv-SE" dirty="0" smtClean="0">
+                <a:solidFill>
+                  <a:srgbClr val="00FF00"/>
+                </a:solidFill>
+                <a:latin typeface="Courier New" pitchFamily="49" charset="0"/>
+                <a:cs typeface="Courier New" pitchFamily="49" charset="0"/>
+              </a:rPr>
+              <a:t>MOV 0, </a:t>
+            </a:r>
+            <a:r>
+              <a:rPr lang="sv-SE" dirty="0" smtClean="0">
+                <a:solidFill>
+                  <a:srgbClr val="00FF00"/>
+                </a:solidFill>
+                <a:latin typeface="Courier New" pitchFamily="49" charset="0"/>
+                <a:cs typeface="Courier New" pitchFamily="49" charset="0"/>
+              </a:rPr>
+              <a:t> 1</a:t>
+            </a:r>
+            <a:endParaRPr lang="sv-SE" dirty="0" smtClean="0">
+              <a:solidFill>
+                <a:srgbClr val="00FF00"/>
+              </a:solidFill>
+              <a:latin typeface="Courier New" pitchFamily="49" charset="0"/>
+              <a:cs typeface="Courier New" pitchFamily="49" charset="0"/>
+            </a:endParaRPr>
+          </a:p>
+          <a:p>
+            <a:pPr>
+              <a:buNone/>
+            </a:pPr>
+            <a:r>
+              <a:rPr lang="sv-SE" dirty="0" smtClean="0">
+                <a:solidFill>
+                  <a:srgbClr val="00FF00"/>
+                </a:solidFill>
+                <a:latin typeface="Courier New" pitchFamily="49" charset="0"/>
+                <a:cs typeface="Courier New" pitchFamily="49" charset="0"/>
+              </a:rPr>
+              <a:t>MOV 0,  1</a:t>
+            </a:r>
+          </a:p>
+          <a:p>
+            <a:pPr>
+              <a:buNone/>
+            </a:pPr>
+            <a:r>
+              <a:rPr lang="sv-SE" dirty="0" smtClean="0">
+                <a:solidFill>
+                  <a:srgbClr val="FF0000"/>
+                </a:solidFill>
+                <a:latin typeface="Courier New" pitchFamily="49" charset="0"/>
+                <a:cs typeface="Courier New" pitchFamily="49" charset="0"/>
+              </a:rPr>
+              <a:t>MOV </a:t>
+            </a:r>
+            <a:r>
+              <a:rPr lang="sv-SE" dirty="0" smtClean="0">
+                <a:solidFill>
+                  <a:srgbClr val="FF0000"/>
+                </a:solidFill>
+                <a:latin typeface="Courier New" pitchFamily="49" charset="0"/>
+                <a:cs typeface="Courier New" pitchFamily="49" charset="0"/>
+              </a:rPr>
+              <a:t>-1, 0</a:t>
+            </a:r>
+            <a:endParaRPr lang="sv-SE" dirty="0" smtClean="0">
+              <a:solidFill>
+                <a:srgbClr val="FF0000"/>
+              </a:solidFill>
+              <a:latin typeface="Courier New" pitchFamily="49" charset="0"/>
+              <a:cs typeface="Courier New" pitchFamily="49" charset="0"/>
+            </a:endParaRPr>
+          </a:p>
+          <a:p>
+            <a:pPr>
+              <a:buNone/>
+            </a:pPr>
+            <a:r>
+              <a:rPr lang="sv-SE" dirty="0" smtClean="0">
+                <a:solidFill>
+                  <a:srgbClr val="00FF00"/>
+                </a:solidFill>
+                <a:latin typeface="Courier New" pitchFamily="49" charset="0"/>
+                <a:cs typeface="Courier New" pitchFamily="49" charset="0"/>
+              </a:rPr>
+              <a:t>DAT </a:t>
+            </a:r>
+            <a:r>
+              <a:rPr lang="sv-SE" dirty="0" smtClean="0">
+                <a:solidFill>
+                  <a:srgbClr val="00FF00"/>
+                </a:solidFill>
+                <a:latin typeface="Courier New" pitchFamily="49" charset="0"/>
+                <a:cs typeface="Courier New" pitchFamily="49" charset="0"/>
+              </a:rPr>
+              <a:t>0, </a:t>
+            </a:r>
+            <a:r>
+              <a:rPr lang="sv-SE" dirty="0" smtClean="0">
+                <a:solidFill>
+                  <a:srgbClr val="00FF00"/>
+                </a:solidFill>
+                <a:latin typeface="Courier New" pitchFamily="49" charset="0"/>
+                <a:cs typeface="Courier New" pitchFamily="49" charset="0"/>
+              </a:rPr>
+              <a:t> 0</a:t>
+            </a:r>
+            <a:endParaRPr lang="sv-SE" dirty="0" smtClean="0">
+              <a:solidFill>
+                <a:srgbClr val="00FF00"/>
+              </a:solidFill>
+              <a:latin typeface="Courier New" pitchFamily="49" charset="0"/>
+              <a:cs typeface="Courier New" pitchFamily="49" charset="0"/>
+            </a:endParaRPr>
+          </a:p>
+          <a:p>
+            <a:pPr>
+              <a:buNone/>
+            </a:pPr>
+            <a:r>
+              <a:rPr lang="sv-SE" dirty="0" smtClean="0">
+                <a:solidFill>
+                  <a:srgbClr val="00B0F0"/>
+                </a:solidFill>
+                <a:latin typeface="Courier New" pitchFamily="49" charset="0"/>
+                <a:cs typeface="Courier New" pitchFamily="49" charset="0"/>
+              </a:rPr>
+              <a:t>JMP 0,  &lt;-</a:t>
+            </a:r>
+            <a:r>
+              <a:rPr lang="sv-SE" dirty="0" smtClean="0">
+                <a:solidFill>
+                  <a:srgbClr val="00B0F0"/>
+                </a:solidFill>
+                <a:latin typeface="Courier New" pitchFamily="49" charset="0"/>
+                <a:cs typeface="Courier New" pitchFamily="49" charset="0"/>
+              </a:rPr>
+              <a:t>2</a:t>
+            </a:r>
+          </a:p>
+          <a:p>
+            <a:endParaRPr lang="sv-SE" dirty="0" smtClean="0">
+              <a:solidFill>
+                <a:srgbClr val="00FF00"/>
+              </a:solidFill>
+              <a:latin typeface="Courier New" pitchFamily="49" charset="0"/>
+              <a:cs typeface="Courier New" pitchFamily="49" charset="0"/>
+            </a:endParaRPr>
+          </a:p>
+          <a:p>
+            <a:endParaRPr lang="sv-SE" dirty="0"/>
+          </a:p>
+        </p:txBody>
+      </p:sp>
+    </p:spTree>
+  </p:cSld>
+  <p:clrMapOvr>
+    <a:masterClrMapping/>
+  </p:clrMapOvr>
+</p:sld>
+</file>
+
+<file path=ppt/slides/slide16.xml><?xml version="1.0" encoding="utf-8"?>
+<p:sld xmlns:a="http://schemas.openxmlformats.org/drawingml/2006/main" xmlns:r="http://schemas.openxmlformats.org/officeDocument/2006/relationships" xmlns:p="http://schemas.openxmlformats.org/presentationml/2006/main">
+  <p:cSld>
+    <p:spTree>
+      <p:nvGrpSpPr>
+        <p:cNvPr id="1" name=""/>
+        <p:cNvGrpSpPr/>
+        <p:nvPr/>
+      </p:nvGrpSpPr>
+      <p:grpSpPr>
+        <a:xfrm>
+          <a:off x="0" y="0"/>
+          <a:ext cx="0" cy="0"/>
+          <a:chOff x="0" y="0"/>
+          <a:chExt cx="0" cy="0"/>
+        </a:xfrm>
+      </p:grpSpPr>
+      <p:sp>
+        <p:nvSpPr>
+          <p:cNvPr id="2" name="Title 1"/>
+          <p:cNvSpPr>
+            <a:spLocks noGrp="1"/>
+          </p:cNvSpPr>
+          <p:nvPr>
+            <p:ph type="title"/>
+          </p:nvPr>
+        </p:nvSpPr>
+        <p:spPr/>
+        <p:txBody>
+          <a:bodyPr/>
+          <a:lstStyle/>
+          <a:p>
+            <a:r>
+              <a:rPr lang="sv-SE" dirty="0" err="1" smtClean="0">
+                <a:solidFill>
+                  <a:srgbClr val="00FF00"/>
+                </a:solidFill>
+              </a:rPr>
+              <a:t>Imp</a:t>
+            </a:r>
+            <a:r>
+              <a:rPr lang="sv-SE" dirty="0" smtClean="0">
+                <a:solidFill>
+                  <a:srgbClr val="00FF00"/>
+                </a:solidFill>
+              </a:rPr>
+              <a:t> vs. Gate</a:t>
+            </a:r>
+            <a:endParaRPr lang="sv-SE" dirty="0">
+              <a:solidFill>
+                <a:srgbClr val="00FF00"/>
+              </a:solidFill>
+            </a:endParaRPr>
+          </a:p>
+        </p:txBody>
+      </p:sp>
+      <p:sp>
+        <p:nvSpPr>
+          <p:cNvPr id="3" name="Content Placeholder 2"/>
+          <p:cNvSpPr>
+            <a:spLocks noGrp="1"/>
+          </p:cNvSpPr>
+          <p:nvPr>
+            <p:ph sz="half" idx="1"/>
+          </p:nvPr>
+        </p:nvSpPr>
+        <p:spPr>
+          <a:xfrm>
+            <a:off x="2552700" y="1600200"/>
+            <a:ext cx="4038600" cy="4525963"/>
+          </a:xfrm>
+        </p:spPr>
+        <p:txBody>
+          <a:bodyPr>
+            <a:normAutofit/>
+          </a:bodyPr>
+          <a:lstStyle/>
+          <a:p>
+            <a:pPr>
+              <a:buNone/>
+            </a:pPr>
+            <a:r>
+              <a:rPr lang="sv-SE" dirty="0" smtClean="0">
+                <a:solidFill>
+                  <a:srgbClr val="00FF00"/>
+                </a:solidFill>
+                <a:latin typeface="Courier New" pitchFamily="49" charset="0"/>
+                <a:cs typeface="Courier New" pitchFamily="49" charset="0"/>
+              </a:rPr>
+              <a:t>MOV 0, </a:t>
+            </a:r>
+            <a:r>
+              <a:rPr lang="sv-SE" dirty="0" smtClean="0">
+                <a:solidFill>
+                  <a:srgbClr val="00FF00"/>
+                </a:solidFill>
+                <a:latin typeface="Courier New" pitchFamily="49" charset="0"/>
+                <a:cs typeface="Courier New" pitchFamily="49" charset="0"/>
+              </a:rPr>
+              <a:t> 1</a:t>
+            </a:r>
+          </a:p>
+          <a:p>
+            <a:pPr>
+              <a:buNone/>
+            </a:pPr>
+            <a:r>
+              <a:rPr lang="sv-SE" dirty="0" smtClean="0">
+                <a:solidFill>
+                  <a:srgbClr val="00FF00"/>
+                </a:solidFill>
+                <a:latin typeface="Courier New" pitchFamily="49" charset="0"/>
+                <a:cs typeface="Courier New" pitchFamily="49" charset="0"/>
+              </a:rPr>
+              <a:t>MOV 0, </a:t>
+            </a:r>
+            <a:r>
+              <a:rPr lang="sv-SE" dirty="0" smtClean="0">
+                <a:solidFill>
+                  <a:srgbClr val="00FF00"/>
+                </a:solidFill>
+                <a:latin typeface="Courier New" pitchFamily="49" charset="0"/>
+                <a:cs typeface="Courier New" pitchFamily="49" charset="0"/>
+              </a:rPr>
+              <a:t> 1</a:t>
+            </a:r>
+            <a:endParaRPr lang="sv-SE" dirty="0" smtClean="0">
+              <a:solidFill>
+                <a:srgbClr val="00FF00"/>
+              </a:solidFill>
+              <a:latin typeface="Courier New" pitchFamily="49" charset="0"/>
+              <a:cs typeface="Courier New" pitchFamily="49" charset="0"/>
+            </a:endParaRPr>
+          </a:p>
+          <a:p>
+            <a:pPr>
+              <a:buNone/>
+            </a:pPr>
+            <a:r>
+              <a:rPr lang="sv-SE" dirty="0" smtClean="0">
+                <a:solidFill>
+                  <a:srgbClr val="00FF00"/>
+                </a:solidFill>
+                <a:latin typeface="Courier New" pitchFamily="49" charset="0"/>
+                <a:cs typeface="Courier New" pitchFamily="49" charset="0"/>
+              </a:rPr>
+              <a:t>MOV 0,  1</a:t>
+            </a:r>
+          </a:p>
+          <a:p>
+            <a:pPr>
+              <a:buNone/>
+            </a:pPr>
+            <a:r>
+              <a:rPr lang="sv-SE" dirty="0" smtClean="0">
+                <a:solidFill>
+                  <a:srgbClr val="00FF00"/>
+                </a:solidFill>
+                <a:latin typeface="Courier New" pitchFamily="49" charset="0"/>
+                <a:cs typeface="Courier New" pitchFamily="49" charset="0"/>
+              </a:rPr>
+              <a:t>MOV 0,  1</a:t>
+            </a:r>
+          </a:p>
+          <a:p>
+            <a:pPr>
+              <a:buNone/>
+            </a:pPr>
+            <a:r>
+              <a:rPr lang="sv-SE" dirty="0" smtClean="0">
+                <a:solidFill>
+                  <a:srgbClr val="FF0000"/>
+                </a:solidFill>
+                <a:latin typeface="Courier New" pitchFamily="49" charset="0"/>
+                <a:cs typeface="Courier New" pitchFamily="49" charset="0"/>
+              </a:rPr>
+              <a:t>DAT </a:t>
+            </a:r>
+            <a:r>
+              <a:rPr lang="sv-SE" dirty="0" smtClean="0">
+                <a:solidFill>
+                  <a:srgbClr val="FF0000"/>
+                </a:solidFill>
+                <a:latin typeface="Courier New" pitchFamily="49" charset="0"/>
+                <a:cs typeface="Courier New" pitchFamily="49" charset="0"/>
+              </a:rPr>
+              <a:t>0, </a:t>
+            </a:r>
+            <a:r>
+              <a:rPr lang="sv-SE" dirty="0" smtClean="0">
+                <a:solidFill>
+                  <a:srgbClr val="FF0000"/>
+                </a:solidFill>
+                <a:latin typeface="Courier New" pitchFamily="49" charset="0"/>
+                <a:cs typeface="Courier New" pitchFamily="49" charset="0"/>
+              </a:rPr>
+              <a:t> 0</a:t>
+            </a:r>
+            <a:endParaRPr lang="sv-SE" dirty="0" smtClean="0">
+              <a:solidFill>
+                <a:srgbClr val="FF0000"/>
+              </a:solidFill>
+              <a:latin typeface="Courier New" pitchFamily="49" charset="0"/>
+              <a:cs typeface="Courier New" pitchFamily="49" charset="0"/>
+            </a:endParaRPr>
+          </a:p>
+          <a:p>
+            <a:pPr>
+              <a:buNone/>
+            </a:pPr>
+            <a:r>
+              <a:rPr lang="sv-SE" dirty="0" smtClean="0">
+                <a:solidFill>
+                  <a:srgbClr val="00B0F0"/>
+                </a:solidFill>
+                <a:latin typeface="Courier New" pitchFamily="49" charset="0"/>
+                <a:cs typeface="Courier New" pitchFamily="49" charset="0"/>
+              </a:rPr>
+              <a:t>JMP 0,  &lt;-</a:t>
+            </a:r>
+            <a:r>
+              <a:rPr lang="sv-SE" dirty="0" smtClean="0">
+                <a:solidFill>
+                  <a:srgbClr val="00B0F0"/>
+                </a:solidFill>
+                <a:latin typeface="Courier New" pitchFamily="49" charset="0"/>
+                <a:cs typeface="Courier New" pitchFamily="49" charset="0"/>
+              </a:rPr>
+              <a:t>2</a:t>
+            </a:r>
+          </a:p>
+          <a:p>
+            <a:endParaRPr lang="sv-SE" dirty="0" smtClean="0">
+              <a:solidFill>
+                <a:srgbClr val="00FF00"/>
+              </a:solidFill>
+              <a:latin typeface="Courier New" pitchFamily="49" charset="0"/>
+              <a:cs typeface="Courier New" pitchFamily="49" charset="0"/>
+            </a:endParaRPr>
+          </a:p>
+          <a:p>
+            <a:endParaRPr lang="sv-SE" dirty="0"/>
+          </a:p>
+        </p:txBody>
+      </p:sp>
+    </p:spTree>
+  </p:cSld>
+  <p:clrMapOvr>
+    <a:masterClrMapping/>
+  </p:clrMapOvr>
+</p:sld>
+</file>
+
+<file path=ppt/slides/slide17.xml><?xml version="1.0" encoding="utf-8"?>
+<p:sld xmlns:a="http://schemas.openxmlformats.org/drawingml/2006/main" xmlns:r="http://schemas.openxmlformats.org/officeDocument/2006/relationships" xmlns:p="http://schemas.openxmlformats.org/presentationml/2006/main">
+  <p:cSld>
+    <p:spTree>
+      <p:nvGrpSpPr>
+        <p:cNvPr id="1" name=""/>
+        <p:cNvGrpSpPr/>
+        <p:nvPr/>
+      </p:nvGrpSpPr>
+      <p:grpSpPr>
+        <a:xfrm>
+          <a:off x="0" y="0"/>
+          <a:ext cx="0" cy="0"/>
+          <a:chOff x="0" y="0"/>
+          <a:chExt cx="0" cy="0"/>
+        </a:xfrm>
+      </p:grpSpPr>
+      <p:sp>
+        <p:nvSpPr>
+          <p:cNvPr id="2" name="Title 1"/>
+          <p:cNvSpPr>
+            <a:spLocks noGrp="1"/>
+          </p:cNvSpPr>
+          <p:nvPr>
+            <p:ph type="title"/>
+          </p:nvPr>
+        </p:nvSpPr>
+        <p:spPr/>
+        <p:txBody>
+          <a:bodyPr/>
+          <a:lstStyle/>
+          <a:p>
+            <a:r>
+              <a:rPr lang="sv-SE" dirty="0" err="1" smtClean="0">
+                <a:solidFill>
+                  <a:srgbClr val="00FF00"/>
+                </a:solidFill>
+              </a:rPr>
+              <a:t>Core</a:t>
+            </a:r>
+            <a:r>
+              <a:rPr lang="sv-SE" dirty="0" smtClean="0">
+                <a:solidFill>
+                  <a:srgbClr val="00FF00"/>
+                </a:solidFill>
+              </a:rPr>
+              <a:t> </a:t>
+            </a:r>
+            <a:r>
+              <a:rPr lang="sv-SE" dirty="0" err="1" smtClean="0">
+                <a:solidFill>
+                  <a:srgbClr val="00FF00"/>
+                </a:solidFill>
+              </a:rPr>
+              <a:t>Wars</a:t>
+            </a:r>
+            <a:r>
+              <a:rPr lang="sv-SE" dirty="0" smtClean="0">
+                <a:solidFill>
+                  <a:srgbClr val="00FF00"/>
+                </a:solidFill>
+              </a:rPr>
+              <a:t> Strategier</a:t>
+            </a:r>
+            <a:endParaRPr lang="sv-SE" dirty="0">
+              <a:solidFill>
+                <a:srgbClr val="00FF00"/>
+              </a:solidFill>
+            </a:endParaRPr>
+          </a:p>
+        </p:txBody>
+      </p:sp>
+      <p:sp>
+        <p:nvSpPr>
+          <p:cNvPr id="3" name="Content Placeholder 2"/>
+          <p:cNvSpPr>
+            <a:spLocks noGrp="1"/>
+          </p:cNvSpPr>
+          <p:nvPr>
+            <p:ph sz="half" idx="1"/>
+          </p:nvPr>
+        </p:nvSpPr>
+        <p:spPr/>
+        <p:txBody>
+          <a:bodyPr>
+            <a:normAutofit lnSpcReduction="10000"/>
+          </a:bodyPr>
+          <a:lstStyle/>
+          <a:p>
+            <a:r>
+              <a:rPr lang="sv-SE" dirty="0" err="1" smtClean="0">
+                <a:solidFill>
+                  <a:srgbClr val="00FF00"/>
+                </a:solidFill>
+              </a:rPr>
+              <a:t>Imp</a:t>
+            </a:r>
+            <a:r>
+              <a:rPr lang="sv-SE" dirty="0" smtClean="0">
+                <a:solidFill>
+                  <a:srgbClr val="00FF00"/>
+                </a:solidFill>
+              </a:rPr>
+              <a:t> </a:t>
+            </a:r>
+            <a:r>
+              <a:rPr lang="sv-SE" dirty="0" smtClean="0">
+                <a:solidFill>
+                  <a:srgbClr val="00FF00"/>
+                </a:solidFill>
+              </a:rPr>
+              <a:t>&amp; Gate </a:t>
+            </a:r>
+            <a:r>
+              <a:rPr lang="sv-SE" dirty="0" smtClean="0">
+                <a:solidFill>
+                  <a:srgbClr val="00FF00"/>
+                </a:solidFill>
+              </a:rPr>
+              <a:t>(</a:t>
+            </a:r>
+            <a:r>
+              <a:rPr lang="sv-SE" dirty="0" err="1" smtClean="0">
+                <a:solidFill>
+                  <a:srgbClr val="00FF00"/>
+                </a:solidFill>
+              </a:rPr>
+              <a:t>stealth</a:t>
+            </a:r>
+            <a:r>
+              <a:rPr lang="sv-SE" dirty="0" smtClean="0">
+                <a:solidFill>
+                  <a:srgbClr val="00FF00"/>
+                </a:solidFill>
+              </a:rPr>
+              <a:t> &amp; agility)</a:t>
+            </a:r>
+            <a:endParaRPr lang="sv-SE" dirty="0" smtClean="0">
+              <a:solidFill>
+                <a:srgbClr val="00FF00"/>
+              </a:solidFill>
+            </a:endParaRPr>
+          </a:p>
+          <a:p>
+            <a:r>
+              <a:rPr lang="sv-SE" dirty="0" err="1" smtClean="0">
+                <a:solidFill>
+                  <a:srgbClr val="00FF00"/>
+                </a:solidFill>
+              </a:rPr>
+              <a:t>Imp</a:t>
+            </a:r>
+            <a:r>
+              <a:rPr lang="sv-SE" dirty="0" smtClean="0">
+                <a:solidFill>
+                  <a:srgbClr val="00FF00"/>
+                </a:solidFill>
+              </a:rPr>
+              <a:t> spirals</a:t>
+            </a:r>
+          </a:p>
+          <a:p>
+            <a:r>
+              <a:rPr lang="sv-SE" dirty="0" smtClean="0">
+                <a:solidFill>
+                  <a:srgbClr val="00FF00"/>
+                </a:solidFill>
+              </a:rPr>
+              <a:t>Bomber (rock)</a:t>
+            </a:r>
+          </a:p>
+          <a:p>
+            <a:r>
+              <a:rPr lang="sv-SE" dirty="0" smtClean="0">
+                <a:solidFill>
+                  <a:srgbClr val="00FF00"/>
+                </a:solidFill>
+              </a:rPr>
+              <a:t>Scanner (</a:t>
+            </a:r>
+            <a:r>
+              <a:rPr lang="sv-SE" dirty="0" err="1" smtClean="0">
+                <a:solidFill>
+                  <a:srgbClr val="00FF00"/>
+                </a:solidFill>
+              </a:rPr>
+              <a:t>scissor</a:t>
+            </a:r>
+            <a:r>
+              <a:rPr lang="sv-SE" dirty="0" smtClean="0">
+                <a:solidFill>
+                  <a:srgbClr val="00FF00"/>
+                </a:solidFill>
+              </a:rPr>
+              <a:t>)</a:t>
+            </a:r>
+          </a:p>
+          <a:p>
+            <a:r>
+              <a:rPr lang="sv-SE" dirty="0" err="1" smtClean="0">
+                <a:solidFill>
+                  <a:srgbClr val="00FF00"/>
+                </a:solidFill>
+              </a:rPr>
+              <a:t>Replicator</a:t>
+            </a:r>
+            <a:r>
+              <a:rPr lang="sv-SE" dirty="0" smtClean="0">
+                <a:solidFill>
+                  <a:srgbClr val="00FF00"/>
+                </a:solidFill>
+              </a:rPr>
+              <a:t> (</a:t>
+            </a:r>
+            <a:r>
+              <a:rPr lang="sv-SE" dirty="0" err="1" smtClean="0">
+                <a:solidFill>
+                  <a:srgbClr val="00FF00"/>
+                </a:solidFill>
+              </a:rPr>
+              <a:t>paper</a:t>
+            </a:r>
+            <a:r>
+              <a:rPr lang="sv-SE" dirty="0" smtClean="0">
+                <a:solidFill>
+                  <a:srgbClr val="00FF00"/>
+                </a:solidFill>
+              </a:rPr>
+              <a:t>)</a:t>
+            </a:r>
+          </a:p>
+          <a:p>
+            <a:r>
+              <a:rPr lang="sv-SE" dirty="0" err="1" smtClean="0">
+                <a:solidFill>
+                  <a:srgbClr val="00FF00"/>
+                </a:solidFill>
+              </a:rPr>
+              <a:t>Vampire</a:t>
+            </a:r>
+            <a:r>
+              <a:rPr lang="sv-SE" dirty="0" smtClean="0">
+                <a:solidFill>
+                  <a:srgbClr val="00FF00"/>
+                </a:solidFill>
+              </a:rPr>
+              <a:t> (</a:t>
+            </a:r>
+            <a:r>
+              <a:rPr lang="sv-SE" dirty="0" err="1" smtClean="0">
+                <a:solidFill>
+                  <a:srgbClr val="00FF00"/>
+                </a:solidFill>
+              </a:rPr>
+              <a:t>scissor</a:t>
+            </a:r>
+            <a:r>
+              <a:rPr lang="sv-SE" dirty="0" smtClean="0">
+                <a:solidFill>
+                  <a:srgbClr val="00FF00"/>
+                </a:solidFill>
+              </a:rPr>
+              <a:t>?)</a:t>
+            </a:r>
+            <a:endParaRPr lang="sv-SE" dirty="0" smtClean="0">
+              <a:solidFill>
+                <a:srgbClr val="00FF00"/>
+              </a:solidFill>
+            </a:endParaRPr>
+          </a:p>
+          <a:p>
+            <a:r>
+              <a:rPr lang="sv-SE" dirty="0" smtClean="0">
+                <a:solidFill>
+                  <a:srgbClr val="00FF00"/>
+                </a:solidFill>
+              </a:rPr>
+              <a:t>Anti </a:t>
+            </a:r>
+            <a:r>
+              <a:rPr lang="sv-SE" dirty="0" err="1" smtClean="0">
+                <a:solidFill>
+                  <a:srgbClr val="00FF00"/>
+                </a:solidFill>
+              </a:rPr>
+              <a:t>vampire</a:t>
+            </a:r>
+            <a:endParaRPr lang="sv-SE" dirty="0" smtClean="0">
+              <a:solidFill>
+                <a:srgbClr val="00FF00"/>
+              </a:solidFill>
+            </a:endParaRPr>
+          </a:p>
+          <a:p>
+            <a:r>
+              <a:rPr lang="sv-SE" dirty="0" err="1" smtClean="0">
+                <a:solidFill>
+                  <a:srgbClr val="00FF00"/>
+                </a:solidFill>
+              </a:rPr>
+              <a:t>Decoys</a:t>
+            </a:r>
+            <a:endParaRPr lang="sv-SE" dirty="0" smtClean="0">
+              <a:solidFill>
+                <a:srgbClr val="00FF00"/>
+              </a:solidFill>
+            </a:endParaRPr>
+          </a:p>
+          <a:p>
+            <a:endParaRPr lang="sv-SE" dirty="0" smtClean="0">
+              <a:solidFill>
+                <a:srgbClr val="00FF00"/>
+              </a:solidFill>
+            </a:endParaRPr>
+          </a:p>
+        </p:txBody>
+      </p:sp>
+      <p:graphicFrame>
+        <p:nvGraphicFramePr>
+          <p:cNvPr id="5" name="Content Placeholder 4"/>
+          <p:cNvGraphicFramePr>
+            <a:graphicFrameLocks noGrp="1"/>
+          </p:cNvGraphicFramePr>
+          <p:nvPr>
+            <p:ph sz="half" idx="2"/>
+          </p:nvPr>
+        </p:nvGraphicFramePr>
+        <p:xfrm>
+          <a:off x="4648200" y="1600200"/>
+          <a:ext cx="4038600" cy="4525963"/>
+        </p:xfrm>
+        <a:graphic>
+          <a:graphicData uri="http://schemas.openxmlformats.org/drawingml/2006/diagram">
+            <dgm:relIds xmlns:dgm="http://schemas.openxmlformats.org/drawingml/2006/diagram" xmlns:r="http://schemas.openxmlformats.org/officeDocument/2006/relationships" r:dm="rId2" r:lo="rId3" r:qs="rId4" r:cs="rId5"/>
+          </a:graphicData>
+        </a:graphic>
+      </p:graphicFrame>
     </p:spTree>
   </p:cSld>
   <p:clrMapOvr>
@@ -5866,26 +8036,50 @@
           <a:lstStyle/>
           <a:p>
             <a:r>
-              <a:rPr lang="sv-SE" dirty="0" smtClean="0"/>
+              <a:rPr lang="sv-SE" dirty="0" smtClean="0">
+                <a:solidFill>
+                  <a:srgbClr val="00FF00"/>
+                </a:solidFill>
+              </a:rPr>
               <a:t>Vad är </a:t>
             </a:r>
             <a:r>
-              <a:rPr lang="sv-SE" dirty="0" err="1" smtClean="0"/>
+              <a:rPr lang="sv-SE" dirty="0" err="1" smtClean="0">
+                <a:solidFill>
+                  <a:srgbClr val="00FF00"/>
+                </a:solidFill>
+              </a:rPr>
               <a:t>Core</a:t>
             </a:r>
             <a:r>
-              <a:rPr lang="sv-SE" dirty="0" smtClean="0"/>
+              <a:rPr lang="sv-SE" dirty="0" smtClean="0">
+                <a:solidFill>
+                  <a:srgbClr val="00FF00"/>
+                </a:solidFill>
+              </a:rPr>
               <a:t> </a:t>
             </a:r>
             <a:r>
-              <a:rPr lang="sv-SE" dirty="0" err="1" smtClean="0"/>
+              <a:rPr lang="sv-SE" dirty="0" err="1" smtClean="0">
+                <a:solidFill>
+                  <a:srgbClr val="00FF00"/>
+                </a:solidFill>
+              </a:rPr>
               <a:t>Wars</a:t>
             </a:r>
             <a:r>
-              <a:rPr lang="sv-SE" dirty="0" smtClean="0"/>
+              <a:rPr lang="sv-SE" dirty="0" smtClean="0">
+                <a:solidFill>
+                  <a:srgbClr val="00FF00"/>
+                </a:solidFill>
+              </a:rPr>
               <a:t>?</a:t>
             </a:r>
-            <a:endParaRPr lang="sv-SE" dirty="0"/>
+            <a:endParaRPr lang="sv-SE" dirty="0">
+              <a:solidFill>
+                <a:srgbClr val="00FF00"/>
+              </a:solidFill>
+            </a:endParaRPr>
           </a:p>
         </p:txBody>
       </p:sp>
@@ -5907,21 +8101,101 @@
           <a:lstStyle/>
           <a:p>
             <a:r>
-              <a:rPr lang="sv-SE" dirty="0" smtClean="0"/>
-              <a:t>Skapad av </a:t>
-            </a:r>
-            <a:r>
-              <a:rPr lang="sv-SE" dirty="0" err="1" smtClean="0"/>
-              <a:t>yada</a:t>
-            </a:r>
-            <a:endParaRPr lang="sv-SE" dirty="0" smtClean="0"/>
-          </a:p>
-          <a:p>
-            <a:r>
-              <a:rPr lang="sv-SE" dirty="0" smtClean="0"/>
-              <a:t>ICWS88</a:t>
-            </a:r>
-            <a:endParaRPr lang="sv-SE" dirty="0"/>
+              <a:rPr lang="sv-SE" dirty="0" smtClean="0">
+                <a:solidFill>
+                  <a:srgbClr val="00FF00"/>
+                </a:solidFill>
+              </a:rPr>
+              <a:t>Följer International </a:t>
+            </a:r>
+            <a:r>
+              <a:rPr lang="sv-SE" dirty="0" err="1" smtClean="0">
+                <a:solidFill>
+                  <a:srgbClr val="00FF00"/>
+                </a:solidFill>
+              </a:rPr>
+              <a:t>Core</a:t>
+            </a:r>
+            <a:r>
+              <a:rPr lang="sv-SE" dirty="0" smtClean="0">
+                <a:solidFill>
+                  <a:srgbClr val="00FF00"/>
+                </a:solidFill>
+              </a:rPr>
+              <a:t> </a:t>
+            </a:r>
+            <a:r>
+              <a:rPr lang="sv-SE" dirty="0" err="1" smtClean="0">
+                <a:solidFill>
+                  <a:srgbClr val="00FF00"/>
+                </a:solidFill>
+              </a:rPr>
+              <a:t>Wars</a:t>
+            </a:r>
+            <a:r>
+              <a:rPr lang="sv-SE" dirty="0" smtClean="0">
+                <a:solidFill>
+                  <a:srgbClr val="00FF00"/>
+                </a:solidFill>
+              </a:rPr>
+              <a:t> </a:t>
+            </a:r>
+            <a:r>
+              <a:rPr lang="sv-SE" dirty="0" smtClean="0">
+                <a:solidFill>
+                  <a:srgbClr val="00FF00"/>
+                </a:solidFill>
+              </a:rPr>
+              <a:t>Society 1988 standarden.</a:t>
+            </a:r>
+            <a:endParaRPr lang="sv-SE" dirty="0" smtClean="0">
+              <a:solidFill>
+                <a:srgbClr val="00FF00"/>
+              </a:solidFill>
+            </a:endParaRPr>
+          </a:p>
+          <a:p>
+            <a:r>
+              <a:rPr lang="sv-SE" dirty="0" smtClean="0">
+                <a:solidFill>
+                  <a:srgbClr val="00FF00"/>
+                </a:solidFill>
+              </a:rPr>
+              <a:t>Utspelar sig i ett cirkulärt minne.</a:t>
+            </a:r>
+          </a:p>
+          <a:p>
+            <a:r>
+              <a:rPr lang="sv-SE" dirty="0" smtClean="0">
+                <a:solidFill>
+                  <a:srgbClr val="00FF00"/>
+                </a:solidFill>
+              </a:rPr>
+              <a:t>Varje instruktion har längd 1.</a:t>
+            </a:r>
+          </a:p>
+          <a:p>
+            <a:r>
+              <a:rPr lang="sv-SE" dirty="0" smtClean="0">
+                <a:solidFill>
+                  <a:srgbClr val="00FF00"/>
+                </a:solidFill>
+              </a:rPr>
+              <a:t>All adressering är </a:t>
+            </a:r>
+            <a:r>
+              <a:rPr lang="sv-SE" dirty="0" smtClean="0">
+                <a:solidFill>
+                  <a:srgbClr val="00FF00"/>
+                </a:solidFill>
+              </a:rPr>
+              <a:t>relativ.</a:t>
+            </a:r>
+            <a:endParaRPr lang="sv-SE" dirty="0">
+              <a:solidFill>
+                <a:srgbClr val="00FF00"/>
+              </a:solidFill>
+            </a:endParaRPr>
           </a:p>
         </p:txBody>
       </p:sp>
@@ -5946,34 +8220,58 @@
               <a:buNone/>
             </a:pPr>
             <a:r>
-              <a:rPr lang="sv-SE" dirty="0" smtClean="0"/>
+              <a:rPr lang="sv-SE" dirty="0" smtClean="0">
+                <a:solidFill>
+                  <a:srgbClr val="00FF00"/>
+                </a:solidFill>
+              </a:rPr>
               <a:t>Regler:</a:t>
             </a:r>
           </a:p>
           <a:p>
             <a:r>
-              <a:rPr lang="sv-SE" dirty="0" smtClean="0"/>
+              <a:rPr lang="sv-SE" dirty="0" smtClean="0">
+                <a:solidFill>
+                  <a:srgbClr val="00FF00"/>
+                </a:solidFill>
+              </a:rPr>
               <a:t>Spelarna delar på CPU tiden och exekverar en instruktion var.</a:t>
             </a:r>
           </a:p>
           <a:p>
             <a:r>
-              <a:rPr lang="sv-SE" dirty="0" smtClean="0"/>
+              <a:rPr lang="sv-SE" dirty="0" smtClean="0">
+                <a:solidFill>
+                  <a:srgbClr val="00FF00"/>
+                </a:solidFill>
+              </a:rPr>
               <a:t>Koden skapar nya processer med SPL.</a:t>
             </a:r>
           </a:p>
           <a:p>
             <a:r>
-              <a:rPr lang="sv-SE" dirty="0" smtClean="0"/>
+              <a:rPr lang="sv-SE" dirty="0" smtClean="0">
+                <a:solidFill>
+                  <a:srgbClr val="00FF00"/>
+                </a:solidFill>
+              </a:rPr>
               <a:t>Exekverar en process data dör processen</a:t>
             </a:r>
           </a:p>
           <a:p>
             <a:r>
-              <a:rPr lang="sv-SE" dirty="0" smtClean="0"/>
+              <a:rPr lang="sv-SE" dirty="0" smtClean="0">
+                <a:solidFill>
+                  <a:srgbClr val="00FF00"/>
+                </a:solidFill>
+              </a:rPr>
               <a:t>Han man inga processer kvar förlorar man</a:t>
             </a:r>
-            <a:endParaRPr lang="sv-SE" dirty="0"/>
+            <a:endParaRPr lang="sv-SE" dirty="0">
+              <a:solidFill>
+                <a:srgbClr val="00FF00"/>
+              </a:solidFill>
+            </a:endParaRPr>
           </a:p>
         </p:txBody>
       </p:sp>
@@ -6018,10 +8316,18 @@
           <a:lstStyle/>
           <a:p>
             <a:r>
-              <a:rPr lang="sv-SE" dirty="0" err="1" smtClean="0"/>
+              <a:rPr lang="sv-SE" dirty="0" err="1" smtClean="0">
+                <a:solidFill>
+                  <a:srgbClr val="00FF00"/>
+                </a:solidFill>
+              </a:rPr>
               <a:t>Redcode</a:t>
             </a:r>
-            <a:endParaRPr lang="sv-SE" dirty="0"/>
+            <a:endParaRPr lang="sv-SE" dirty="0">
+              <a:solidFill>
+                <a:srgbClr val="00FF00"/>
+              </a:solidFill>
+            </a:endParaRPr>
           </a:p>
         </p:txBody>
       </p:sp>
@@ -6038,7 +8344,7 @@
         <p:spPr/>
         <p:txBody>
           <a:bodyPr>
-            <a:normAutofit fontScale="85000" lnSpcReduction="20000"/>
+            <a:normAutofit fontScale="92500" lnSpcReduction="10000"/>
           </a:bodyPr>
           <a:lstStyle/>
           <a:p>
@@ -6047,23 +8353,32 @@
             </a:pPr>
             <a:r>
               <a:rPr lang="en-US" dirty="0" err="1" smtClean="0">
+                <a:solidFill>
+                  <a:srgbClr val="00FF00"/>
+                </a:solidFill>
                 <a:cs typeface="Courier New" pitchFamily="49" charset="0"/>
               </a:rPr>
               <a:t>Instruktioner</a:t>
             </a:r>
             <a:r>
               <a:rPr lang="en-US" dirty="0" smtClean="0">
+                <a:solidFill>
+                  <a:srgbClr val="00FF00"/>
+                </a:solidFill>
                 <a:cs typeface="Courier New" pitchFamily="49" charset="0"/>
               </a:rPr>
               <a:t>:</a:t>
             </a:r>
           </a:p>
           <a:p>
-            <a:pPr>
+            <a:pPr lvl="1">
               <a:buNone/>
             </a:pPr>
             <a:r>
               <a:rPr lang="en-US" dirty="0" smtClean="0">
+                <a:solidFill>
+                  <a:srgbClr val="00FF00"/>
+                </a:solidFill>
                 <a:latin typeface="Courier New" pitchFamily="49" charset="0"/>
                 <a:cs typeface="Courier New" pitchFamily="49" charset="0"/>
               </a:rPr>
@@ -6071,6 +8386,9 @@
             </a:r>
             <a:r>
               <a:rPr lang="en-US" dirty="0">
+                <a:solidFill>
+                  <a:srgbClr val="00FF00"/>
+                </a:solidFill>
                 <a:latin typeface="Courier New" pitchFamily="49" charset="0"/>
                 <a:cs typeface="Courier New" pitchFamily="49" charset="0"/>
               </a:rPr>
@@ -6078,22 +8396,31 @@
             </a:r>
             <a:r>
               <a:rPr lang="en-US" dirty="0" smtClean="0">
+                <a:solidFill>
+                  <a:srgbClr val="00FF00"/>
+                </a:solidFill>
                 <a:latin typeface="Courier New" pitchFamily="49" charset="0"/>
                 <a:cs typeface="Courier New" pitchFamily="49" charset="0"/>
               </a:rPr>
               <a:t>B</a:t>
             </a:r>
             <a:endParaRPr lang="en-US" dirty="0">
+              <a:solidFill>
+                <a:srgbClr val="00FF00"/>
+              </a:solidFill>
               <a:latin typeface="Courier New" pitchFamily="49" charset="0"/>
               <a:cs typeface="Courier New" pitchFamily="49" charset="0"/>
             </a:endParaRPr>
           </a:p>
           <a:p>
-            <a:pPr>
+            <a:pPr lvl="1">
               <a:buNone/>
             </a:pPr>
             <a:r>
               <a:rPr lang="en-US" dirty="0">
+                <a:solidFill>
+                  <a:srgbClr val="00FF00"/>
+                </a:solidFill>
                 <a:latin typeface="Courier New" pitchFamily="49" charset="0"/>
                 <a:cs typeface="Courier New" pitchFamily="49" charset="0"/>
               </a:rPr>
@@ -6101,22 +8428,31 @@
             </a:r>
             <a:r>
               <a:rPr lang="en-US" dirty="0" smtClean="0">
+                <a:solidFill>
+                  <a:srgbClr val="00FF00"/>
+                </a:solidFill>
                 <a:latin typeface="Courier New" pitchFamily="49" charset="0"/>
                 <a:cs typeface="Courier New" pitchFamily="49" charset="0"/>
               </a:rPr>
               <a:t>B</a:t>
             </a:r>
             <a:endParaRPr lang="en-US" dirty="0">
+              <a:solidFill>
+                <a:srgbClr val="00FF00"/>
+              </a:solidFill>
               <a:latin typeface="Courier New" pitchFamily="49" charset="0"/>
               <a:cs typeface="Courier New" pitchFamily="49" charset="0"/>
             </a:endParaRPr>
           </a:p>
           <a:p>
-            <a:pPr>
+            <a:pPr lvl="1">
               <a:buNone/>
             </a:pPr>
             <a:r>
               <a:rPr lang="en-US" dirty="0">
+                <a:solidFill>
+                  <a:srgbClr val="00FF00"/>
+                </a:solidFill>
                 <a:latin typeface="Courier New" pitchFamily="49" charset="0"/>
                 <a:cs typeface="Courier New" pitchFamily="49" charset="0"/>
               </a:rPr>
@@ -6124,22 +8460,31 @@
             </a:r>
             <a:r>
               <a:rPr lang="en-US" dirty="0" smtClean="0">
+                <a:solidFill>
+                  <a:srgbClr val="00FF00"/>
+                </a:solidFill>
                 <a:latin typeface="Courier New" pitchFamily="49" charset="0"/>
                 <a:cs typeface="Courier New" pitchFamily="49" charset="0"/>
               </a:rPr>
               <a:t>B</a:t>
             </a:r>
             <a:endParaRPr lang="en-US" dirty="0">
+              <a:solidFill>
+                <a:srgbClr val="00FF00"/>
+              </a:solidFill>
               <a:latin typeface="Courier New" pitchFamily="49" charset="0"/>
               <a:cs typeface="Courier New" pitchFamily="49" charset="0"/>
             </a:endParaRPr>
           </a:p>
           <a:p>
-            <a:pPr>
+            <a:pPr lvl="1">
               <a:buNone/>
             </a:pPr>
             <a:r>
               <a:rPr lang="en-US" dirty="0">
+                <a:solidFill>
+                  <a:srgbClr val="00FF00"/>
+                </a:solidFill>
                 <a:latin typeface="Courier New" pitchFamily="49" charset="0"/>
                 <a:cs typeface="Courier New" pitchFamily="49" charset="0"/>
               </a:rPr>
@@ -6147,22 +8492,31 @@
             </a:r>
             <a:r>
               <a:rPr lang="en-US" dirty="0" smtClean="0">
+                <a:solidFill>
+                  <a:srgbClr val="00FF00"/>
+                </a:solidFill>
                 <a:latin typeface="Courier New" pitchFamily="49" charset="0"/>
                 <a:cs typeface="Courier New" pitchFamily="49" charset="0"/>
               </a:rPr>
               <a:t>B</a:t>
             </a:r>
             <a:endParaRPr lang="en-US" dirty="0">
+              <a:solidFill>
+                <a:srgbClr val="00FF00"/>
+              </a:solidFill>
               <a:latin typeface="Courier New" pitchFamily="49" charset="0"/>
               <a:cs typeface="Courier New" pitchFamily="49" charset="0"/>
             </a:endParaRPr>
           </a:p>
           <a:p>
-            <a:pPr>
+            <a:pPr lvl="1">
               <a:buNone/>
             </a:pPr>
             <a:r>
               <a:rPr lang="en-US" dirty="0">
+                <a:solidFill>
+                  <a:srgbClr val="00FF00"/>
+                </a:solidFill>
                 <a:latin typeface="Courier New" pitchFamily="49" charset="0"/>
                 <a:cs typeface="Courier New" pitchFamily="49" charset="0"/>
               </a:rPr>
@@ -6170,22 +8524,31 @@
             </a:r>
             <a:r>
               <a:rPr lang="en-US" dirty="0" smtClean="0">
+                <a:solidFill>
+                  <a:srgbClr val="00FF00"/>
+                </a:solidFill>
                 <a:latin typeface="Courier New" pitchFamily="49" charset="0"/>
                 <a:cs typeface="Courier New" pitchFamily="49" charset="0"/>
               </a:rPr>
               <a:t>B</a:t>
             </a:r>
             <a:endParaRPr lang="en-US" dirty="0">
+              <a:solidFill>
+                <a:srgbClr val="00FF00"/>
+              </a:solidFill>
               <a:latin typeface="Courier New" pitchFamily="49" charset="0"/>
               <a:cs typeface="Courier New" pitchFamily="49" charset="0"/>
             </a:endParaRPr>
           </a:p>
           <a:p>
-            <a:pPr>
+            <a:pPr lvl="1">
               <a:buNone/>
             </a:pPr>
             <a:r>
               <a:rPr lang="en-US" dirty="0">
+                <a:solidFill>
+                  <a:srgbClr val="00FF00"/>
+                </a:solidFill>
                 <a:latin typeface="Courier New" pitchFamily="49" charset="0"/>
                 <a:cs typeface="Courier New" pitchFamily="49" charset="0"/>
               </a:rPr>
@@ -6193,22 +8556,31 @@
             </a:r>
             <a:r>
               <a:rPr lang="en-US" dirty="0" smtClean="0">
+                <a:solidFill>
+                  <a:srgbClr val="00FF00"/>
+                </a:solidFill>
                 <a:latin typeface="Courier New" pitchFamily="49" charset="0"/>
                 <a:cs typeface="Courier New" pitchFamily="49" charset="0"/>
               </a:rPr>
               <a:t>B</a:t>
             </a:r>
             <a:endParaRPr lang="en-US" dirty="0">
+              <a:solidFill>
+                <a:srgbClr val="00FF00"/>
+              </a:solidFill>
               <a:latin typeface="Courier New" pitchFamily="49" charset="0"/>
               <a:cs typeface="Courier New" pitchFamily="49" charset="0"/>
             </a:endParaRPr>
           </a:p>
           <a:p>
-            <a:pPr>
+            <a:pPr lvl="1">
               <a:buNone/>
             </a:pPr>
             <a:r>
               <a:rPr lang="en-US" dirty="0">
+                <a:solidFill>
+                  <a:srgbClr val="00FF00"/>
+                </a:solidFill>
                 <a:latin typeface="Courier New" pitchFamily="49" charset="0"/>
                 <a:cs typeface="Courier New" pitchFamily="49" charset="0"/>
               </a:rPr>
@@ -6216,22 +8588,31 @@
             </a:r>
             <a:r>
               <a:rPr lang="en-US" dirty="0" smtClean="0">
+                <a:solidFill>
+                  <a:srgbClr val="00FF00"/>
+                </a:solidFill>
                 <a:latin typeface="Courier New" pitchFamily="49" charset="0"/>
                 <a:cs typeface="Courier New" pitchFamily="49" charset="0"/>
               </a:rPr>
               <a:t>B</a:t>
             </a:r>
             <a:endParaRPr lang="en-US" dirty="0">
+              <a:solidFill>
+                <a:srgbClr val="00FF00"/>
+              </a:solidFill>
               <a:latin typeface="Courier New" pitchFamily="49" charset="0"/>
               <a:cs typeface="Courier New" pitchFamily="49" charset="0"/>
             </a:endParaRPr>
           </a:p>
           <a:p>
-            <a:pPr>
+            <a:pPr lvl="1">
               <a:buNone/>
             </a:pPr>
             <a:r>
               <a:rPr lang="en-US" dirty="0">
+                <a:solidFill>
+                  <a:srgbClr val="00FF00"/>
+                </a:solidFill>
                 <a:latin typeface="Courier New" pitchFamily="49" charset="0"/>
                 <a:cs typeface="Courier New" pitchFamily="49" charset="0"/>
               </a:rPr>
@@ -6239,22 +8620,31 @@
             </a:r>
             <a:r>
               <a:rPr lang="en-US" dirty="0" smtClean="0">
+                <a:solidFill>
+                  <a:srgbClr val="00FF00"/>
+                </a:solidFill>
                 <a:latin typeface="Courier New" pitchFamily="49" charset="0"/>
                 <a:cs typeface="Courier New" pitchFamily="49" charset="0"/>
               </a:rPr>
               <a:t>B</a:t>
             </a:r>
             <a:endParaRPr lang="en-US" dirty="0">
+              <a:solidFill>
+                <a:srgbClr val="00FF00"/>
+              </a:solidFill>
               <a:latin typeface="Courier New" pitchFamily="49" charset="0"/>
               <a:cs typeface="Courier New" pitchFamily="49" charset="0"/>
             </a:endParaRPr>
           </a:p>
           <a:p>
-            <a:pPr>
+            <a:pPr lvl="1">
               <a:buNone/>
             </a:pPr>
             <a:r>
               <a:rPr lang="en-US" dirty="0">
+                <a:solidFill>
+                  <a:srgbClr val="00FF00"/>
+                </a:solidFill>
                 <a:latin typeface="Courier New" pitchFamily="49" charset="0"/>
                 <a:cs typeface="Courier New" pitchFamily="49" charset="0"/>
               </a:rPr>
@@ -6262,22 +8652,31 @@
             </a:r>
             <a:r>
               <a:rPr lang="en-US" dirty="0" smtClean="0">
+                <a:solidFill>
+                  <a:srgbClr val="00FF00"/>
+                </a:solidFill>
                 <a:latin typeface="Courier New" pitchFamily="49" charset="0"/>
                 <a:cs typeface="Courier New" pitchFamily="49" charset="0"/>
               </a:rPr>
               <a:t>B</a:t>
             </a:r>
             <a:endParaRPr lang="en-US" dirty="0">
+              <a:solidFill>
+                <a:srgbClr val="00FF00"/>
+              </a:solidFill>
               <a:latin typeface="Courier New" pitchFamily="49" charset="0"/>
               <a:cs typeface="Courier New" pitchFamily="49" charset="0"/>
             </a:endParaRPr>
           </a:p>
           <a:p>
-            <a:pPr>
+            <a:pPr lvl="1">
               <a:buNone/>
             </a:pPr>
             <a:r>
               <a:rPr lang="en-US" dirty="0">
+                <a:solidFill>
+                  <a:srgbClr val="00FF00"/>
+                </a:solidFill>
                 <a:latin typeface="Courier New" pitchFamily="49" charset="0"/>
                 <a:cs typeface="Courier New" pitchFamily="49" charset="0"/>
               </a:rPr>
@@ -6285,22 +8684,31 @@
             </a:r>
             <a:r>
               <a:rPr lang="en-US" dirty="0" smtClean="0">
+                <a:solidFill>
+                  <a:srgbClr val="00FF00"/>
+                </a:solidFill>
                 <a:latin typeface="Courier New" pitchFamily="49" charset="0"/>
                 <a:cs typeface="Courier New" pitchFamily="49" charset="0"/>
               </a:rPr>
               <a:t>B</a:t>
             </a:r>
             <a:endParaRPr lang="en-US" dirty="0">
+              <a:solidFill>
+                <a:srgbClr val="00FF00"/>
+              </a:solidFill>
               <a:latin typeface="Courier New" pitchFamily="49" charset="0"/>
               <a:cs typeface="Courier New" pitchFamily="49" charset="0"/>
             </a:endParaRPr>
           </a:p>
           <a:p>
-            <a:pPr>
+            <a:pPr lvl="1">
               <a:buNone/>
             </a:pPr>
             <a:r>
               <a:rPr lang="en-US" dirty="0">
+                <a:solidFill>
+                  <a:srgbClr val="00FF00"/>
+                </a:solidFill>
                 <a:latin typeface="Courier New" pitchFamily="49" charset="0"/>
                 <a:cs typeface="Courier New" pitchFamily="49" charset="0"/>
               </a:rPr>
@@ -6308,12 +8716,18 @@
             </a:r>
             <a:r>
               <a:rPr lang="en-US" dirty="0" smtClean="0">
+                <a:solidFill>
+                  <a:srgbClr val="00FF00"/>
+                </a:solidFill>
                 <a:latin typeface="Courier New" pitchFamily="49" charset="0"/>
                 <a:cs typeface="Courier New" pitchFamily="49" charset="0"/>
               </a:rPr>
               <a:t>B</a:t>
             </a:r>
             <a:endParaRPr lang="sv-SE" dirty="0">
+              <a:solidFill>
+                <a:srgbClr val="00FF00"/>
+              </a:solidFill>
               <a:latin typeface="Courier New" pitchFamily="49" charset="0"/>
               <a:cs typeface="Courier New" pitchFamily="49" charset="0"/>
             </a:endParaRPr>
@@ -6333,7 +8747,7 @@
         <p:spPr/>
         <p:txBody>
           <a:bodyPr>
-            <a:normAutofit fontScale="85000" lnSpcReduction="20000"/>
+            <a:normAutofit fontScale="92500" lnSpcReduction="10000"/>
           </a:bodyPr>
           <a:lstStyle/>
           <a:p>
@@ -6341,78 +8755,228 @@
               <a:buNone/>
             </a:pPr>
             <a:r>
-              <a:rPr lang="sv-SE" dirty="0" err="1" smtClean="0"/>
+              <a:rPr lang="sv-SE" dirty="0" err="1" smtClean="0">
+                <a:solidFill>
+                  <a:srgbClr val="00FF00"/>
+                </a:solidFill>
+              </a:rPr>
               <a:t>Addresseringsmoder</a:t>
             </a:r>
             <a:r>
-              <a:rPr lang="sv-SE" dirty="0"/>
+              <a:rPr lang="sv-SE" dirty="0">
+                <a:solidFill>
+                  <a:srgbClr val="00FF00"/>
+                </a:solidFill>
+              </a:rPr>
               <a:t>:</a:t>
             </a:r>
-            <a:endParaRPr lang="sv-SE" dirty="0" smtClean="0"/>
+            <a:endParaRPr lang="sv-SE" dirty="0" smtClean="0">
+              <a:solidFill>
+                <a:srgbClr val="00FF00"/>
+              </a:solidFill>
+            </a:endParaRPr>
+          </a:p>
+          <a:p>
+            <a:pPr lvl="1">
+              <a:buNone/>
+            </a:pPr>
+            <a:r>
+              <a:rPr lang="sv-SE" dirty="0" smtClean="0">
+                <a:solidFill>
+                  <a:srgbClr val="00FF00"/>
+                </a:solidFill>
+              </a:rPr>
+              <a:t>(    ) </a:t>
+            </a:r>
+            <a:r>
+              <a:rPr lang="sv-SE" dirty="0" err="1" smtClean="0">
+                <a:solidFill>
+                  <a:srgbClr val="00FF00"/>
+                </a:solidFill>
+              </a:rPr>
+              <a:t>direct</a:t>
+            </a:r>
+            <a:endParaRPr lang="sv-SE" dirty="0" smtClean="0">
+              <a:solidFill>
+                <a:srgbClr val="00FF00"/>
+              </a:solidFill>
+            </a:endParaRPr>
+          </a:p>
+          <a:p>
+            <a:pPr lvl="1">
+              <a:buNone/>
+            </a:pPr>
+            <a:r>
+              <a:rPr lang="sv-SE" dirty="0" smtClean="0">
+                <a:solidFill>
+                  <a:srgbClr val="00FF00"/>
+                </a:solidFill>
+              </a:rPr>
+              <a:t>( # ) </a:t>
+            </a:r>
+            <a:r>
+              <a:rPr lang="sv-SE" dirty="0" err="1" smtClean="0">
+                <a:solidFill>
+                  <a:srgbClr val="00FF00"/>
+                </a:solidFill>
+              </a:rPr>
+              <a:t>immediate</a:t>
+            </a:r>
+            <a:endParaRPr lang="sv-SE" dirty="0" smtClean="0">
+              <a:solidFill>
+                <a:srgbClr val="00FF00"/>
+              </a:solidFill>
+            </a:endParaRPr>
+          </a:p>
+          <a:p>
+            <a:pPr lvl="1">
+              <a:buNone/>
+            </a:pPr>
+            <a:r>
+              <a:rPr lang="sv-SE" dirty="0">
+                <a:solidFill>
+                  <a:srgbClr val="00FF00"/>
+                </a:solidFill>
+              </a:rPr>
+              <a:t>(@) </a:t>
+            </a:r>
+            <a:r>
+              <a:rPr lang="sv-SE" dirty="0" err="1" smtClean="0">
+                <a:solidFill>
+                  <a:srgbClr val="00FF00"/>
+                </a:solidFill>
+              </a:rPr>
+              <a:t>indirect</a:t>
+            </a:r>
+            <a:endParaRPr lang="sv-SE" dirty="0" smtClean="0">
+              <a:solidFill>
+                <a:srgbClr val="00FF00"/>
+              </a:solidFill>
+            </a:endParaRPr>
+          </a:p>
+          <a:p>
+            <a:pPr lvl="1">
+              <a:buNone/>
+            </a:pPr>
+            <a:r>
+              <a:rPr lang="sv-SE" dirty="0" smtClean="0">
+                <a:solidFill>
+                  <a:srgbClr val="00FF00"/>
+                </a:solidFill>
+              </a:rPr>
+              <a:t>( &lt; ) </a:t>
+            </a:r>
+            <a:r>
+              <a:rPr lang="sv-SE" dirty="0" err="1" smtClean="0">
+                <a:solidFill>
+                  <a:srgbClr val="00FF00"/>
+                </a:solidFill>
+              </a:rPr>
+              <a:t>pre-decrement</a:t>
+            </a:r>
+            <a:r>
+              <a:rPr lang="sv-SE" dirty="0" smtClean="0">
+                <a:solidFill>
+                  <a:srgbClr val="00FF00"/>
+                </a:solidFill>
+              </a:rPr>
+              <a:t> </a:t>
+            </a:r>
+            <a:r>
+              <a:rPr lang="sv-SE" dirty="0" err="1" smtClean="0">
+                <a:solidFill>
+                  <a:srgbClr val="00FF00"/>
+                </a:solidFill>
+              </a:rPr>
+              <a:t>indirect</a:t>
+            </a:r>
+            <a:endParaRPr lang="sv-SE" dirty="0" smtClean="0">
+              <a:solidFill>
+                <a:srgbClr val="00FF00"/>
+              </a:solidFill>
+            </a:endParaRPr>
+          </a:p>
+          <a:p>
+            <a:pPr lvl="1">
+              <a:buNone/>
+            </a:pPr>
+            <a:endParaRPr lang="sv-SE" dirty="0">
+              <a:solidFill>
+                <a:srgbClr val="00FF00"/>
+              </a:solidFill>
+            </a:endParaRPr>
           </a:p>
           <a:p>
             <a:pPr>
               <a:buNone/>
             </a:pPr>
             <a:r>
-              <a:rPr lang="sv-SE" dirty="0" smtClean="0"/>
-              <a:t>(    ) </a:t>
-            </a:r>
-            <a:r>
-              <a:rPr lang="sv-SE" dirty="0" err="1" smtClean="0"/>
-              <a:t>direct</a:t>
-            </a:r>
-            <a:endParaRPr lang="sv-SE" dirty="0" smtClean="0"/>
-          </a:p>
-          <a:p>
-            <a:pPr>
+              <a:rPr lang="sv-SE" dirty="0" smtClean="0">
+                <a:solidFill>
+                  <a:srgbClr val="00FF00"/>
+                </a:solidFill>
+              </a:rPr>
+              <a:t>Exempel:</a:t>
+            </a:r>
+          </a:p>
+          <a:p>
+            <a:pPr lvl="1">
               <a:buNone/>
             </a:pPr>
             <a:r>
-              <a:rPr lang="sv-SE" dirty="0" smtClean="0"/>
-              <a:t>( # ) </a:t>
-            </a:r>
-            <a:r>
-              <a:rPr lang="sv-SE" dirty="0" err="1" smtClean="0"/>
-              <a:t>immediate</a:t>
-            </a:r>
-            <a:endParaRPr lang="sv-SE" dirty="0" smtClean="0"/>
-          </a:p>
-          <a:p>
-            <a:pPr>
+              <a:rPr lang="en-US" dirty="0" smtClean="0">
+                <a:solidFill>
+                  <a:srgbClr val="00FF00"/>
+                </a:solidFill>
+                <a:latin typeface="Courier New" pitchFamily="49" charset="0"/>
+                <a:cs typeface="Courier New" pitchFamily="49" charset="0"/>
+              </a:rPr>
+              <a:t>DAT 0,  0</a:t>
+            </a:r>
+          </a:p>
+          <a:p>
+            <a:pPr lvl="1">
               <a:buNone/>
             </a:pPr>
             <a:r>
-              <a:rPr lang="sv-SE" dirty="0"/>
-              <a:t>(@) </a:t>
-            </a:r>
-            <a:r>
-              <a:rPr lang="sv-SE" dirty="0" err="1" smtClean="0"/>
-              <a:t>indirect</a:t>
-            </a:r>
-            <a:endParaRPr lang="sv-SE" dirty="0" smtClean="0"/>
-          </a:p>
-          <a:p>
-            <a:pPr>
+              <a:rPr lang="en-US" dirty="0" smtClean="0">
+                <a:solidFill>
+                  <a:srgbClr val="00FF00"/>
+                </a:solidFill>
+                <a:latin typeface="Courier New" pitchFamily="49" charset="0"/>
+                <a:cs typeface="Courier New" pitchFamily="49" charset="0"/>
+              </a:rPr>
+              <a:t>MOV -1, &lt;-1</a:t>
+            </a:r>
+            <a:endParaRPr lang="en-US" dirty="0" smtClean="0">
+              <a:solidFill>
+                <a:srgbClr val="00FF00"/>
+              </a:solidFill>
+              <a:latin typeface="Courier New" pitchFamily="49" charset="0"/>
+              <a:cs typeface="Courier New" pitchFamily="49" charset="0"/>
+            </a:endParaRPr>
+          </a:p>
+          <a:p>
+            <a:pPr lvl="1">
               <a:buNone/>
             </a:pPr>
             <a:r>
-              <a:rPr lang="sv-SE" dirty="0" smtClean="0"/>
-              <a:t>( &lt; ) </a:t>
-            </a:r>
-            <a:r>
-              <a:rPr lang="sv-SE" dirty="0" err="1" smtClean="0"/>
-              <a:t>pre-decrement</a:t>
-            </a:r>
-            <a:r>
-              <a:rPr lang="sv-SE" dirty="0" smtClean="0"/>
-              <a:t> </a:t>
-            </a:r>
-            <a:r>
-              <a:rPr lang="sv-SE" dirty="0" err="1" smtClean="0"/>
-              <a:t>indirect</a:t>
-            </a:r>
-            <a:endParaRPr lang="sv-SE" dirty="0"/>
+              <a:rPr lang="en-US" dirty="0" smtClean="0">
+                <a:solidFill>
+                  <a:srgbClr val="00FF00"/>
+                </a:solidFill>
+                <a:latin typeface="Courier New" pitchFamily="49" charset="0"/>
+                <a:cs typeface="Courier New" pitchFamily="49" charset="0"/>
+              </a:rPr>
+              <a:t>JMP -1, 0</a:t>
+            </a:r>
+            <a:endParaRPr lang="sv-SE" dirty="0" smtClean="0">
+              <a:solidFill>
+                <a:srgbClr val="00FF00"/>
+              </a:solidFill>
+              <a:latin typeface="Courier New" pitchFamily="49" charset="0"/>
+              <a:cs typeface="Courier New" pitchFamily="49" charset="0"/>
+            </a:endParaRPr>
           </a:p>
         </p:txBody>
       </p:sp>
@@ -6427,6 +8991,14 @@
 <file path=ppt/slides/slide4.xml><?xml version="1.0" encoding="utf-8"?>
 <p:sld xmlns:a="http://schemas.openxmlformats.org/drawingml/2006/main" xmlns:r="http://schemas.openxmlformats.org/officeDocument/2006/relationships" xmlns:p="http://schemas.openxmlformats.org/presentationml/2006/main">
   <p:cSld>
+    <p:bg>
+      <p:bgPr>
+        <a:solidFill>
+          <a:schemeClr val="tx1"/>
+        </a:solidFill>
+        <a:effectLst/>
+      </p:bgPr>
+    </p:bg>
     <p:spTree>
       <p:nvGrpSpPr>
         <p:cNvPr id="1" name=""/>
@@ -6443,12 +9015,12 @@
       </p:grpSpPr>
       <p:sp>
         <p:nvSpPr>
-          <p:cNvPr id="2" name="Title 1"/>
+          <p:cNvPr id="5" name="Title 4"/>
           <p:cNvSpPr>
             <a:spLocks noGrp="1"/>
           </p:cNvSpPr>
           <p:nvPr>
-            <p:ph type="title"/>
+            <p:ph type="ctrTitle"/>
           </p:nvPr>
         </p:nvSpPr>
         <p:spPr/>
@@ -6456,45 +9028,19 @@
           <a:bodyPr/>
           <a:lstStyle/>
           <a:p>
-            <a:endParaRPr lang="sv-SE" dirty="0"/>
-          </a:p>
-        </p:txBody>
-      </p:sp>
-      <p:sp>
-        <p:nvSpPr>
-          <p:cNvPr id="3" name="Content Placeholder 2"/>
-          <p:cNvSpPr>
-            <a:spLocks noGrp="1"/>
-          </p:cNvSpPr>
-          <p:nvPr>
-            <p:ph sz="half" idx="1"/>
-          </p:nvPr>
-        </p:nvSpPr>
-        <p:spPr/>
-        <p:txBody>
-          <a:bodyPr/>
-          <a:lstStyle/>
-          <a:p>
-            <a:endParaRPr lang="sv-SE"/>
-          </a:p>
-        </p:txBody>
-      </p:sp>
-      <p:sp>
-        <p:nvSpPr>
-          <p:cNvPr id="4" name="Content Placeholder 3"/>
-          <p:cNvSpPr>
-            <a:spLocks noGrp="1"/>
-          </p:cNvSpPr>
-          <p:nvPr>
-            <p:ph sz="half" idx="2"/>
-          </p:nvPr>
-        </p:nvSpPr>
-        <p:spPr/>
-        <p:txBody>
-          <a:bodyPr/>
-          <a:lstStyle/>
-          <a:p>
-            <a:endParaRPr lang="sv-SE"/>
+            <a:r>
+              <a:rPr lang="sv-SE" dirty="0" smtClean="0">
+                <a:solidFill>
+                  <a:srgbClr val="00FF00"/>
+                </a:solidFill>
+              </a:rPr>
+              <a:t>Hårdvara</a:t>
+            </a:r>
+            <a:endParaRPr lang="sv-SE" dirty="0">
+              <a:solidFill>
+                <a:srgbClr val="00FF00"/>
+              </a:solidFill>
+            </a:endParaRPr>
           </a:p>
         </p:txBody>
       </p:sp>
@@ -6523,64 +9069,66 @@
           <a:chExt cx="0" cy="0"/>
         </a:xfrm>
       </p:grpSpPr>
+      <p:pic>
+        <p:nvPicPr>
+          <p:cNvPr id="4" name="Content Placeholder 6" descr="memory cell_g.png"/>
+          <p:cNvPicPr>
+            <a:picLocks noChangeAspect="1"/>
+          </p:cNvPicPr>
+          <p:nvPr/>
+        </p:nvPicPr>
+        <p:blipFill>
+          <a:blip r:embed="rId2" cstate="print"/>
+          <a:stretch>
+            <a:fillRect/>
+          </a:stretch>
+        </p:blipFill>
+        <p:spPr>
+          <a:xfrm>
+            <a:off x="2970076" y="30325"/>
+            <a:ext cx="3203848" cy="6797351"/>
+          </a:xfrm>
+          <a:prstGeom prst="rect">
+            <a:avLst/>
+          </a:prstGeom>
+        </p:spPr>
+      </p:pic>
       <p:sp>
         <p:nvSpPr>
-          <p:cNvPr id="2" name="Title 1"/>
-          <p:cNvSpPr>
-            <a:spLocks noGrp="1"/>
-          </p:cNvSpPr>
-          <p:nvPr>
-            <p:ph type="title"/>
-          </p:nvPr>
+          <p:cNvPr id="5" name="TextBox 4"/>
+          <p:cNvSpPr txBox="1"/>
+          <p:nvPr/>
         </p:nvSpPr>
-        <p:spPr/>
+        <p:spPr>
+          <a:xfrm>
+            <a:off x="6012160" y="6488668"/>
+            <a:ext cx="3131840" cy="369332"/>
+          </a:xfrm>
+          <a:prstGeom prst="rect">
+            <a:avLst/>
+          </a:prstGeom>
+          <a:noFill/>
+        </p:spPr>
         <p:txBody>
-          <a:bodyPr/>
+          <a:bodyPr wrap="square" rtlCol="0">
+            <a:spAutoFit/>
+          </a:bodyPr>
           <a:lstStyle/>
           <a:p>
-            <a:r>
-              <a:rPr lang="sv-SE" dirty="0" smtClean="0"/>
-              <a:t>Minne</a:t>
-            </a:r>
-            <a:endParaRPr lang="sv-SE" dirty="0"/>
-          </a:p>
-        </p:txBody>
-      </p:sp>
-      <p:sp>
-        <p:nvSpPr>
-          <p:cNvPr id="3" name="Content Placeholder 2"/>
-          <p:cNvSpPr>
-            <a:spLocks noGrp="1"/>
-          </p:cNvSpPr>
-          <p:nvPr>
-            <p:ph sz="half" idx="1"/>
-          </p:nvPr>
-        </p:nvSpPr>
-        <p:spPr/>
-        <p:txBody>
-          <a:bodyPr/>
-          <a:lstStyle/>
-          <a:p>
-            <a:endParaRPr lang="sv-SE" dirty="0"/>
-          </a:p>
-        </p:txBody>
-      </p:sp>
-      <p:sp>
-        <p:nvSpPr>
-          <p:cNvPr id="4" name="Content Placeholder 3"/>
-          <p:cNvSpPr>
-            <a:spLocks noGrp="1"/>
-          </p:cNvSpPr>
-          <p:nvPr>
-            <p:ph sz="half" idx="2"/>
-          </p:nvPr>
-        </p:nvSpPr>
-        <p:spPr/>
-        <p:txBody>
-          <a:bodyPr/>
-          <a:lstStyle/>
-          <a:p>
-            <a:endParaRPr lang="sv-SE"/>
+            <a:pPr algn="r"/>
+            <a:r>
+              <a:rPr lang="sv-SE" dirty="0" err="1" smtClean="0">
+                <a:solidFill>
+                  <a:srgbClr val="00FF00"/>
+                </a:solidFill>
+              </a:rPr>
+              <a:t>Operandminne</a:t>
+            </a:r>
+            <a:endParaRPr lang="sv-SE" dirty="0">
+              <a:solidFill>
+                <a:srgbClr val="00FF00"/>
+              </a:solidFill>
+            </a:endParaRPr>
           </a:p>
         </p:txBody>
       </p:sp>
@@ -6609,159 +9157,71 @@
           <a:chExt cx="0" cy="0"/>
         </a:xfrm>
       </p:grpSpPr>
+      <p:pic>
+        <p:nvPicPr>
+          <p:cNvPr id="1026" name="Picture 2" descr="C:\Users\J3X\Documents\Digital-konstruktion\Report &amp; presentation\memory cell_dual_g.png"/>
+          <p:cNvPicPr>
+            <a:picLocks noChangeAspect="1" noChangeArrowheads="1"/>
+          </p:cNvPicPr>
+          <p:nvPr/>
+        </p:nvPicPr>
+        <p:blipFill>
+          <a:blip r:embed="rId2" cstate="print"/>
+          <a:srcRect/>
+          <a:stretch>
+            <a:fillRect/>
+          </a:stretch>
+        </p:blipFill>
+        <p:spPr bwMode="auto">
+          <a:xfrm>
+            <a:off x="1559745" y="0"/>
+            <a:ext cx="6024511" cy="6858000"/>
+          </a:xfrm>
+          <a:prstGeom prst="rect">
+            <a:avLst/>
+          </a:prstGeom>
+          <a:noFill/>
+        </p:spPr>
+      </p:pic>
       <p:sp>
         <p:nvSpPr>
-          <p:cNvPr id="2" name="Title 1"/>
-          <p:cNvSpPr>
-            <a:spLocks noGrp="1"/>
-          </p:cNvSpPr>
-          <p:nvPr>
-            <p:ph type="title"/>
-          </p:nvPr>
+          <p:cNvPr id="11" name="TextBox 10"/>
+          <p:cNvSpPr txBox="1"/>
+          <p:nvPr/>
         </p:nvSpPr>
-        <p:spPr/>
+        <p:spPr>
+          <a:xfrm>
+            <a:off x="6012160" y="6488668"/>
+            <a:ext cx="3131840" cy="369332"/>
+          </a:xfrm>
+          <a:prstGeom prst="rect">
+            <a:avLst/>
+          </a:prstGeom>
+          <a:noFill/>
+        </p:spPr>
         <p:txBody>
-          <a:bodyPr/>
+          <a:bodyPr wrap="square" rtlCol="0">
+            <a:spAutoFit/>
+          </a:bodyPr>
           <a:lstStyle/>
           <a:p>
-            <a:r>
-              <a:rPr lang="sv-SE" dirty="0" smtClean="0"/>
-              <a:t>Strategier</a:t>
-            </a:r>
-            <a:endParaRPr lang="sv-SE" dirty="0"/>
+            <a:pPr algn="r"/>
+            <a:r>
+              <a:rPr lang="sv-SE" dirty="0" smtClean="0">
+                <a:solidFill>
+                  <a:srgbClr val="00FF00"/>
+                </a:solidFill>
+              </a:rPr>
+              <a:t>Instruktions- &amp; färgminne</a:t>
+            </a:r>
+            <a:endParaRPr lang="sv-SE" dirty="0">
+              <a:solidFill>
+                <a:srgbClr val="00FF00"/>
+              </a:solidFill>
+            </a:endParaRPr>
           </a:p>
         </p:txBody>
       </p:sp>
-      <p:sp>
-        <p:nvSpPr>
-          <p:cNvPr id="3" name="Content Placeholder 2"/>
-          <p:cNvSpPr>
-            <a:spLocks noGrp="1"/>
-          </p:cNvSpPr>
-          <p:nvPr>
-            <p:ph sz="half" idx="1"/>
-          </p:nvPr>
-        </p:nvSpPr>
-        <p:spPr/>
-        <p:txBody>
-          <a:bodyPr/>
-          <a:lstStyle/>
-          <a:p>
-            <a:r>
-              <a:rPr lang="sv-SE" dirty="0" err="1" smtClean="0"/>
-              <a:t>Imp</a:t>
-            </a:r>
-            <a:r>
-              <a:rPr lang="sv-SE" dirty="0" smtClean="0"/>
-              <a:t> vs. Gate (</a:t>
-            </a:r>
-            <a:r>
-              <a:rPr lang="sv-SE" dirty="0" err="1" smtClean="0"/>
-              <a:t>stealth</a:t>
-            </a:r>
-            <a:r>
-              <a:rPr lang="sv-SE" dirty="0" smtClean="0"/>
-              <a:t>)</a:t>
-            </a:r>
-          </a:p>
-          <a:p>
-            <a:r>
-              <a:rPr lang="sv-SE" dirty="0" err="1" smtClean="0"/>
-              <a:t>Imp</a:t>
-            </a:r>
-            <a:r>
-              <a:rPr lang="sv-SE" dirty="0" smtClean="0"/>
-              <a:t> spirals</a:t>
-            </a:r>
-          </a:p>
-          <a:p>
-            <a:r>
-              <a:rPr lang="sv-SE" dirty="0" smtClean="0"/>
-              <a:t>Bomber (rock)</a:t>
-            </a:r>
-          </a:p>
-          <a:p>
-            <a:r>
-              <a:rPr lang="sv-SE" dirty="0" smtClean="0"/>
-              <a:t>Scanner (</a:t>
-            </a:r>
-            <a:r>
-              <a:rPr lang="sv-SE" dirty="0" err="1" smtClean="0"/>
-              <a:t>scissor</a:t>
-            </a:r>
-            <a:r>
-              <a:rPr lang="sv-SE" dirty="0" smtClean="0"/>
-              <a:t>)</a:t>
-            </a:r>
-          </a:p>
-          <a:p>
-            <a:r>
-              <a:rPr lang="sv-SE" dirty="0" err="1" smtClean="0"/>
-              <a:t>Replicator</a:t>
-            </a:r>
-            <a:r>
-              <a:rPr lang="sv-SE" dirty="0" smtClean="0"/>
-              <a:t> (</a:t>
-            </a:r>
-            <a:r>
-              <a:rPr lang="sv-SE" dirty="0" err="1" smtClean="0"/>
-              <a:t>paper</a:t>
-            </a:r>
-            <a:r>
-              <a:rPr lang="sv-SE" dirty="0" smtClean="0"/>
-              <a:t>)</a:t>
-            </a:r>
-          </a:p>
-          <a:p>
-            <a:r>
-              <a:rPr lang="sv-SE" dirty="0" err="1" smtClean="0"/>
-              <a:t>Vampire</a:t>
-            </a:r>
-            <a:endParaRPr lang="sv-SE" dirty="0" smtClean="0"/>
-          </a:p>
-          <a:p>
-            <a:r>
-              <a:rPr lang="sv-SE" dirty="0" smtClean="0"/>
-              <a:t>Anti </a:t>
-            </a:r>
-            <a:r>
-              <a:rPr lang="sv-SE" smtClean="0"/>
-              <a:t>vampire</a:t>
-            </a:r>
-            <a:endParaRPr lang="sv-SE" dirty="0" smtClean="0"/>
-          </a:p>
-          <a:p>
-            <a:r>
-              <a:rPr lang="sv-SE" dirty="0" err="1" smtClean="0"/>
-              <a:t>Decoys</a:t>
-            </a:r>
-            <a:endParaRPr lang="sv-SE" dirty="0" smtClean="0"/>
-          </a:p>
-          <a:p>
-            <a:endParaRPr lang="sv-SE" dirty="0" smtClean="0"/>
-          </a:p>
-        </p:txBody>
-      </p:sp>
-      <p:graphicFrame>
-        <p:nvGraphicFramePr>
-          <p:cNvPr id="5" name="Content Placeholder 4"/>
-          <p:cNvGraphicFramePr>
-            <a:graphicFrameLocks noGrp="1"/>
-          </p:cNvGraphicFramePr>
-          <p:nvPr>
-            <p:ph sz="half" idx="2"/>
-          </p:nvPr>
-        </p:nvGraphicFramePr>
-        <p:xfrm>
-          <a:off x="4648200" y="1600200"/>
-          <a:ext cx="4038600" cy="4525963"/>
-        </p:xfrm>
-        <a:graphic>
-          <a:graphicData uri="http://schemas.openxmlformats.org/drawingml/2006/diagram">
-            <dgm:relIds xmlns:dgm="http://schemas.openxmlformats.org/drawingml/2006/diagram" xmlns:r="http://schemas.openxmlformats.org/officeDocument/2006/relationships" r:dm="rId2" r:lo="rId3" r:qs="rId4" r:cs="rId5"/>
-          </a:graphicData>
-        </a:graphic>
-      </p:graphicFrame>
     </p:spTree>
   </p:cSld>
   <p:clrMapOvr>
@@ -6773,14 +9233,6 @@
 <file path=ppt/slides/slide7.xml><?xml version="1.0" encoding="utf-8"?>
 <p:sld xmlns:a="http://schemas.openxmlformats.org/drawingml/2006/main" xmlns:r="http://schemas.openxmlformats.org/officeDocument/2006/relationships" xmlns:p="http://schemas.openxmlformats.org/presentationml/2006/main">
   <p:cSld>
-    <p:bg>
-      <p:bgPr>
-        <a:solidFill>
-          <a:schemeClr val="tx1"/>
-        </a:solidFill>
-        <a:effectLst/>
-      </p:bgPr>
-    </p:bg>
     <p:spTree>
       <p:nvGrpSpPr>
         <p:cNvPr id="1" name=""/>
@@ -6795,177 +9247,68 @@
           <a:chExt cx="0" cy="0"/>
         </a:xfrm>
       </p:grpSpPr>
+      <p:pic>
+        <p:nvPicPr>
+          <p:cNvPr id="2050" name="Picture 2" descr="C:\Users\J3X\Documents\Digital-konstruktion\Report &amp; presentation\player FIFO_g.png"/>
+          <p:cNvPicPr>
+            <a:picLocks noChangeAspect="1" noChangeArrowheads="1"/>
+          </p:cNvPicPr>
+          <p:nvPr/>
+        </p:nvPicPr>
+        <p:blipFill>
+          <a:blip r:embed="rId2" cstate="print"/>
+          <a:srcRect/>
+          <a:stretch>
+            <a:fillRect/>
+          </a:stretch>
+        </p:blipFill>
+        <p:spPr bwMode="auto">
+          <a:xfrm>
+            <a:off x="0" y="399035"/>
+            <a:ext cx="9144000" cy="6059930"/>
+          </a:xfrm>
+          <a:prstGeom prst="rect">
+            <a:avLst/>
+          </a:prstGeom>
+          <a:noFill/>
+        </p:spPr>
+      </p:pic>
       <p:sp>
         <p:nvSpPr>
-          <p:cNvPr id="4" name="Title 3"/>
-          <p:cNvSpPr>
-            <a:spLocks noGrp="1"/>
-          </p:cNvSpPr>
-          <p:nvPr>
-            <p:ph type="title"/>
-          </p:nvPr>
+          <p:cNvPr id="5" name="TextBox 4"/>
+          <p:cNvSpPr txBox="1"/>
+          <p:nvPr/>
         </p:nvSpPr>
-        <p:spPr/>
+        <p:spPr>
+          <a:xfrm>
+            <a:off x="6012160" y="6488668"/>
+            <a:ext cx="3131840" cy="369332"/>
+          </a:xfrm>
+          <a:prstGeom prst="rect">
+            <a:avLst/>
+          </a:prstGeom>
+          <a:noFill/>
+        </p:spPr>
         <p:txBody>
-          <a:bodyPr/>
+          <a:bodyPr wrap="square" rtlCol="0">
+            <a:spAutoFit/>
+          </a:bodyPr>
           <a:lstStyle/>
           <a:p>
-            <a:r>
-              <a:rPr lang="sv-SE" dirty="0" smtClean="0">
-                <a:solidFill>
-                  <a:srgbClr val="00FF00"/>
-                </a:solidFill>
-                <a:latin typeface="Courier New" pitchFamily="49" charset="0"/>
-                <a:cs typeface="Courier New" pitchFamily="49" charset="0"/>
-              </a:rPr>
-              <a:t>IMP vs. GATE</a:t>
+            <a:pPr algn="r"/>
+            <a:r>
+              <a:rPr lang="sv-SE" dirty="0" smtClean="0">
+                <a:solidFill>
+                  <a:srgbClr val="00FF00"/>
+                </a:solidFill>
+              </a:rPr>
+              <a:t>Spelar FIFO</a:t>
             </a:r>
             <a:endParaRPr lang="sv-SE" dirty="0">
               <a:solidFill>
                 <a:srgbClr val="00FF00"/>
               </a:solidFill>
-              <a:latin typeface="Courier New" pitchFamily="49" charset="0"/>
-              <a:cs typeface="Courier New" pitchFamily="49" charset="0"/>
             </a:endParaRPr>
-          </a:p>
-        </p:txBody>
-      </p:sp>
-      <p:sp>
-        <p:nvSpPr>
-          <p:cNvPr id="5" name="Content Placeholder 4"/>
-          <p:cNvSpPr>
-            <a:spLocks noGrp="1"/>
-          </p:cNvSpPr>
-          <p:nvPr>
-            <p:ph sz="half" idx="1"/>
-          </p:nvPr>
-        </p:nvSpPr>
-        <p:spPr/>
-        <p:txBody>
-          <a:bodyPr/>
-          <a:lstStyle/>
-          <a:p>
-            <a:pPr>
-              <a:buNone/>
-            </a:pPr>
-            <a:r>
-              <a:rPr lang="sv-SE" dirty="0" smtClean="0">
-                <a:solidFill>
-                  <a:srgbClr val="00FF00"/>
-                </a:solidFill>
-                <a:latin typeface="Courier New" pitchFamily="49" charset="0"/>
-                <a:cs typeface="Courier New" pitchFamily="49" charset="0"/>
-              </a:rPr>
-              <a:t>;</a:t>
-            </a:r>
-            <a:r>
-              <a:rPr lang="sv-SE" dirty="0" err="1" smtClean="0">
-                <a:solidFill>
-                  <a:srgbClr val="00FF00"/>
-                </a:solidFill>
-                <a:latin typeface="Courier New" pitchFamily="49" charset="0"/>
-                <a:cs typeface="Courier New" pitchFamily="49" charset="0"/>
-              </a:rPr>
-              <a:t>name</a:t>
-            </a:r>
-            <a:r>
-              <a:rPr lang="sv-SE" dirty="0" smtClean="0">
-                <a:solidFill>
-                  <a:srgbClr val="00FF00"/>
-                </a:solidFill>
-                <a:latin typeface="Courier New" pitchFamily="49" charset="0"/>
-                <a:cs typeface="Courier New" pitchFamily="49" charset="0"/>
-              </a:rPr>
-              <a:t> IMP</a:t>
-            </a:r>
-          </a:p>
-          <a:p>
-            <a:pPr>
-              <a:buNone/>
-            </a:pPr>
-            <a:r>
-              <a:rPr lang="sv-SE" dirty="0" smtClean="0">
-                <a:solidFill>
-                  <a:srgbClr val="00FF00"/>
-                </a:solidFill>
-                <a:latin typeface="Courier New" pitchFamily="49" charset="0"/>
-                <a:cs typeface="Courier New" pitchFamily="49" charset="0"/>
-              </a:rPr>
-              <a:t>MOV 0, 1</a:t>
-            </a:r>
-            <a:endParaRPr lang="sv-SE" dirty="0">
-              <a:solidFill>
-                <a:srgbClr val="00FF00"/>
-              </a:solidFill>
-              <a:latin typeface="Courier New" pitchFamily="49" charset="0"/>
-              <a:cs typeface="Courier New" pitchFamily="49" charset="0"/>
-            </a:endParaRPr>
-          </a:p>
-        </p:txBody>
-      </p:sp>
-      <p:sp>
-        <p:nvSpPr>
-          <p:cNvPr id="6" name="Content Placeholder 5"/>
-          <p:cNvSpPr>
-            <a:spLocks noGrp="1"/>
-          </p:cNvSpPr>
-          <p:nvPr>
-            <p:ph sz="half" idx="2"/>
-          </p:nvPr>
-        </p:nvSpPr>
-        <p:spPr/>
-        <p:txBody>
-          <a:bodyPr/>
-          <a:lstStyle/>
-          <a:p>
-            <a:pPr>
-              <a:buNone/>
-            </a:pPr>
-            <a:r>
-              <a:rPr lang="sv-SE" dirty="0" smtClean="0">
-                <a:solidFill>
-                  <a:srgbClr val="00FF00"/>
-                </a:solidFill>
-                <a:latin typeface="Courier New" pitchFamily="49" charset="0"/>
-                <a:cs typeface="Courier New" pitchFamily="49" charset="0"/>
-              </a:rPr>
-              <a:t>;</a:t>
-            </a:r>
-            <a:r>
-              <a:rPr lang="sv-SE" dirty="0" err="1" smtClean="0">
-                <a:solidFill>
-                  <a:srgbClr val="00FF00"/>
-                </a:solidFill>
-                <a:latin typeface="Courier New" pitchFamily="49" charset="0"/>
-                <a:cs typeface="Courier New" pitchFamily="49" charset="0"/>
-              </a:rPr>
-              <a:t>name</a:t>
-            </a:r>
-            <a:r>
-              <a:rPr lang="sv-SE" dirty="0" smtClean="0">
-                <a:solidFill>
-                  <a:srgbClr val="00FF00"/>
-                </a:solidFill>
-                <a:latin typeface="Courier New" pitchFamily="49" charset="0"/>
-                <a:cs typeface="Courier New" pitchFamily="49" charset="0"/>
-              </a:rPr>
-              <a:t> GATE</a:t>
-            </a:r>
-          </a:p>
-          <a:p>
-            <a:pPr>
-              <a:buNone/>
-            </a:pPr>
-            <a:r>
-              <a:rPr lang="sv-SE" dirty="0" smtClean="0">
-                <a:solidFill>
-                  <a:srgbClr val="00FF00"/>
-                </a:solidFill>
-                <a:latin typeface="Courier New" pitchFamily="49" charset="0"/>
-                <a:cs typeface="Courier New" pitchFamily="49" charset="0"/>
-              </a:rPr>
-              <a:t>GATE JMP GATE ,&lt;-2</a:t>
-            </a:r>
           </a:p>
         </p:txBody>
       </p:sp>
@@ -6994,14 +9337,104 @@
           <a:chExt cx="0" cy="0"/>
         </a:xfrm>
       </p:grpSpPr>
+      <p:pic>
+        <p:nvPicPr>
+          <p:cNvPr id="3074" name="Picture 2" descr="C:\Users\J3X\Documents\Digital-konstruktion\Report &amp; presentation\uart_g.png"/>
+          <p:cNvPicPr>
+            <a:picLocks noChangeAspect="1" noChangeArrowheads="1"/>
+          </p:cNvPicPr>
+          <p:nvPr/>
+        </p:nvPicPr>
+        <p:blipFill>
+          <a:blip r:embed="rId2" cstate="print"/>
+          <a:srcRect/>
+          <a:stretch>
+            <a:fillRect/>
+          </a:stretch>
+        </p:blipFill>
+        <p:spPr bwMode="auto">
+          <a:xfrm>
+            <a:off x="1" y="920027"/>
+            <a:ext cx="9143999" cy="5017947"/>
+          </a:xfrm>
+          <a:prstGeom prst="rect">
+            <a:avLst/>
+          </a:prstGeom>
+          <a:noFill/>
+        </p:spPr>
+      </p:pic>
       <p:sp>
         <p:nvSpPr>
-          <p:cNvPr id="2" name="Title 1"/>
+          <p:cNvPr id="5" name="TextBox 4"/>
+          <p:cNvSpPr txBox="1"/>
+          <p:nvPr/>
+        </p:nvSpPr>
+        <p:spPr>
+          <a:xfrm>
+            <a:off x="6012160" y="6488668"/>
+            <a:ext cx="3131840" cy="369332"/>
+          </a:xfrm>
+          <a:prstGeom prst="rect">
+            <a:avLst/>
+          </a:prstGeom>
+          <a:noFill/>
+        </p:spPr>
+        <p:txBody>
+          <a:bodyPr wrap="square" rtlCol="0">
+            <a:spAutoFit/>
+          </a:bodyPr>
+          <a:lstStyle/>
+          <a:p>
+            <a:pPr algn="r"/>
+            <a:r>
+              <a:rPr lang="sv-SE" dirty="0" smtClean="0">
+                <a:solidFill>
+                  <a:srgbClr val="00FF00"/>
+                </a:solidFill>
+              </a:rPr>
+              <a:t>FBART Kontroller</a:t>
+            </a:r>
+            <a:endParaRPr lang="sv-SE" dirty="0">
+              <a:solidFill>
+                <a:srgbClr val="00FF00"/>
+              </a:solidFill>
+            </a:endParaRPr>
+          </a:p>
+        </p:txBody>
+      </p:sp>
+    </p:spTree>
+  </p:cSld>
+  <p:clrMapOvr>
+    <a:masterClrMapping/>
+  </p:clrMapOvr>
+</p:sld>
+</file>
+
+<file path=ppt/slides/slide9.xml><?xml version="1.0" encoding="utf-8"?>
+<p:sld xmlns:a="http://schemas.openxmlformats.org/drawingml/2006/main" xmlns:r="http://schemas.openxmlformats.org/officeDocument/2006/relationships" xmlns:p="http://schemas.openxmlformats.org/presentationml/2006/main">
+  <p:cSld>
+    <p:spTree>
+      <p:nvGrpSpPr>
+        <p:cNvPr id="1" name=""/>
+        <p:cNvGrpSpPr/>
+        <p:nvPr/>
+      </p:nvGrpSpPr>
+      <p:grpSpPr>
+        <a:xfrm>
+          <a:off x="0" y="0"/>
+          <a:ext cx="0" cy="0"/>
+          <a:chOff x="0" y="0"/>
+          <a:chExt cx="0" cy="0"/>
+        </a:xfrm>
+      </p:grpSpPr>
+      <p:sp>
+        <p:nvSpPr>
+          <p:cNvPr id="4" name="Title 3"/>
           <p:cNvSpPr>
             <a:spLocks noGrp="1"/>
           </p:cNvSpPr>
           <p:nvPr>
-            <p:ph type="title"/>
+            <p:ph type="ctrTitle"/>
           </p:nvPr>
         </p:nvSpPr>
         <p:spPr/>
@@ -7010,283 +9443,17 @@
           <a:lstStyle/>
           <a:p>
             <a:r>
-              <a:rPr lang="sv-SE" dirty="0" smtClean="0"/>
-              <a:t>DWARF</a:t>
-            </a:r>
-            <a:endParaRPr lang="sv-SE" dirty="0"/>
-          </a:p>
-        </p:txBody>
-      </p:sp>
-      <p:sp>
-        <p:nvSpPr>
-          <p:cNvPr id="3" name="Content Placeholder 2"/>
-          <p:cNvSpPr>
-            <a:spLocks noGrp="1"/>
-          </p:cNvSpPr>
-          <p:nvPr>
-            <p:ph sz="half" idx="1"/>
-          </p:nvPr>
-        </p:nvSpPr>
-        <p:spPr/>
-        <p:txBody>
-          <a:bodyPr>
-            <a:normAutofit fontScale="85000" lnSpcReduction="10000"/>
-          </a:bodyPr>
-          <a:lstStyle/>
-          <a:p>
-            <a:pPr>
-              <a:buNone/>
-            </a:pPr>
-            <a:r>
-              <a:rPr lang="sv-SE" dirty="0" smtClean="0">
-                <a:latin typeface="Courier New" pitchFamily="49" charset="0"/>
-                <a:cs typeface="Courier New" pitchFamily="49" charset="0"/>
-              </a:rPr>
-              <a:t>;</a:t>
-            </a:r>
-            <a:r>
-              <a:rPr lang="sv-SE" dirty="0" err="1" smtClean="0">
-                <a:latin typeface="Courier New" pitchFamily="49" charset="0"/>
-                <a:cs typeface="Courier New" pitchFamily="49" charset="0"/>
-              </a:rPr>
-              <a:t>name</a:t>
-            </a:r>
-            <a:r>
-              <a:rPr lang="sv-SE" dirty="0" smtClean="0">
-                <a:latin typeface="Courier New" pitchFamily="49" charset="0"/>
-                <a:cs typeface="Courier New" pitchFamily="49" charset="0"/>
-              </a:rPr>
-              <a:t> DWARF</a:t>
-            </a:r>
-          </a:p>
-          <a:p>
-            <a:pPr>
-              <a:buNone/>
-            </a:pPr>
-            <a:r>
-              <a:rPr lang="sv-SE" dirty="0" smtClean="0">
-                <a:latin typeface="Courier New" pitchFamily="49" charset="0"/>
-                <a:cs typeface="Courier New" pitchFamily="49" charset="0"/>
-              </a:rPr>
-              <a:t>     DAT 0,    0</a:t>
-            </a:r>
-          </a:p>
-          <a:p>
-            <a:pPr>
-              <a:buNone/>
-            </a:pPr>
-            <a:r>
-              <a:rPr lang="sv-SE" dirty="0" smtClean="0">
-                <a:latin typeface="Courier New" pitchFamily="49" charset="0"/>
-                <a:cs typeface="Courier New" pitchFamily="49" charset="0"/>
-              </a:rPr>
-              <a:t>STRT ADD #3,   3</a:t>
-            </a:r>
-          </a:p>
-          <a:p>
-            <a:pPr>
-              <a:buNone/>
-            </a:pPr>
-            <a:r>
-              <a:rPr lang="sv-SE" dirty="0" smtClean="0">
-                <a:latin typeface="Courier New" pitchFamily="49" charset="0"/>
-                <a:cs typeface="Courier New" pitchFamily="49" charset="0"/>
-              </a:rPr>
-              <a:t>     MOV 2,    @2</a:t>
-            </a:r>
-          </a:p>
-          <a:p>
-            <a:pPr>
-              <a:buNone/>
-            </a:pPr>
-            <a:r>
-              <a:rPr lang="sv-SE" dirty="0" smtClean="0">
-                <a:latin typeface="Courier New" pitchFamily="49" charset="0"/>
-                <a:cs typeface="Courier New" pitchFamily="49" charset="0"/>
-              </a:rPr>
-              <a:t>     JMP STRT, 0</a:t>
-            </a:r>
-          </a:p>
-          <a:p>
-            <a:pPr>
-              <a:buNone/>
-            </a:pPr>
-            <a:r>
-              <a:rPr lang="sv-SE" dirty="0" smtClean="0">
-                <a:latin typeface="Courier New" pitchFamily="49" charset="0"/>
-                <a:cs typeface="Courier New" pitchFamily="49" charset="0"/>
-              </a:rPr>
-              <a:t>     DAT #0,   #0</a:t>
-            </a:r>
-          </a:p>
-          <a:p>
-            <a:pPr>
-              <a:buNone/>
-            </a:pPr>
+              <a:rPr lang="sv-SE" dirty="0" smtClean="0">
+                <a:solidFill>
+                  <a:srgbClr val="00FF00"/>
+                </a:solidFill>
+              </a:rPr>
+              <a:t>Mjukvara</a:t>
+            </a:r>
             <a:endParaRPr lang="sv-SE" dirty="0">
-              <a:latin typeface="Courier New" pitchFamily="49" charset="0"/>
-              <a:cs typeface="Courier New" pitchFamily="49" charset="0"/>
-            </a:endParaRPr>
-          </a:p>
-        </p:txBody>
-      </p:sp>
-      <p:sp>
-        <p:nvSpPr>
-          <p:cNvPr id="4" name="Content Placeholder 3"/>
-          <p:cNvSpPr>
-            <a:spLocks noGrp="1"/>
-          </p:cNvSpPr>
-          <p:nvPr>
-            <p:ph sz="half" idx="2"/>
-          </p:nvPr>
-        </p:nvSpPr>
-        <p:spPr/>
-        <p:txBody>
-          <a:bodyPr>
-            <a:normAutofit fontScale="85000" lnSpcReduction="10000"/>
-          </a:bodyPr>
-          <a:lstStyle/>
-          <a:p>
-            <a:pPr>
-              <a:buNone/>
-            </a:pPr>
-            <a:r>
-              <a:rPr lang="sv-SE" dirty="0" smtClean="0">
-                <a:latin typeface="Courier New" pitchFamily="49" charset="0"/>
-                <a:cs typeface="Courier New" pitchFamily="49" charset="0"/>
-              </a:rPr>
-              <a:t>;</a:t>
-            </a:r>
-            <a:r>
-              <a:rPr lang="sv-SE" dirty="0" err="1" smtClean="0">
-                <a:latin typeface="Courier New" pitchFamily="49" charset="0"/>
-                <a:cs typeface="Courier New" pitchFamily="49" charset="0"/>
-              </a:rPr>
-              <a:t>name</a:t>
-            </a:r>
-            <a:r>
-              <a:rPr lang="sv-SE" dirty="0" smtClean="0">
-                <a:latin typeface="Courier New" pitchFamily="49" charset="0"/>
-                <a:cs typeface="Courier New" pitchFamily="49" charset="0"/>
-              </a:rPr>
-              <a:t> FACTORY_BOMBER</a:t>
-            </a:r>
-          </a:p>
-          <a:p>
-            <a:pPr>
-              <a:buNone/>
-            </a:pPr>
-            <a:r>
-              <a:rPr lang="sv-SE" dirty="0" smtClean="0">
-                <a:latin typeface="Courier New" pitchFamily="49" charset="0"/>
-                <a:cs typeface="Courier New" pitchFamily="49" charset="0"/>
-              </a:rPr>
-              <a:t>START ADD STEP,  PTR</a:t>
-            </a:r>
-          </a:p>
-          <a:p>
-            <a:pPr>
-              <a:buNone/>
-            </a:pPr>
-            <a:r>
-              <a:rPr lang="sv-SE" dirty="0" smtClean="0">
-                <a:latin typeface="Courier New" pitchFamily="49" charset="0"/>
-                <a:cs typeface="Courier New" pitchFamily="49" charset="0"/>
-              </a:rPr>
-              <a:t>      MOV LOOPE, &lt;PTR</a:t>
-            </a:r>
-          </a:p>
-          <a:p>
-            <a:pPr>
-              <a:buNone/>
-            </a:pPr>
-            <a:r>
-              <a:rPr lang="sv-SE" dirty="0" smtClean="0">
-                <a:latin typeface="Courier New" pitchFamily="49" charset="0"/>
-                <a:cs typeface="Courier New" pitchFamily="49" charset="0"/>
-              </a:rPr>
-              <a:t>      MOV LOOP,  &lt;PTR</a:t>
-            </a:r>
-          </a:p>
-          <a:p>
-            <a:pPr>
-              <a:buNone/>
-            </a:pPr>
-            <a:r>
-              <a:rPr lang="sv-SE" dirty="0" smtClean="0">
-                <a:latin typeface="Courier New" pitchFamily="49" charset="0"/>
-                <a:cs typeface="Courier New" pitchFamily="49" charset="0"/>
-              </a:rPr>
-              <a:t>      SPL @PTR,  0</a:t>
-            </a:r>
-          </a:p>
-          <a:p>
-            <a:pPr>
-              <a:buNone/>
-            </a:pPr>
-            <a:r>
-              <a:rPr lang="sv-SE" dirty="0" smtClean="0">
-                <a:latin typeface="Courier New" pitchFamily="49" charset="0"/>
-                <a:cs typeface="Courier New" pitchFamily="49" charset="0"/>
-              </a:rPr>
-              <a:t>      JMP START, 0</a:t>
-            </a:r>
-          </a:p>
-          <a:p>
-            <a:pPr>
-              <a:buNone/>
-            </a:pPr>
-            <a:r>
-              <a:rPr lang="sv-SE" dirty="0" smtClean="0">
-                <a:latin typeface="Courier New" pitchFamily="49" charset="0"/>
-                <a:cs typeface="Courier New" pitchFamily="49" charset="0"/>
-              </a:rPr>
-              <a:t>BOMB1  MOV -1,    &lt;-1</a:t>
-            </a:r>
-          </a:p>
-          <a:p>
-            <a:pPr>
-              <a:buNone/>
-            </a:pPr>
-            <a:r>
-              <a:rPr lang="sv-SE" dirty="0" smtClean="0">
-                <a:latin typeface="Courier New" pitchFamily="49" charset="0"/>
-                <a:cs typeface="Courier New" pitchFamily="49" charset="0"/>
-              </a:rPr>
-              <a:t>LOOPE DJN LOOP,  -2</a:t>
-            </a:r>
-          </a:p>
-          <a:p>
-            <a:pPr>
-              <a:buNone/>
-            </a:pPr>
-            <a:r>
-              <a:rPr lang="sv-SE" dirty="0" smtClean="0">
-                <a:latin typeface="Courier New" pitchFamily="49" charset="0"/>
-                <a:cs typeface="Courier New" pitchFamily="49" charset="0"/>
-              </a:rPr>
-              <a:t>STEP  DAT 250,   250</a:t>
-            </a:r>
-          </a:p>
-          <a:p>
-            <a:pPr>
-              <a:buNone/>
-            </a:pPr>
-            <a:r>
-              <a:rPr lang="sv-SE" dirty="0" smtClean="0">
-                <a:latin typeface="Courier New" pitchFamily="49" charset="0"/>
-                <a:cs typeface="Courier New" pitchFamily="49" charset="0"/>
-              </a:rPr>
-              <a:t>PTR   DAT 151,   151</a:t>
-            </a:r>
-          </a:p>
-          <a:p>
-            <a:pPr>
-              <a:buNone/>
-            </a:pPr>
-            <a:endParaRPr lang="sv-SE" dirty="0">
-              <a:latin typeface="Courier New" pitchFamily="49" charset="0"/>
-              <a:cs typeface="Courier New" pitchFamily="49" charset="0"/>
+              <a:solidFill>
+                <a:srgbClr val="00FF00"/>
+              </a:solidFill>
             </a:endParaRPr>
           </a:p>
         </p:txBody>

--- a/Report & presentation/redcode.pptx
+++ b/Report & presentation/redcode.pptx
@@ -9,19 +9,21 @@
     <p:sldId id="258" r:id="rId3"/>
     <p:sldId id="259" r:id="rId4"/>
     <p:sldId id="267" r:id="rId5"/>
-    <p:sldId id="264" r:id="rId6"/>
-    <p:sldId id="263" r:id="rId7"/>
-    <p:sldId id="265" r:id="rId8"/>
-    <p:sldId id="266" r:id="rId9"/>
-    <p:sldId id="268" r:id="rId10"/>
-    <p:sldId id="256" r:id="rId11"/>
-    <p:sldId id="269" r:id="rId12"/>
-    <p:sldId id="270" r:id="rId13"/>
-    <p:sldId id="271" r:id="rId14"/>
-    <p:sldId id="272" r:id="rId15"/>
-    <p:sldId id="273" r:id="rId16"/>
-    <p:sldId id="276" r:id="rId17"/>
-    <p:sldId id="260" r:id="rId18"/>
+    <p:sldId id="277" r:id="rId6"/>
+    <p:sldId id="278" r:id="rId7"/>
+    <p:sldId id="264" r:id="rId8"/>
+    <p:sldId id="263" r:id="rId9"/>
+    <p:sldId id="265" r:id="rId10"/>
+    <p:sldId id="266" r:id="rId11"/>
+    <p:sldId id="268" r:id="rId12"/>
+    <p:sldId id="256" r:id="rId13"/>
+    <p:sldId id="269" r:id="rId14"/>
+    <p:sldId id="270" r:id="rId15"/>
+    <p:sldId id="271" r:id="rId16"/>
+    <p:sldId id="272" r:id="rId17"/>
+    <p:sldId id="273" r:id="rId18"/>
+    <p:sldId id="276" r:id="rId19"/>
+    <p:sldId id="260" r:id="rId20"/>
   </p:sldIdLst>
   <p:sldSz cx="9144000" cy="6858000" type="screen4x3"/>
   <p:notesSz cx="6858000" cy="9144000"/>
@@ -2964,7 +2966,7 @@
             <a:fld id="{4A1C7490-C7A0-40FD-866A-2F199AA75342}" type="datetimeFigureOut">
               <a:rPr lang="sv-SE" smtClean="0"/>
               <a:pPr/>
-              <a:t>2012-05-13</a:t>
+              <a:t>2012-05-14</a:t>
             </a:fld>
             <a:endParaRPr lang="sv-SE"/>
           </a:p>
@@ -3131,7 +3133,7 @@
             <a:fld id="{4A1C7490-C7A0-40FD-866A-2F199AA75342}" type="datetimeFigureOut">
               <a:rPr lang="sv-SE" smtClean="0"/>
               <a:pPr/>
-              <a:t>2012-05-13</a:t>
+              <a:t>2012-05-14</a:t>
             </a:fld>
             <a:endParaRPr lang="sv-SE"/>
           </a:p>
@@ -3308,7 +3310,7 @@
             <a:fld id="{4A1C7490-C7A0-40FD-866A-2F199AA75342}" type="datetimeFigureOut">
               <a:rPr lang="sv-SE" smtClean="0"/>
               <a:pPr/>
-              <a:t>2012-05-13</a:t>
+              <a:t>2012-05-14</a:t>
             </a:fld>
             <a:endParaRPr lang="sv-SE"/>
           </a:p>
@@ -3475,7 +3477,7 @@
             <a:fld id="{4A1C7490-C7A0-40FD-866A-2F199AA75342}" type="datetimeFigureOut">
               <a:rPr lang="sv-SE" smtClean="0"/>
               <a:pPr/>
-              <a:t>2012-05-13</a:t>
+              <a:t>2012-05-14</a:t>
             </a:fld>
             <a:endParaRPr lang="sv-SE"/>
           </a:p>
@@ -3718,7 +3720,7 @@
             <a:fld id="{4A1C7490-C7A0-40FD-866A-2F199AA75342}" type="datetimeFigureOut">
               <a:rPr lang="sv-SE" smtClean="0"/>
               <a:pPr/>
-              <a:t>2012-05-13</a:t>
+              <a:t>2012-05-14</a:t>
             </a:fld>
             <a:endParaRPr lang="sv-SE"/>
           </a:p>
@@ -4003,7 +4005,7 @@
             <a:fld id="{4A1C7490-C7A0-40FD-866A-2F199AA75342}" type="datetimeFigureOut">
               <a:rPr lang="sv-SE" smtClean="0"/>
               <a:pPr/>
-              <a:t>2012-05-13</a:t>
+              <a:t>2012-05-14</a:t>
             </a:fld>
             <a:endParaRPr lang="sv-SE"/>
           </a:p>
@@ -4422,7 +4424,7 @@
             <a:fld id="{4A1C7490-C7A0-40FD-866A-2F199AA75342}" type="datetimeFigureOut">
               <a:rPr lang="sv-SE" smtClean="0"/>
               <a:pPr/>
-              <a:t>2012-05-13</a:t>
+              <a:t>2012-05-14</a:t>
             </a:fld>
             <a:endParaRPr lang="sv-SE"/>
           </a:p>
@@ -4537,7 +4539,7 @@
             <a:fld id="{4A1C7490-C7A0-40FD-866A-2F199AA75342}" type="datetimeFigureOut">
               <a:rPr lang="sv-SE" smtClean="0"/>
               <a:pPr/>
-              <a:t>2012-05-13</a:t>
+              <a:t>2012-05-14</a:t>
             </a:fld>
             <a:endParaRPr lang="sv-SE"/>
           </a:p>
@@ -4629,7 +4631,7 @@
             <a:fld id="{4A1C7490-C7A0-40FD-866A-2F199AA75342}" type="datetimeFigureOut">
               <a:rPr lang="sv-SE" smtClean="0"/>
               <a:pPr/>
-              <a:t>2012-05-13</a:t>
+              <a:t>2012-05-14</a:t>
             </a:fld>
             <a:endParaRPr lang="sv-SE"/>
           </a:p>
@@ -4903,7 +4905,7 @@
             <a:fld id="{4A1C7490-C7A0-40FD-866A-2F199AA75342}" type="datetimeFigureOut">
               <a:rPr lang="sv-SE" smtClean="0"/>
               <a:pPr/>
-              <a:t>2012-05-13</a:t>
+              <a:t>2012-05-14</a:t>
             </a:fld>
             <a:endParaRPr lang="sv-SE"/>
           </a:p>
@@ -5153,7 +5155,7 @@
             <a:fld id="{4A1C7490-C7A0-40FD-866A-2F199AA75342}" type="datetimeFigureOut">
               <a:rPr lang="sv-SE" smtClean="0"/>
               <a:pPr/>
-              <a:t>2012-05-13</a:t>
+              <a:t>2012-05-14</a:t>
             </a:fld>
             <a:endParaRPr lang="sv-SE"/>
           </a:p>
@@ -5366,7 +5368,7 @@
             <a:fld id="{4A1C7490-C7A0-40FD-866A-2F199AA75342}" type="datetimeFigureOut">
               <a:rPr lang="sv-SE" smtClean="0"/>
               <a:pPr/>
-              <a:t>2012-05-13</a:t>
+              <a:t>2012-05-14</a:t>
             </a:fld>
             <a:endParaRPr lang="sv-SE"/>
           </a:p>
@@ -5884,17 +5886,7 @@
                 <a:latin typeface="Courier New" pitchFamily="49" charset="0"/>
                 <a:cs typeface="Courier New" pitchFamily="49" charset="0"/>
               </a:rPr>
-              <a:t>15/5 </a:t>
-            </a:r>
-            <a:r>
-              <a:rPr lang="sv-SE" dirty="0" smtClean="0">
-                <a:solidFill>
-                  <a:srgbClr val="00FF00"/>
-                </a:solidFill>
-                <a:latin typeface="Courier New" pitchFamily="49" charset="0"/>
-                <a:cs typeface="Courier New" pitchFamily="49" charset="0"/>
-              </a:rPr>
-              <a:t>2012</a:t>
+              <a:t>15/5 2012</a:t>
             </a:r>
           </a:p>
         </p:txBody>
@@ -5924,175 +5916,62 @@
           <a:chExt cx="0" cy="0"/>
         </a:xfrm>
       </p:grpSpPr>
-      <p:sp>
-        <p:nvSpPr>
-          <p:cNvPr id="5" name="Content Placeholder 4"/>
-          <p:cNvSpPr>
-            <a:spLocks noGrp="1"/>
-          </p:cNvSpPr>
-          <p:nvPr>
-            <p:ph sz="half" idx="1"/>
-          </p:nvPr>
-        </p:nvSpPr>
-        <p:spPr/>
-        <p:txBody>
-          <a:bodyPr/>
+      <p:pic>
+        <p:nvPicPr>
+          <p:cNvPr id="3074" name="Picture 2" descr="C:\Users\J3X\Documents\Digital-konstruktion\Report &amp; presentation\uart_g.png"/>
+          <p:cNvPicPr>
+            <a:picLocks noChangeAspect="1" noChangeArrowheads="1"/>
+          </p:cNvPicPr>
+          <p:nvPr/>
+        </p:nvPicPr>
+        <p:blipFill>
+          <a:blip r:embed="rId2" cstate="print"/>
+          <a:srcRect/>
+          <a:stretch>
+            <a:fillRect/>
+          </a:stretch>
+        </p:blipFill>
+        <p:spPr bwMode="auto">
+          <a:xfrm>
+            <a:off x="1" y="920027"/>
+            <a:ext cx="9143999" cy="5017947"/>
+          </a:xfrm>
+          <a:prstGeom prst="rect">
+            <a:avLst/>
+          </a:prstGeom>
+          <a:noFill/>
+        </p:spPr>
+      </p:pic>
+      <p:sp>
+        <p:nvSpPr>
+          <p:cNvPr id="5" name="TextBox 4"/>
+          <p:cNvSpPr txBox="1"/>
+          <p:nvPr/>
+        </p:nvSpPr>
+        <p:spPr>
+          <a:xfrm>
+            <a:off x="6012160" y="6488668"/>
+            <a:ext cx="3131840" cy="369332"/>
+          </a:xfrm>
+          <a:prstGeom prst="rect">
+            <a:avLst/>
+          </a:prstGeom>
+          <a:noFill/>
+        </p:spPr>
+        <p:txBody>
+          <a:bodyPr wrap="square" rtlCol="0">
+            <a:spAutoFit/>
+          </a:bodyPr>
           <a:lstStyle/>
           <a:p>
-            <a:pPr>
-              <a:buNone/>
-            </a:pPr>
+            <a:pPr algn="r"/>
             <a:r>
               <a:rPr lang="sv-SE" dirty="0" smtClean="0">
                 <a:solidFill>
                   <a:srgbClr val="00FF00"/>
                 </a:solidFill>
-                <a:latin typeface="Courier New" pitchFamily="49" charset="0"/>
-                <a:cs typeface="Courier New" pitchFamily="49" charset="0"/>
-              </a:rPr>
-              <a:t>;</a:t>
-            </a:r>
-            <a:r>
-              <a:rPr lang="sv-SE" dirty="0" err="1" smtClean="0">
-                <a:solidFill>
-                  <a:srgbClr val="00FF00"/>
-                </a:solidFill>
-                <a:latin typeface="Courier New" pitchFamily="49" charset="0"/>
-                <a:cs typeface="Courier New" pitchFamily="49" charset="0"/>
-              </a:rPr>
-              <a:t>name</a:t>
-            </a:r>
-            <a:r>
-              <a:rPr lang="sv-SE" dirty="0" smtClean="0">
-                <a:solidFill>
-                  <a:srgbClr val="00FF00"/>
-                </a:solidFill>
-                <a:latin typeface="Courier New" pitchFamily="49" charset="0"/>
-                <a:cs typeface="Courier New" pitchFamily="49" charset="0"/>
-              </a:rPr>
-              <a:t> IMP</a:t>
-            </a:r>
-          </a:p>
-          <a:p>
-            <a:pPr>
-              <a:buNone/>
-            </a:pPr>
-            <a:r>
-              <a:rPr lang="sv-SE" dirty="0" smtClean="0">
-                <a:solidFill>
-                  <a:srgbClr val="00FF00"/>
-                </a:solidFill>
-                <a:latin typeface="Courier New" pitchFamily="49" charset="0"/>
-                <a:cs typeface="Courier New" pitchFamily="49" charset="0"/>
-              </a:rPr>
-              <a:t>MOV 0, 1</a:t>
-            </a:r>
-            <a:endParaRPr lang="sv-SE" dirty="0">
-              <a:solidFill>
-                <a:srgbClr val="00FF00"/>
-              </a:solidFill>
-              <a:latin typeface="Courier New" pitchFamily="49" charset="0"/>
-              <a:cs typeface="Courier New" pitchFamily="49" charset="0"/>
-            </a:endParaRPr>
-          </a:p>
-        </p:txBody>
-      </p:sp>
-      <p:sp>
-        <p:nvSpPr>
-          <p:cNvPr id="6" name="Content Placeholder 5"/>
-          <p:cNvSpPr>
-            <a:spLocks noGrp="1"/>
-          </p:cNvSpPr>
-          <p:nvPr>
-            <p:ph sz="half" idx="2"/>
-          </p:nvPr>
-        </p:nvSpPr>
-        <p:spPr/>
-        <p:txBody>
-          <a:bodyPr/>
-          <a:lstStyle/>
-          <a:p>
-            <a:pPr>
-              <a:buNone/>
-            </a:pPr>
-            <a:r>
-              <a:rPr lang="sv-SE" dirty="0" smtClean="0">
-                <a:solidFill>
-                  <a:srgbClr val="00FF00"/>
-                </a:solidFill>
-                <a:latin typeface="Courier New" pitchFamily="49" charset="0"/>
-                <a:cs typeface="Courier New" pitchFamily="49" charset="0"/>
-              </a:rPr>
-              <a:t>;</a:t>
-            </a:r>
-            <a:r>
-              <a:rPr lang="sv-SE" dirty="0" err="1" smtClean="0">
-                <a:solidFill>
-                  <a:srgbClr val="00FF00"/>
-                </a:solidFill>
-                <a:latin typeface="Courier New" pitchFamily="49" charset="0"/>
-                <a:cs typeface="Courier New" pitchFamily="49" charset="0"/>
-              </a:rPr>
-              <a:t>name</a:t>
-            </a:r>
-            <a:r>
-              <a:rPr lang="sv-SE" dirty="0" smtClean="0">
-                <a:solidFill>
-                  <a:srgbClr val="00FF00"/>
-                </a:solidFill>
-                <a:latin typeface="Courier New" pitchFamily="49" charset="0"/>
-                <a:cs typeface="Courier New" pitchFamily="49" charset="0"/>
-              </a:rPr>
-              <a:t> GATE</a:t>
-            </a:r>
-          </a:p>
-          <a:p>
-            <a:pPr>
-              <a:buNone/>
-            </a:pPr>
-            <a:r>
-              <a:rPr lang="sv-SE" dirty="0" smtClean="0">
-                <a:solidFill>
-                  <a:srgbClr val="00FF00"/>
-                </a:solidFill>
-                <a:latin typeface="Courier New" pitchFamily="49" charset="0"/>
-                <a:cs typeface="Courier New" pitchFamily="49" charset="0"/>
-              </a:rPr>
-              <a:t>GATE JMP GATE ,&lt;-2</a:t>
-            </a:r>
-          </a:p>
-        </p:txBody>
-      </p:sp>
-      <p:sp>
-        <p:nvSpPr>
-          <p:cNvPr id="7" name="Title 6"/>
-          <p:cNvSpPr>
-            <a:spLocks noGrp="1"/>
-          </p:cNvSpPr>
-          <p:nvPr>
-            <p:ph type="title"/>
-          </p:nvPr>
-        </p:nvSpPr>
-        <p:spPr/>
-        <p:txBody>
-          <a:bodyPr/>
-          <a:lstStyle/>
-          <a:p>
-            <a:r>
-              <a:rPr lang="sv-SE" dirty="0" err="1" smtClean="0">
-                <a:solidFill>
-                  <a:srgbClr val="00FF00"/>
-                </a:solidFill>
-              </a:rPr>
-              <a:t>Imp</a:t>
-            </a:r>
-            <a:r>
-              <a:rPr lang="sv-SE" dirty="0" smtClean="0">
-                <a:solidFill>
-                  <a:srgbClr val="00FF00"/>
-                </a:solidFill>
-              </a:rPr>
-              <a:t> vs. Gate</a:t>
+              </a:rPr>
+              <a:t>FBART Kontroller</a:t>
             </a:r>
             <a:endParaRPr lang="sv-SE" dirty="0">
               <a:solidFill>
@@ -6129,12 +6008,12 @@
       </p:grpSpPr>
       <p:sp>
         <p:nvSpPr>
-          <p:cNvPr id="2" name="Title 1"/>
+          <p:cNvPr id="4" name="Title 3"/>
           <p:cNvSpPr>
             <a:spLocks noGrp="1"/>
           </p:cNvSpPr>
           <p:nvPr>
-            <p:ph type="title"/>
+            <p:ph type="ctrTitle"/>
           </p:nvPr>
         </p:nvSpPr>
         <p:spPr/>
@@ -6143,218 +6022,18 @@
           <a:lstStyle/>
           <a:p>
             <a:r>
-              <a:rPr lang="sv-SE" dirty="0" err="1" smtClean="0">
-                <a:solidFill>
-                  <a:srgbClr val="00FF00"/>
-                </a:solidFill>
-              </a:rPr>
-              <a:t>Imp</a:t>
-            </a:r>
-            <a:r>
               <a:rPr lang="sv-SE" dirty="0" smtClean="0">
                 <a:solidFill>
                   <a:srgbClr val="00FF00"/>
                 </a:solidFill>
               </a:rPr>
-              <a:t> vs. Gate</a:t>
+              <a:t>Mjukvara</a:t>
             </a:r>
             <a:endParaRPr lang="sv-SE" dirty="0">
               <a:solidFill>
                 <a:srgbClr val="00FF00"/>
               </a:solidFill>
             </a:endParaRPr>
-          </a:p>
-        </p:txBody>
-      </p:sp>
-      <p:sp>
-        <p:nvSpPr>
-          <p:cNvPr id="3" name="Content Placeholder 2"/>
-          <p:cNvSpPr>
-            <a:spLocks noGrp="1"/>
-          </p:cNvSpPr>
-          <p:nvPr>
-            <p:ph sz="half" idx="1"/>
-          </p:nvPr>
-        </p:nvSpPr>
-        <p:spPr>
-          <a:xfrm>
-            <a:off x="2552700" y="1600200"/>
-            <a:ext cx="4038600" cy="4525963"/>
-          </a:xfrm>
-        </p:spPr>
-        <p:txBody>
-          <a:bodyPr>
-            <a:normAutofit/>
-          </a:bodyPr>
-          <a:lstStyle/>
-          <a:p>
-            <a:pPr>
-              <a:buNone/>
-            </a:pPr>
-            <a:r>
-              <a:rPr lang="sv-SE" dirty="0" smtClean="0">
-                <a:solidFill>
-                  <a:srgbClr val="FF0000"/>
-                </a:solidFill>
-                <a:latin typeface="Courier New" pitchFamily="49" charset="0"/>
-                <a:cs typeface="Courier New" pitchFamily="49" charset="0"/>
-              </a:rPr>
-              <a:t>MOV 0, </a:t>
-            </a:r>
-            <a:r>
-              <a:rPr lang="sv-SE" dirty="0" smtClean="0">
-                <a:solidFill>
-                  <a:srgbClr val="FF0000"/>
-                </a:solidFill>
-                <a:latin typeface="Courier New" pitchFamily="49" charset="0"/>
-                <a:cs typeface="Courier New" pitchFamily="49" charset="0"/>
-              </a:rPr>
-              <a:t> 1</a:t>
-            </a:r>
-          </a:p>
-          <a:p>
-            <a:pPr>
-              <a:buNone/>
-            </a:pPr>
-            <a:r>
-              <a:rPr lang="sv-SE" dirty="0" smtClean="0">
-                <a:solidFill>
-                  <a:srgbClr val="00FF00"/>
-                </a:solidFill>
-                <a:latin typeface="Courier New" pitchFamily="49" charset="0"/>
-                <a:cs typeface="Courier New" pitchFamily="49" charset="0"/>
-              </a:rPr>
-              <a:t>DAT 0,  0</a:t>
-            </a:r>
-          </a:p>
-          <a:p>
-            <a:pPr>
-              <a:buNone/>
-            </a:pPr>
-            <a:r>
-              <a:rPr lang="sv-SE" dirty="0" smtClean="0">
-                <a:solidFill>
-                  <a:srgbClr val="00FF00"/>
-                </a:solidFill>
-                <a:latin typeface="Courier New" pitchFamily="49" charset="0"/>
-                <a:cs typeface="Courier New" pitchFamily="49" charset="0"/>
-              </a:rPr>
-              <a:t>DAT </a:t>
-            </a:r>
-            <a:r>
-              <a:rPr lang="sv-SE" dirty="0" smtClean="0">
-                <a:solidFill>
-                  <a:srgbClr val="00FF00"/>
-                </a:solidFill>
-                <a:latin typeface="Courier New" pitchFamily="49" charset="0"/>
-                <a:cs typeface="Courier New" pitchFamily="49" charset="0"/>
-              </a:rPr>
-              <a:t>0, </a:t>
-            </a:r>
-            <a:r>
-              <a:rPr lang="sv-SE" dirty="0" smtClean="0">
-                <a:solidFill>
-                  <a:srgbClr val="00FF00"/>
-                </a:solidFill>
-                <a:latin typeface="Courier New" pitchFamily="49" charset="0"/>
-                <a:cs typeface="Courier New" pitchFamily="49" charset="0"/>
-              </a:rPr>
-              <a:t> 0</a:t>
-            </a:r>
-          </a:p>
-          <a:p>
-            <a:pPr>
-              <a:buNone/>
-            </a:pPr>
-            <a:r>
-              <a:rPr lang="sv-SE" dirty="0" smtClean="0">
-                <a:solidFill>
-                  <a:srgbClr val="00FF00"/>
-                </a:solidFill>
-                <a:latin typeface="Courier New" pitchFamily="49" charset="0"/>
-                <a:cs typeface="Courier New" pitchFamily="49" charset="0"/>
-              </a:rPr>
-              <a:t>DAT 0, </a:t>
-            </a:r>
-            <a:r>
-              <a:rPr lang="sv-SE" dirty="0" smtClean="0">
-                <a:solidFill>
-                  <a:srgbClr val="00FF00"/>
-                </a:solidFill>
-                <a:latin typeface="Courier New" pitchFamily="49" charset="0"/>
-                <a:cs typeface="Courier New" pitchFamily="49" charset="0"/>
-              </a:rPr>
-              <a:t> 0</a:t>
-            </a:r>
-          </a:p>
-          <a:p>
-            <a:pPr>
-              <a:buNone/>
-            </a:pPr>
-            <a:r>
-              <a:rPr lang="sv-SE" dirty="0" smtClean="0">
-                <a:solidFill>
-                  <a:srgbClr val="00FF00"/>
-                </a:solidFill>
-                <a:latin typeface="Courier New" pitchFamily="49" charset="0"/>
-                <a:cs typeface="Courier New" pitchFamily="49" charset="0"/>
-              </a:rPr>
-              <a:t>DAT 0, </a:t>
-            </a:r>
-            <a:r>
-              <a:rPr lang="sv-SE" dirty="0" smtClean="0">
-                <a:solidFill>
-                  <a:srgbClr val="00FF00"/>
-                </a:solidFill>
-                <a:latin typeface="Courier New" pitchFamily="49" charset="0"/>
-                <a:cs typeface="Courier New" pitchFamily="49" charset="0"/>
-              </a:rPr>
-              <a:t> 0</a:t>
-            </a:r>
-            <a:endParaRPr lang="sv-SE" dirty="0" smtClean="0">
-              <a:solidFill>
-                <a:srgbClr val="00FF00"/>
-              </a:solidFill>
-              <a:latin typeface="Courier New" pitchFamily="49" charset="0"/>
-              <a:cs typeface="Courier New" pitchFamily="49" charset="0"/>
-            </a:endParaRPr>
-          </a:p>
-          <a:p>
-            <a:pPr>
-              <a:buNone/>
-            </a:pPr>
-            <a:r>
-              <a:rPr lang="sv-SE" dirty="0" smtClean="0">
-                <a:solidFill>
-                  <a:srgbClr val="00B0F0"/>
-                </a:solidFill>
-                <a:latin typeface="Courier New" pitchFamily="49" charset="0"/>
-                <a:cs typeface="Courier New" pitchFamily="49" charset="0"/>
-              </a:rPr>
-              <a:t>JMP 0,  &lt;-</a:t>
-            </a:r>
-            <a:r>
-              <a:rPr lang="sv-SE" dirty="0" smtClean="0">
-                <a:solidFill>
-                  <a:srgbClr val="00B0F0"/>
-                </a:solidFill>
-                <a:latin typeface="Courier New" pitchFamily="49" charset="0"/>
-                <a:cs typeface="Courier New" pitchFamily="49" charset="0"/>
-              </a:rPr>
-              <a:t>2</a:t>
-            </a:r>
-          </a:p>
-          <a:p>
-            <a:endParaRPr lang="sv-SE" dirty="0" smtClean="0">
-              <a:solidFill>
-                <a:srgbClr val="00FF00"/>
-              </a:solidFill>
-              <a:latin typeface="Courier New" pitchFamily="49" charset="0"/>
-              <a:cs typeface="Courier New" pitchFamily="49" charset="0"/>
-            </a:endParaRPr>
-          </a:p>
-          <a:p>
-            <a:endParaRPr lang="sv-SE" dirty="0"/>
           </a:p>
         </p:txBody>
       </p:sp>
@@ -6385,7 +6064,146 @@
       </p:grpSpPr>
       <p:sp>
         <p:nvSpPr>
-          <p:cNvPr id="2" name="Title 1"/>
+          <p:cNvPr id="5" name="Content Placeholder 4"/>
+          <p:cNvSpPr>
+            <a:spLocks noGrp="1"/>
+          </p:cNvSpPr>
+          <p:nvPr>
+            <p:ph sz="half" idx="1"/>
+          </p:nvPr>
+        </p:nvSpPr>
+        <p:spPr/>
+        <p:txBody>
+          <a:bodyPr/>
+          <a:lstStyle/>
+          <a:p>
+            <a:pPr>
+              <a:buNone/>
+            </a:pPr>
+            <a:r>
+              <a:rPr lang="sv-SE" dirty="0" smtClean="0">
+                <a:solidFill>
+                  <a:srgbClr val="00FF00"/>
+                </a:solidFill>
+                <a:latin typeface="Courier New" pitchFamily="49" charset="0"/>
+                <a:cs typeface="Courier New" pitchFamily="49" charset="0"/>
+              </a:rPr>
+              <a:t>;</a:t>
+            </a:r>
+            <a:r>
+              <a:rPr lang="sv-SE" dirty="0" err="1" smtClean="0">
+                <a:solidFill>
+                  <a:srgbClr val="00FF00"/>
+                </a:solidFill>
+                <a:latin typeface="Courier New" pitchFamily="49" charset="0"/>
+                <a:cs typeface="Courier New" pitchFamily="49" charset="0"/>
+              </a:rPr>
+              <a:t>name</a:t>
+            </a:r>
+            <a:r>
+              <a:rPr lang="sv-SE" dirty="0" smtClean="0">
+                <a:solidFill>
+                  <a:srgbClr val="00FF00"/>
+                </a:solidFill>
+                <a:latin typeface="Courier New" pitchFamily="49" charset="0"/>
+                <a:cs typeface="Courier New" pitchFamily="49" charset="0"/>
+              </a:rPr>
+              <a:t> IMP</a:t>
+            </a:r>
+          </a:p>
+          <a:p>
+            <a:pPr>
+              <a:buNone/>
+            </a:pPr>
+            <a:r>
+              <a:rPr lang="sv-SE" dirty="0" smtClean="0">
+                <a:solidFill>
+                  <a:srgbClr val="00FF00"/>
+                </a:solidFill>
+                <a:latin typeface="Courier New" pitchFamily="49" charset="0"/>
+                <a:cs typeface="Courier New" pitchFamily="49" charset="0"/>
+              </a:rPr>
+              <a:t>MOV 0, 1</a:t>
+            </a:r>
+            <a:endParaRPr lang="sv-SE" dirty="0">
+              <a:solidFill>
+                <a:srgbClr val="00FF00"/>
+              </a:solidFill>
+              <a:latin typeface="Courier New" pitchFamily="49" charset="0"/>
+              <a:cs typeface="Courier New" pitchFamily="49" charset="0"/>
+            </a:endParaRPr>
+          </a:p>
+        </p:txBody>
+      </p:sp>
+      <p:sp>
+        <p:nvSpPr>
+          <p:cNvPr id="6" name="Content Placeholder 5"/>
+          <p:cNvSpPr>
+            <a:spLocks noGrp="1"/>
+          </p:cNvSpPr>
+          <p:nvPr>
+            <p:ph sz="half" idx="2"/>
+          </p:nvPr>
+        </p:nvSpPr>
+        <p:spPr/>
+        <p:txBody>
+          <a:bodyPr/>
+          <a:lstStyle/>
+          <a:p>
+            <a:pPr>
+              <a:buNone/>
+            </a:pPr>
+            <a:r>
+              <a:rPr lang="sv-SE" dirty="0" smtClean="0">
+                <a:solidFill>
+                  <a:srgbClr val="00FF00"/>
+                </a:solidFill>
+                <a:latin typeface="Courier New" pitchFamily="49" charset="0"/>
+                <a:cs typeface="Courier New" pitchFamily="49" charset="0"/>
+              </a:rPr>
+              <a:t>;</a:t>
+            </a:r>
+            <a:r>
+              <a:rPr lang="sv-SE" dirty="0" err="1" smtClean="0">
+                <a:solidFill>
+                  <a:srgbClr val="00FF00"/>
+                </a:solidFill>
+                <a:latin typeface="Courier New" pitchFamily="49" charset="0"/>
+                <a:cs typeface="Courier New" pitchFamily="49" charset="0"/>
+              </a:rPr>
+              <a:t>name</a:t>
+            </a:r>
+            <a:r>
+              <a:rPr lang="sv-SE" dirty="0" smtClean="0">
+                <a:solidFill>
+                  <a:srgbClr val="00FF00"/>
+                </a:solidFill>
+                <a:latin typeface="Courier New" pitchFamily="49" charset="0"/>
+                <a:cs typeface="Courier New" pitchFamily="49" charset="0"/>
+              </a:rPr>
+              <a:t> GATE</a:t>
+            </a:r>
+          </a:p>
+          <a:p>
+            <a:pPr>
+              <a:buNone/>
+            </a:pPr>
+            <a:r>
+              <a:rPr lang="sv-SE" dirty="0" smtClean="0">
+                <a:solidFill>
+                  <a:srgbClr val="00FF00"/>
+                </a:solidFill>
+                <a:latin typeface="Courier New" pitchFamily="49" charset="0"/>
+                <a:cs typeface="Courier New" pitchFamily="49" charset="0"/>
+              </a:rPr>
+              <a:t>GATE JMP GATE ,&lt;-2</a:t>
+            </a:r>
+          </a:p>
+        </p:txBody>
+      </p:sp>
+      <p:sp>
+        <p:nvSpPr>
+          <p:cNvPr id="7" name="Title 6"/>
           <p:cNvSpPr>
             <a:spLocks noGrp="1"/>
           </p:cNvSpPr>
@@ -6419,215 +6237,6 @@
                 <a:srgbClr val="00FF00"/>
               </a:solidFill>
             </a:endParaRPr>
-          </a:p>
-        </p:txBody>
-      </p:sp>
-      <p:sp>
-        <p:nvSpPr>
-          <p:cNvPr id="3" name="Content Placeholder 2"/>
-          <p:cNvSpPr>
-            <a:spLocks noGrp="1"/>
-          </p:cNvSpPr>
-          <p:nvPr>
-            <p:ph sz="half" idx="1"/>
-          </p:nvPr>
-        </p:nvSpPr>
-        <p:spPr>
-          <a:xfrm>
-            <a:off x="2552700" y="1600200"/>
-            <a:ext cx="4038600" cy="4525963"/>
-          </a:xfrm>
-        </p:spPr>
-        <p:txBody>
-          <a:bodyPr>
-            <a:normAutofit/>
-          </a:bodyPr>
-          <a:lstStyle/>
-          <a:p>
-            <a:pPr>
-              <a:buNone/>
-            </a:pPr>
-            <a:r>
-              <a:rPr lang="sv-SE" dirty="0" smtClean="0">
-                <a:solidFill>
-                  <a:srgbClr val="00FF00"/>
-                </a:solidFill>
-                <a:latin typeface="Courier New" pitchFamily="49" charset="0"/>
-                <a:cs typeface="Courier New" pitchFamily="49" charset="0"/>
-              </a:rPr>
-              <a:t>MOV 0, </a:t>
-            </a:r>
-            <a:r>
-              <a:rPr lang="sv-SE" dirty="0" smtClean="0">
-                <a:solidFill>
-                  <a:srgbClr val="00FF00"/>
-                </a:solidFill>
-                <a:latin typeface="Courier New" pitchFamily="49" charset="0"/>
-                <a:cs typeface="Courier New" pitchFamily="49" charset="0"/>
-              </a:rPr>
-              <a:t> 1</a:t>
-            </a:r>
-          </a:p>
-          <a:p>
-            <a:pPr>
-              <a:buNone/>
-            </a:pPr>
-            <a:r>
-              <a:rPr lang="sv-SE" dirty="0" smtClean="0">
-                <a:solidFill>
-                  <a:srgbClr val="FF0000"/>
-                </a:solidFill>
-                <a:latin typeface="Courier New" pitchFamily="49" charset="0"/>
-                <a:cs typeface="Courier New" pitchFamily="49" charset="0"/>
-              </a:rPr>
-              <a:t>MOV 0, </a:t>
-            </a:r>
-            <a:r>
-              <a:rPr lang="sv-SE" dirty="0" smtClean="0">
-                <a:solidFill>
-                  <a:srgbClr val="FF0000"/>
-                </a:solidFill>
-                <a:latin typeface="Courier New" pitchFamily="49" charset="0"/>
-                <a:cs typeface="Courier New" pitchFamily="49" charset="0"/>
-              </a:rPr>
-              <a:t> 1</a:t>
-            </a:r>
-            <a:endParaRPr lang="sv-SE" dirty="0" smtClean="0">
-              <a:solidFill>
-                <a:srgbClr val="FF0000"/>
-              </a:solidFill>
-              <a:latin typeface="Courier New" pitchFamily="49" charset="0"/>
-              <a:cs typeface="Courier New" pitchFamily="49" charset="0"/>
-            </a:endParaRPr>
-          </a:p>
-          <a:p>
-            <a:pPr>
-              <a:buNone/>
-            </a:pPr>
-            <a:r>
-              <a:rPr lang="sv-SE" dirty="0" smtClean="0">
-                <a:solidFill>
-                  <a:srgbClr val="00FF00"/>
-                </a:solidFill>
-                <a:latin typeface="Courier New" pitchFamily="49" charset="0"/>
-                <a:cs typeface="Courier New" pitchFamily="49" charset="0"/>
-              </a:rPr>
-              <a:t>DAT </a:t>
-            </a:r>
-            <a:r>
-              <a:rPr lang="sv-SE" dirty="0" smtClean="0">
-                <a:solidFill>
-                  <a:srgbClr val="00FF00"/>
-                </a:solidFill>
-                <a:latin typeface="Courier New" pitchFamily="49" charset="0"/>
-                <a:cs typeface="Courier New" pitchFamily="49" charset="0"/>
-              </a:rPr>
-              <a:t>0, </a:t>
-            </a:r>
-            <a:r>
-              <a:rPr lang="sv-SE" dirty="0" smtClean="0">
-                <a:solidFill>
-                  <a:srgbClr val="00FF00"/>
-                </a:solidFill>
-                <a:latin typeface="Courier New" pitchFamily="49" charset="0"/>
-                <a:cs typeface="Courier New" pitchFamily="49" charset="0"/>
-              </a:rPr>
-              <a:t> 0</a:t>
-            </a:r>
-          </a:p>
-          <a:p>
-            <a:pPr>
-              <a:buNone/>
-            </a:pPr>
-            <a:r>
-              <a:rPr lang="sv-SE" dirty="0" smtClean="0">
-                <a:solidFill>
-                  <a:srgbClr val="00FF00"/>
-                </a:solidFill>
-                <a:latin typeface="Courier New" pitchFamily="49" charset="0"/>
-                <a:cs typeface="Courier New" pitchFamily="49" charset="0"/>
-              </a:rPr>
-              <a:t>DAT </a:t>
-            </a:r>
-            <a:r>
-              <a:rPr lang="sv-SE" dirty="0" smtClean="0">
-                <a:solidFill>
-                  <a:srgbClr val="00FF00"/>
-                </a:solidFill>
-                <a:latin typeface="Courier New" pitchFamily="49" charset="0"/>
-                <a:cs typeface="Courier New" pitchFamily="49" charset="0"/>
-              </a:rPr>
-              <a:t>-1, -1</a:t>
-            </a:r>
-          </a:p>
-          <a:p>
-            <a:pPr>
-              <a:buNone/>
-            </a:pPr>
-            <a:r>
-              <a:rPr lang="sv-SE" dirty="0" smtClean="0">
-                <a:solidFill>
-                  <a:srgbClr val="00FF00"/>
-                </a:solidFill>
-                <a:latin typeface="Courier New" pitchFamily="49" charset="0"/>
-                <a:cs typeface="Courier New" pitchFamily="49" charset="0"/>
-              </a:rPr>
-              <a:t>DAT 0, </a:t>
-            </a:r>
-            <a:r>
-              <a:rPr lang="sv-SE" dirty="0" smtClean="0">
-                <a:solidFill>
-                  <a:srgbClr val="00FF00"/>
-                </a:solidFill>
-                <a:latin typeface="Courier New" pitchFamily="49" charset="0"/>
-                <a:cs typeface="Courier New" pitchFamily="49" charset="0"/>
-              </a:rPr>
-              <a:t> 0</a:t>
-            </a:r>
-            <a:endParaRPr lang="sv-SE" dirty="0" smtClean="0">
-              <a:solidFill>
-                <a:srgbClr val="00FF00"/>
-              </a:solidFill>
-              <a:latin typeface="Courier New" pitchFamily="49" charset="0"/>
-              <a:cs typeface="Courier New" pitchFamily="49" charset="0"/>
-            </a:endParaRPr>
-          </a:p>
-          <a:p>
-            <a:pPr>
-              <a:buNone/>
-            </a:pPr>
-            <a:r>
-              <a:rPr lang="sv-SE" dirty="0" smtClean="0">
-                <a:solidFill>
-                  <a:srgbClr val="00B0F0"/>
-                </a:solidFill>
-                <a:latin typeface="Courier New" pitchFamily="49" charset="0"/>
-                <a:cs typeface="Courier New" pitchFamily="49" charset="0"/>
-              </a:rPr>
-              <a:t>JMP 0,  &lt;-</a:t>
-            </a:r>
-            <a:r>
-              <a:rPr lang="sv-SE" dirty="0" smtClean="0">
-                <a:solidFill>
-                  <a:srgbClr val="00B0F0"/>
-                </a:solidFill>
-                <a:latin typeface="Courier New" pitchFamily="49" charset="0"/>
-                <a:cs typeface="Courier New" pitchFamily="49" charset="0"/>
-              </a:rPr>
-              <a:t>2</a:t>
-            </a:r>
-          </a:p>
-          <a:p>
-            <a:endParaRPr lang="sv-SE" dirty="0" smtClean="0">
-              <a:solidFill>
-                <a:srgbClr val="00FF00"/>
-              </a:solidFill>
-              <a:latin typeface="Courier New" pitchFamily="49" charset="0"/>
-              <a:cs typeface="Courier New" pitchFamily="49" charset="0"/>
-            </a:endParaRPr>
-          </a:p>
-          <a:p>
-            <a:endParaRPr lang="sv-SE" dirty="0"/>
           </a:p>
         </p:txBody>
       </p:sp>
@@ -6723,13 +6332,18 @@
             <a:r>
               <a:rPr lang="sv-SE" dirty="0" smtClean="0">
                 <a:solidFill>
-                  <a:srgbClr val="00FF00"/>
+                  <a:srgbClr val="FF0000"/>
                 </a:solidFill>
                 <a:latin typeface="Courier New" pitchFamily="49" charset="0"/>
                 <a:cs typeface="Courier New" pitchFamily="49" charset="0"/>
               </a:rPr>
-              <a:t>MOV 0, </a:t>
-            </a:r>
+              <a:t>MOV 0,  1</a:t>
+            </a:r>
+          </a:p>
+          <a:p>
+            <a:pPr>
+              <a:buNone/>
+            </a:pPr>
             <a:r>
               <a:rPr lang="sv-SE" dirty="0" smtClean="0">
                 <a:solidFill>
@@ -6738,7 +6352,7 @@
                 <a:latin typeface="Courier New" pitchFamily="49" charset="0"/>
                 <a:cs typeface="Courier New" pitchFamily="49" charset="0"/>
               </a:rPr>
-              <a:t> 1</a:t>
+              <a:t>DAT 0,  0</a:t>
             </a:r>
           </a:p>
           <a:p>
@@ -6753,8 +6367,13 @@
                 <a:latin typeface="Courier New" pitchFamily="49" charset="0"/>
                 <a:cs typeface="Courier New" pitchFamily="49" charset="0"/>
               </a:rPr>
-              <a:t>MOV 0, </a:t>
-            </a:r>
+              <a:t>DAT 0,  0</a:t>
+            </a:r>
+          </a:p>
+          <a:p>
+            <a:pPr>
+              <a:buNone/>
+            </a:pPr>
             <a:r>
               <a:rPr lang="sv-SE" dirty="0" smtClean="0">
                 <a:solidFill>
@@ -6763,15 +6382,8 @@
                 <a:latin typeface="Courier New" pitchFamily="49" charset="0"/>
                 <a:cs typeface="Courier New" pitchFamily="49" charset="0"/>
               </a:rPr>
-              <a:t> 1</a:t>
-            </a:r>
-            <a:endParaRPr lang="sv-SE" dirty="0" smtClean="0">
-              <a:solidFill>
-                <a:srgbClr val="00FF00"/>
-              </a:solidFill>
-              <a:latin typeface="Courier New" pitchFamily="49" charset="0"/>
-              <a:cs typeface="Courier New" pitchFamily="49" charset="0"/>
-            </a:endParaRPr>
+              <a:t>DAT 0,  0</a:t>
+            </a:r>
           </a:p>
           <a:p>
             <a:pPr>
@@ -6780,12 +6392,12 @@
             <a:r>
               <a:rPr lang="sv-SE" dirty="0" smtClean="0">
                 <a:solidFill>
-                  <a:srgbClr val="FF0000"/>
+                  <a:srgbClr val="00FF00"/>
                 </a:solidFill>
                 <a:latin typeface="Courier New" pitchFamily="49" charset="0"/>
                 <a:cs typeface="Courier New" pitchFamily="49" charset="0"/>
               </a:rPr>
-              <a:t>MOV 0,  1</a:t>
+              <a:t>DAT 0,  0</a:t>
             </a:r>
           </a:p>
           <a:p>
@@ -6795,69 +6407,12 @@
             <a:r>
               <a:rPr lang="sv-SE" dirty="0" smtClean="0">
                 <a:solidFill>
-                  <a:srgbClr val="00FF00"/>
+                  <a:srgbClr val="00B0F0"/>
                 </a:solidFill>
                 <a:latin typeface="Courier New" pitchFamily="49" charset="0"/>
                 <a:cs typeface="Courier New" pitchFamily="49" charset="0"/>
               </a:rPr>
-              <a:t>DAT -2, -2</a:t>
-            </a:r>
-          </a:p>
-          <a:p>
-            <a:pPr>
-              <a:buNone/>
-            </a:pPr>
-            <a:r>
-              <a:rPr lang="sv-SE" dirty="0" smtClean="0">
-                <a:solidFill>
-                  <a:srgbClr val="00FF00"/>
-                </a:solidFill>
-                <a:latin typeface="Courier New" pitchFamily="49" charset="0"/>
-                <a:cs typeface="Courier New" pitchFamily="49" charset="0"/>
-              </a:rPr>
-              <a:t>DAT 0, </a:t>
-            </a:r>
-            <a:r>
-              <a:rPr lang="sv-SE" dirty="0" smtClean="0">
-                <a:solidFill>
-                  <a:srgbClr val="00FF00"/>
-                </a:solidFill>
-                <a:latin typeface="Courier New" pitchFamily="49" charset="0"/>
-                <a:cs typeface="Courier New" pitchFamily="49" charset="0"/>
-              </a:rPr>
-              <a:t> 0</a:t>
-            </a:r>
-            <a:endParaRPr lang="sv-SE" dirty="0" smtClean="0">
-              <a:solidFill>
-                <a:srgbClr val="00FF00"/>
-              </a:solidFill>
-              <a:latin typeface="Courier New" pitchFamily="49" charset="0"/>
-              <a:cs typeface="Courier New" pitchFamily="49" charset="0"/>
-            </a:endParaRPr>
-          </a:p>
-          <a:p>
-            <a:pPr>
-              <a:buNone/>
-            </a:pPr>
-            <a:r>
-              <a:rPr lang="sv-SE" dirty="0" smtClean="0">
-                <a:solidFill>
-                  <a:srgbClr val="00B0F0"/>
-                </a:solidFill>
-                <a:latin typeface="Courier New" pitchFamily="49" charset="0"/>
-                <a:cs typeface="Courier New" pitchFamily="49" charset="0"/>
-              </a:rPr>
-              <a:t>JMP 0,  &lt;-</a:t>
-            </a:r>
-            <a:r>
-              <a:rPr lang="sv-SE" dirty="0" smtClean="0">
-                <a:solidFill>
-                  <a:srgbClr val="00B0F0"/>
-                </a:solidFill>
-                <a:latin typeface="Courier New" pitchFamily="49" charset="0"/>
-                <a:cs typeface="Courier New" pitchFamily="49" charset="0"/>
-              </a:rPr>
-              <a:t>2</a:t>
+              <a:t>JMP 0,  &lt;-2</a:t>
             </a:r>
           </a:p>
           <a:p>
@@ -6971,17 +6526,22 @@
                 <a:latin typeface="Courier New" pitchFamily="49" charset="0"/>
                 <a:cs typeface="Courier New" pitchFamily="49" charset="0"/>
               </a:rPr>
-              <a:t>MOV 0, </a:t>
-            </a:r>
+              <a:t>MOV 0,  1</a:t>
+            </a:r>
+          </a:p>
+          <a:p>
+            <a:pPr>
+              <a:buNone/>
+            </a:pPr>
             <a:r>
               <a:rPr lang="sv-SE" dirty="0" smtClean="0">
                 <a:solidFill>
-                  <a:srgbClr val="00FF00"/>
+                  <a:srgbClr val="FF0000"/>
                 </a:solidFill>
                 <a:latin typeface="Courier New" pitchFamily="49" charset="0"/>
                 <a:cs typeface="Courier New" pitchFamily="49" charset="0"/>
               </a:rPr>
-              <a:t> 1</a:t>
+              <a:t>MOV 0,  1</a:t>
             </a:r>
           </a:p>
           <a:p>
@@ -6996,8 +6556,13 @@
                 <a:latin typeface="Courier New" pitchFamily="49" charset="0"/>
                 <a:cs typeface="Courier New" pitchFamily="49" charset="0"/>
               </a:rPr>
-              <a:t>MOV 0, </a:t>
-            </a:r>
+              <a:t>DAT 0,  0</a:t>
+            </a:r>
+          </a:p>
+          <a:p>
+            <a:pPr>
+              <a:buNone/>
+            </a:pPr>
             <a:r>
               <a:rPr lang="sv-SE" dirty="0" smtClean="0">
                 <a:solidFill>
@@ -7006,15 +6571,8 @@
                 <a:latin typeface="Courier New" pitchFamily="49" charset="0"/>
                 <a:cs typeface="Courier New" pitchFamily="49" charset="0"/>
               </a:rPr>
-              <a:t> 1</a:t>
-            </a:r>
-            <a:endParaRPr lang="sv-SE" dirty="0" smtClean="0">
-              <a:solidFill>
-                <a:srgbClr val="00FF00"/>
-              </a:solidFill>
-              <a:latin typeface="Courier New" pitchFamily="49" charset="0"/>
-              <a:cs typeface="Courier New" pitchFamily="49" charset="0"/>
-            </a:endParaRPr>
+              <a:t>DAT -1, -1</a:t>
+            </a:r>
           </a:p>
           <a:p>
             <a:pPr>
@@ -7028,7 +6586,7 @@
                 <a:latin typeface="Courier New" pitchFamily="49" charset="0"/>
                 <a:cs typeface="Courier New" pitchFamily="49" charset="0"/>
               </a:rPr>
-              <a:t>MOV 0,  1</a:t>
+              <a:t>DAT 0,  0</a:t>
             </a:r>
           </a:p>
           <a:p>
@@ -7038,79 +6596,12 @@
             <a:r>
               <a:rPr lang="sv-SE" dirty="0" smtClean="0">
                 <a:solidFill>
-                  <a:srgbClr val="FF0000"/>
+                  <a:srgbClr val="00B0F0"/>
                 </a:solidFill>
                 <a:latin typeface="Courier New" pitchFamily="49" charset="0"/>
                 <a:cs typeface="Courier New" pitchFamily="49" charset="0"/>
               </a:rPr>
-              <a:t>MOV 0,  1</a:t>
-            </a:r>
-          </a:p>
-          <a:p>
-            <a:pPr>
-              <a:buNone/>
-            </a:pPr>
-            <a:r>
-              <a:rPr lang="sv-SE" dirty="0" smtClean="0">
-                <a:solidFill>
-                  <a:srgbClr val="00FF00"/>
-                </a:solidFill>
-                <a:latin typeface="Courier New" pitchFamily="49" charset="0"/>
-                <a:cs typeface="Courier New" pitchFamily="49" charset="0"/>
-              </a:rPr>
-              <a:t>DAT </a:t>
-            </a:r>
-            <a:r>
-              <a:rPr lang="sv-SE" dirty="0" smtClean="0">
-                <a:solidFill>
-                  <a:srgbClr val="00FF00"/>
-                </a:solidFill>
-                <a:latin typeface="Courier New" pitchFamily="49" charset="0"/>
-                <a:cs typeface="Courier New" pitchFamily="49" charset="0"/>
-              </a:rPr>
-              <a:t>0, </a:t>
-            </a:r>
-            <a:r>
-              <a:rPr lang="sv-SE" dirty="0" smtClean="0">
-                <a:solidFill>
-                  <a:srgbClr val="00FF00"/>
-                </a:solidFill>
-                <a:latin typeface="Courier New" pitchFamily="49" charset="0"/>
-                <a:cs typeface="Courier New" pitchFamily="49" charset="0"/>
-              </a:rPr>
-              <a:t> 0</a:t>
-            </a:r>
-            <a:endParaRPr lang="sv-SE" dirty="0" smtClean="0">
-              <a:solidFill>
-                <a:srgbClr val="00FF00"/>
-              </a:solidFill>
-              <a:latin typeface="Courier New" pitchFamily="49" charset="0"/>
-              <a:cs typeface="Courier New" pitchFamily="49" charset="0"/>
-            </a:endParaRPr>
-          </a:p>
-          <a:p>
-            <a:pPr>
-              <a:buNone/>
-            </a:pPr>
-            <a:r>
-              <a:rPr lang="sv-SE" dirty="0" smtClean="0">
-                <a:solidFill>
-                  <a:srgbClr val="00B0F0"/>
-                </a:solidFill>
-                <a:latin typeface="Courier New" pitchFamily="49" charset="0"/>
-                <a:cs typeface="Courier New" pitchFamily="49" charset="0"/>
-              </a:rPr>
-              <a:t>JMP 0,  &lt;-</a:t>
-            </a:r>
-            <a:r>
-              <a:rPr lang="sv-SE" dirty="0" smtClean="0">
-                <a:solidFill>
-                  <a:srgbClr val="00B0F0"/>
-                </a:solidFill>
-                <a:latin typeface="Courier New" pitchFamily="49" charset="0"/>
-                <a:cs typeface="Courier New" pitchFamily="49" charset="0"/>
-              </a:rPr>
-              <a:t>2</a:t>
+              <a:t>JMP 0,  &lt;-2</a:t>
             </a:r>
           </a:p>
           <a:p>
@@ -7224,8 +6715,13 @@
                 <a:latin typeface="Courier New" pitchFamily="49" charset="0"/>
                 <a:cs typeface="Courier New" pitchFamily="49" charset="0"/>
               </a:rPr>
-              <a:t>MOV 0, </a:t>
-            </a:r>
+              <a:t>MOV 0,  1</a:t>
+            </a:r>
+          </a:p>
+          <a:p>
+            <a:pPr>
+              <a:buNone/>
+            </a:pPr>
             <a:r>
               <a:rPr lang="sv-SE" dirty="0" smtClean="0">
                 <a:solidFill>
@@ -7234,7 +6730,7 @@
                 <a:latin typeface="Courier New" pitchFamily="49" charset="0"/>
                 <a:cs typeface="Courier New" pitchFamily="49" charset="0"/>
               </a:rPr>
-              <a:t> 1</a:t>
+              <a:t>MOV 0,  1</a:t>
             </a:r>
           </a:p>
           <a:p>
@@ -7244,13 +6740,18 @@
             <a:r>
               <a:rPr lang="sv-SE" dirty="0" smtClean="0">
                 <a:solidFill>
-                  <a:srgbClr val="00FF00"/>
+                  <a:srgbClr val="FF0000"/>
                 </a:solidFill>
                 <a:latin typeface="Courier New" pitchFamily="49" charset="0"/>
                 <a:cs typeface="Courier New" pitchFamily="49" charset="0"/>
               </a:rPr>
-              <a:t>MOV 0, </a:t>
-            </a:r>
+              <a:t>MOV 0,  1</a:t>
+            </a:r>
+          </a:p>
+          <a:p>
+            <a:pPr>
+              <a:buNone/>
+            </a:pPr>
             <a:r>
               <a:rPr lang="sv-SE" dirty="0" smtClean="0">
                 <a:solidFill>
@@ -7259,15 +6760,8 @@
                 <a:latin typeface="Courier New" pitchFamily="49" charset="0"/>
                 <a:cs typeface="Courier New" pitchFamily="49" charset="0"/>
               </a:rPr>
-              <a:t> 1</a:t>
-            </a:r>
-            <a:endParaRPr lang="sv-SE" dirty="0" smtClean="0">
-              <a:solidFill>
-                <a:srgbClr val="00FF00"/>
-              </a:solidFill>
-              <a:latin typeface="Courier New" pitchFamily="49" charset="0"/>
-              <a:cs typeface="Courier New" pitchFamily="49" charset="0"/>
-            </a:endParaRPr>
+              <a:t>DAT -2, -2</a:t>
+            </a:r>
           </a:p>
           <a:p>
             <a:pPr>
@@ -7281,7 +6775,7 @@
                 <a:latin typeface="Courier New" pitchFamily="49" charset="0"/>
                 <a:cs typeface="Courier New" pitchFamily="49" charset="0"/>
               </a:rPr>
-              <a:t>MOV 0,  1</a:t>
+              <a:t>DAT 0,  0</a:t>
             </a:r>
           </a:p>
           <a:p>
@@ -7291,96 +6785,12 @@
             <a:r>
               <a:rPr lang="sv-SE" dirty="0" smtClean="0">
                 <a:solidFill>
-                  <a:srgbClr val="FF0000"/>
+                  <a:srgbClr val="00B0F0"/>
                 </a:solidFill>
                 <a:latin typeface="Courier New" pitchFamily="49" charset="0"/>
                 <a:cs typeface="Courier New" pitchFamily="49" charset="0"/>
               </a:rPr>
-              <a:t>MOV </a:t>
-            </a:r>
-            <a:r>
-              <a:rPr lang="sv-SE" dirty="0" smtClean="0">
-                <a:solidFill>
-                  <a:srgbClr val="FF0000"/>
-                </a:solidFill>
-                <a:latin typeface="Courier New" pitchFamily="49" charset="0"/>
-                <a:cs typeface="Courier New" pitchFamily="49" charset="0"/>
-              </a:rPr>
-              <a:t>-1, 0</a:t>
-            </a:r>
-            <a:endParaRPr lang="sv-SE" dirty="0" smtClean="0">
-              <a:solidFill>
-                <a:srgbClr val="FF0000"/>
-              </a:solidFill>
-              <a:latin typeface="Courier New" pitchFamily="49" charset="0"/>
-              <a:cs typeface="Courier New" pitchFamily="49" charset="0"/>
-            </a:endParaRPr>
-          </a:p>
-          <a:p>
-            <a:pPr>
-              <a:buNone/>
-            </a:pPr>
-            <a:r>
-              <a:rPr lang="sv-SE" dirty="0" smtClean="0">
-                <a:solidFill>
-                  <a:srgbClr val="00FF00"/>
-                </a:solidFill>
-                <a:latin typeface="Courier New" pitchFamily="49" charset="0"/>
-                <a:cs typeface="Courier New" pitchFamily="49" charset="0"/>
-              </a:rPr>
-              <a:t>DAT </a:t>
-            </a:r>
-            <a:r>
-              <a:rPr lang="sv-SE" dirty="0" smtClean="0">
-                <a:solidFill>
-                  <a:srgbClr val="00FF00"/>
-                </a:solidFill>
-                <a:latin typeface="Courier New" pitchFamily="49" charset="0"/>
-                <a:cs typeface="Courier New" pitchFamily="49" charset="0"/>
-              </a:rPr>
-              <a:t>0, </a:t>
-            </a:r>
-            <a:r>
-              <a:rPr lang="sv-SE" dirty="0" smtClean="0">
-                <a:solidFill>
-                  <a:srgbClr val="00FF00"/>
-                </a:solidFill>
-                <a:latin typeface="Courier New" pitchFamily="49" charset="0"/>
-                <a:cs typeface="Courier New" pitchFamily="49" charset="0"/>
-              </a:rPr>
-              <a:t> 0</a:t>
-            </a:r>
-            <a:endParaRPr lang="sv-SE" dirty="0" smtClean="0">
-              <a:solidFill>
-                <a:srgbClr val="00FF00"/>
-              </a:solidFill>
-              <a:latin typeface="Courier New" pitchFamily="49" charset="0"/>
-              <a:cs typeface="Courier New" pitchFamily="49" charset="0"/>
-            </a:endParaRPr>
-          </a:p>
-          <a:p>
-            <a:pPr>
-              <a:buNone/>
-            </a:pPr>
-            <a:r>
-              <a:rPr lang="sv-SE" dirty="0" smtClean="0">
-                <a:solidFill>
-                  <a:srgbClr val="00B0F0"/>
-                </a:solidFill>
-                <a:latin typeface="Courier New" pitchFamily="49" charset="0"/>
-                <a:cs typeface="Courier New" pitchFamily="49" charset="0"/>
-              </a:rPr>
-              <a:t>JMP 0,  &lt;-</a:t>
-            </a:r>
-            <a:r>
-              <a:rPr lang="sv-SE" dirty="0" smtClean="0">
-                <a:solidFill>
-                  <a:srgbClr val="00B0F0"/>
-                </a:solidFill>
-                <a:latin typeface="Courier New" pitchFamily="49" charset="0"/>
-                <a:cs typeface="Courier New" pitchFamily="49" charset="0"/>
-              </a:rPr>
-              <a:t>2</a:t>
+              <a:t>JMP 0,  &lt;-2</a:t>
             </a:r>
           </a:p>
           <a:p>
@@ -7494,8 +6904,13 @@
                 <a:latin typeface="Courier New" pitchFamily="49" charset="0"/>
                 <a:cs typeface="Courier New" pitchFamily="49" charset="0"/>
               </a:rPr>
-              <a:t>MOV 0, </a:t>
-            </a:r>
+              <a:t>MOV 0,  1</a:t>
+            </a:r>
+          </a:p>
+          <a:p>
+            <a:pPr>
+              <a:buNone/>
+            </a:pPr>
             <a:r>
               <a:rPr lang="sv-SE" dirty="0" smtClean="0">
                 <a:solidFill>
@@ -7504,7 +6919,7 @@
                 <a:latin typeface="Courier New" pitchFamily="49" charset="0"/>
                 <a:cs typeface="Courier New" pitchFamily="49" charset="0"/>
               </a:rPr>
-              <a:t> 1</a:t>
+              <a:t>MOV 0,  1</a:t>
             </a:r>
           </a:p>
           <a:p>
@@ -7519,25 +6934,23 @@
                 <a:latin typeface="Courier New" pitchFamily="49" charset="0"/>
                 <a:cs typeface="Courier New" pitchFamily="49" charset="0"/>
               </a:rPr>
-              <a:t>MOV 0, </a:t>
-            </a:r>
+              <a:t>MOV 0,  1</a:t>
+            </a:r>
+          </a:p>
+          <a:p>
+            <a:pPr>
+              <a:buNone/>
+            </a:pPr>
             <a:r>
               <a:rPr lang="sv-SE" dirty="0" smtClean="0">
                 <a:solidFill>
-                  <a:srgbClr val="00FF00"/>
+                  <a:srgbClr val="FF0000"/>
                 </a:solidFill>
                 <a:latin typeface="Courier New" pitchFamily="49" charset="0"/>
                 <a:cs typeface="Courier New" pitchFamily="49" charset="0"/>
               </a:rPr>
-              <a:t> 1</a:t>
-            </a:r>
-            <a:endParaRPr lang="sv-SE" dirty="0" smtClean="0">
-              <a:solidFill>
-                <a:srgbClr val="00FF00"/>
-              </a:solidFill>
-              <a:latin typeface="Courier New" pitchFamily="49" charset="0"/>
-              <a:cs typeface="Courier New" pitchFamily="49" charset="0"/>
-            </a:endParaRPr>
+              <a:t>MOV 0,  1</a:t>
+            </a:r>
           </a:p>
           <a:p>
             <a:pPr>
@@ -7551,7 +6964,7 @@
                 <a:latin typeface="Courier New" pitchFamily="49" charset="0"/>
                 <a:cs typeface="Courier New" pitchFamily="49" charset="0"/>
               </a:rPr>
-              <a:t>MOV 0,  1</a:t>
+              <a:t>DAT 0,  0</a:t>
             </a:r>
           </a:p>
           <a:p>
@@ -7561,79 +6974,12 @@
             <a:r>
               <a:rPr lang="sv-SE" dirty="0" smtClean="0">
                 <a:solidFill>
-                  <a:srgbClr val="00FF00"/>
+                  <a:srgbClr val="00B0F0"/>
                 </a:solidFill>
                 <a:latin typeface="Courier New" pitchFamily="49" charset="0"/>
                 <a:cs typeface="Courier New" pitchFamily="49" charset="0"/>
               </a:rPr>
-              <a:t>MOV 0,  1</a:t>
-            </a:r>
-          </a:p>
-          <a:p>
-            <a:pPr>
-              <a:buNone/>
-            </a:pPr>
-            <a:r>
-              <a:rPr lang="sv-SE" dirty="0" smtClean="0">
-                <a:solidFill>
-                  <a:srgbClr val="FF0000"/>
-                </a:solidFill>
-                <a:latin typeface="Courier New" pitchFamily="49" charset="0"/>
-                <a:cs typeface="Courier New" pitchFamily="49" charset="0"/>
-              </a:rPr>
-              <a:t>DAT </a:t>
-            </a:r>
-            <a:r>
-              <a:rPr lang="sv-SE" dirty="0" smtClean="0">
-                <a:solidFill>
-                  <a:srgbClr val="FF0000"/>
-                </a:solidFill>
-                <a:latin typeface="Courier New" pitchFamily="49" charset="0"/>
-                <a:cs typeface="Courier New" pitchFamily="49" charset="0"/>
-              </a:rPr>
-              <a:t>0, </a:t>
-            </a:r>
-            <a:r>
-              <a:rPr lang="sv-SE" dirty="0" smtClean="0">
-                <a:solidFill>
-                  <a:srgbClr val="FF0000"/>
-                </a:solidFill>
-                <a:latin typeface="Courier New" pitchFamily="49" charset="0"/>
-                <a:cs typeface="Courier New" pitchFamily="49" charset="0"/>
-              </a:rPr>
-              <a:t> 0</a:t>
-            </a:r>
-            <a:endParaRPr lang="sv-SE" dirty="0" smtClean="0">
-              <a:solidFill>
-                <a:srgbClr val="FF0000"/>
-              </a:solidFill>
-              <a:latin typeface="Courier New" pitchFamily="49" charset="0"/>
-              <a:cs typeface="Courier New" pitchFamily="49" charset="0"/>
-            </a:endParaRPr>
-          </a:p>
-          <a:p>
-            <a:pPr>
-              <a:buNone/>
-            </a:pPr>
-            <a:r>
-              <a:rPr lang="sv-SE" dirty="0" smtClean="0">
-                <a:solidFill>
-                  <a:srgbClr val="00B0F0"/>
-                </a:solidFill>
-                <a:latin typeface="Courier New" pitchFamily="49" charset="0"/>
-                <a:cs typeface="Courier New" pitchFamily="49" charset="0"/>
-              </a:rPr>
-              <a:t>JMP 0,  &lt;-</a:t>
-            </a:r>
-            <a:r>
-              <a:rPr lang="sv-SE" dirty="0" smtClean="0">
-                <a:solidFill>
-                  <a:srgbClr val="00B0F0"/>
-                </a:solidFill>
-                <a:latin typeface="Courier New" pitchFamily="49" charset="0"/>
-                <a:cs typeface="Courier New" pitchFamily="49" charset="0"/>
-              </a:rPr>
-              <a:t>2</a:t>
+              <a:t>JMP 0,  &lt;-2</a:t>
             </a:r>
           </a:p>
           <a:p>
@@ -7696,7 +7042,7 @@
                   <a:srgbClr val="00FF00"/>
                 </a:solidFill>
               </a:rPr>
-              <a:t>Core</a:t>
+              <a:t>Imp</a:t>
             </a:r>
             <a:r>
               <a:rPr lang="sv-SE" dirty="0" smtClean="0">
@@ -7704,23 +7050,7 @@
                   <a:srgbClr val="00FF00"/>
                 </a:solidFill>
               </a:rPr>
-              <a:t> </a:t>
-            </a:r>
-            <a:r>
-              <a:rPr lang="sv-SE" dirty="0" err="1" smtClean="0">
-                <a:solidFill>
-                  <a:srgbClr val="00FF00"/>
-                </a:solidFill>
-              </a:rPr>
-              <a:t>Wars</a:t>
-            </a:r>
-            <a:r>
-              <a:rPr lang="sv-SE" dirty="0" smtClean="0">
-                <a:solidFill>
-                  <a:srgbClr val="00FF00"/>
-                </a:solidFill>
-              </a:rPr>
-              <a:t> Strategier</a:t>
+              <a:t> vs. Gate</a:t>
             </a:r>
             <a:endParaRPr lang="sv-SE" dirty="0">
               <a:solidFill>
@@ -7740,6 +7070,400 @@
             <p:ph sz="half" idx="1"/>
           </p:nvPr>
         </p:nvSpPr>
+        <p:spPr>
+          <a:xfrm>
+            <a:off x="2552700" y="1600200"/>
+            <a:ext cx="4038600" cy="4525963"/>
+          </a:xfrm>
+        </p:spPr>
+        <p:txBody>
+          <a:bodyPr>
+            <a:normAutofit/>
+          </a:bodyPr>
+          <a:lstStyle/>
+          <a:p>
+            <a:pPr>
+              <a:buNone/>
+            </a:pPr>
+            <a:r>
+              <a:rPr lang="sv-SE" dirty="0" smtClean="0">
+                <a:solidFill>
+                  <a:srgbClr val="00FF00"/>
+                </a:solidFill>
+                <a:latin typeface="Courier New" pitchFamily="49" charset="0"/>
+                <a:cs typeface="Courier New" pitchFamily="49" charset="0"/>
+              </a:rPr>
+              <a:t>MOV 0,  1</a:t>
+            </a:r>
+          </a:p>
+          <a:p>
+            <a:pPr>
+              <a:buNone/>
+            </a:pPr>
+            <a:r>
+              <a:rPr lang="sv-SE" dirty="0" smtClean="0">
+                <a:solidFill>
+                  <a:srgbClr val="00FF00"/>
+                </a:solidFill>
+                <a:latin typeface="Courier New" pitchFamily="49" charset="0"/>
+                <a:cs typeface="Courier New" pitchFamily="49" charset="0"/>
+              </a:rPr>
+              <a:t>MOV 0,  1</a:t>
+            </a:r>
+          </a:p>
+          <a:p>
+            <a:pPr>
+              <a:buNone/>
+            </a:pPr>
+            <a:r>
+              <a:rPr lang="sv-SE" dirty="0" smtClean="0">
+                <a:solidFill>
+                  <a:srgbClr val="00FF00"/>
+                </a:solidFill>
+                <a:latin typeface="Courier New" pitchFamily="49" charset="0"/>
+                <a:cs typeface="Courier New" pitchFamily="49" charset="0"/>
+              </a:rPr>
+              <a:t>MOV 0,  1</a:t>
+            </a:r>
+          </a:p>
+          <a:p>
+            <a:pPr>
+              <a:buNone/>
+            </a:pPr>
+            <a:r>
+              <a:rPr lang="sv-SE" dirty="0" smtClean="0">
+                <a:solidFill>
+                  <a:srgbClr val="FF0000"/>
+                </a:solidFill>
+                <a:latin typeface="Courier New" pitchFamily="49" charset="0"/>
+                <a:cs typeface="Courier New" pitchFamily="49" charset="0"/>
+              </a:rPr>
+              <a:t>MOV -1, 0</a:t>
+            </a:r>
+          </a:p>
+          <a:p>
+            <a:pPr>
+              <a:buNone/>
+            </a:pPr>
+            <a:r>
+              <a:rPr lang="sv-SE" dirty="0" smtClean="0">
+                <a:solidFill>
+                  <a:srgbClr val="00FF00"/>
+                </a:solidFill>
+                <a:latin typeface="Courier New" pitchFamily="49" charset="0"/>
+                <a:cs typeface="Courier New" pitchFamily="49" charset="0"/>
+              </a:rPr>
+              <a:t>DAT 0,  0</a:t>
+            </a:r>
+          </a:p>
+          <a:p>
+            <a:pPr>
+              <a:buNone/>
+            </a:pPr>
+            <a:r>
+              <a:rPr lang="sv-SE" dirty="0" smtClean="0">
+                <a:solidFill>
+                  <a:srgbClr val="00B0F0"/>
+                </a:solidFill>
+                <a:latin typeface="Courier New" pitchFamily="49" charset="0"/>
+                <a:cs typeface="Courier New" pitchFamily="49" charset="0"/>
+              </a:rPr>
+              <a:t>JMP 0,  &lt;-2</a:t>
+            </a:r>
+          </a:p>
+          <a:p>
+            <a:endParaRPr lang="sv-SE" dirty="0" smtClean="0">
+              <a:solidFill>
+                <a:srgbClr val="00FF00"/>
+              </a:solidFill>
+              <a:latin typeface="Courier New" pitchFamily="49" charset="0"/>
+              <a:cs typeface="Courier New" pitchFamily="49" charset="0"/>
+            </a:endParaRPr>
+          </a:p>
+          <a:p>
+            <a:endParaRPr lang="sv-SE" dirty="0"/>
+          </a:p>
+        </p:txBody>
+      </p:sp>
+    </p:spTree>
+  </p:cSld>
+  <p:clrMapOvr>
+    <a:masterClrMapping/>
+  </p:clrMapOvr>
+</p:sld>
+</file>
+
+<file path=ppt/slides/slide18.xml><?xml version="1.0" encoding="utf-8"?>
+<p:sld xmlns:a="http://schemas.openxmlformats.org/drawingml/2006/main" xmlns:r="http://schemas.openxmlformats.org/officeDocument/2006/relationships" xmlns:p="http://schemas.openxmlformats.org/presentationml/2006/main">
+  <p:cSld>
+    <p:spTree>
+      <p:nvGrpSpPr>
+        <p:cNvPr id="1" name=""/>
+        <p:cNvGrpSpPr/>
+        <p:nvPr/>
+      </p:nvGrpSpPr>
+      <p:grpSpPr>
+        <a:xfrm>
+          <a:off x="0" y="0"/>
+          <a:ext cx="0" cy="0"/>
+          <a:chOff x="0" y="0"/>
+          <a:chExt cx="0" cy="0"/>
+        </a:xfrm>
+      </p:grpSpPr>
+      <p:sp>
+        <p:nvSpPr>
+          <p:cNvPr id="2" name="Title 1"/>
+          <p:cNvSpPr>
+            <a:spLocks noGrp="1"/>
+          </p:cNvSpPr>
+          <p:nvPr>
+            <p:ph type="title"/>
+          </p:nvPr>
+        </p:nvSpPr>
+        <p:spPr/>
+        <p:txBody>
+          <a:bodyPr/>
+          <a:lstStyle/>
+          <a:p>
+            <a:r>
+              <a:rPr lang="sv-SE" dirty="0" err="1" smtClean="0">
+                <a:solidFill>
+                  <a:srgbClr val="00FF00"/>
+                </a:solidFill>
+              </a:rPr>
+              <a:t>Imp</a:t>
+            </a:r>
+            <a:r>
+              <a:rPr lang="sv-SE" dirty="0" smtClean="0">
+                <a:solidFill>
+                  <a:srgbClr val="00FF00"/>
+                </a:solidFill>
+              </a:rPr>
+              <a:t> vs. Gate</a:t>
+            </a:r>
+            <a:endParaRPr lang="sv-SE" dirty="0">
+              <a:solidFill>
+                <a:srgbClr val="00FF00"/>
+              </a:solidFill>
+            </a:endParaRPr>
+          </a:p>
+        </p:txBody>
+      </p:sp>
+      <p:sp>
+        <p:nvSpPr>
+          <p:cNvPr id="3" name="Content Placeholder 2"/>
+          <p:cNvSpPr>
+            <a:spLocks noGrp="1"/>
+          </p:cNvSpPr>
+          <p:nvPr>
+            <p:ph sz="half" idx="1"/>
+          </p:nvPr>
+        </p:nvSpPr>
+        <p:spPr>
+          <a:xfrm>
+            <a:off x="2552700" y="1600200"/>
+            <a:ext cx="4038600" cy="4525963"/>
+          </a:xfrm>
+        </p:spPr>
+        <p:txBody>
+          <a:bodyPr>
+            <a:normAutofit/>
+          </a:bodyPr>
+          <a:lstStyle/>
+          <a:p>
+            <a:pPr>
+              <a:buNone/>
+            </a:pPr>
+            <a:r>
+              <a:rPr lang="sv-SE" dirty="0" smtClean="0">
+                <a:solidFill>
+                  <a:srgbClr val="00FF00"/>
+                </a:solidFill>
+                <a:latin typeface="Courier New" pitchFamily="49" charset="0"/>
+                <a:cs typeface="Courier New" pitchFamily="49" charset="0"/>
+              </a:rPr>
+              <a:t>MOV 0,  1</a:t>
+            </a:r>
+          </a:p>
+          <a:p>
+            <a:pPr>
+              <a:buNone/>
+            </a:pPr>
+            <a:r>
+              <a:rPr lang="sv-SE" dirty="0" smtClean="0">
+                <a:solidFill>
+                  <a:srgbClr val="00FF00"/>
+                </a:solidFill>
+                <a:latin typeface="Courier New" pitchFamily="49" charset="0"/>
+                <a:cs typeface="Courier New" pitchFamily="49" charset="0"/>
+              </a:rPr>
+              <a:t>MOV 0,  1</a:t>
+            </a:r>
+          </a:p>
+          <a:p>
+            <a:pPr>
+              <a:buNone/>
+            </a:pPr>
+            <a:r>
+              <a:rPr lang="sv-SE" dirty="0" smtClean="0">
+                <a:solidFill>
+                  <a:srgbClr val="00FF00"/>
+                </a:solidFill>
+                <a:latin typeface="Courier New" pitchFamily="49" charset="0"/>
+                <a:cs typeface="Courier New" pitchFamily="49" charset="0"/>
+              </a:rPr>
+              <a:t>MOV 0,  1</a:t>
+            </a:r>
+          </a:p>
+          <a:p>
+            <a:pPr>
+              <a:buNone/>
+            </a:pPr>
+            <a:r>
+              <a:rPr lang="sv-SE" dirty="0" smtClean="0">
+                <a:solidFill>
+                  <a:srgbClr val="00FF00"/>
+                </a:solidFill>
+                <a:latin typeface="Courier New" pitchFamily="49" charset="0"/>
+                <a:cs typeface="Courier New" pitchFamily="49" charset="0"/>
+              </a:rPr>
+              <a:t>MOV 0,  1</a:t>
+            </a:r>
+          </a:p>
+          <a:p>
+            <a:pPr>
+              <a:buNone/>
+            </a:pPr>
+            <a:r>
+              <a:rPr lang="sv-SE" dirty="0" smtClean="0">
+                <a:solidFill>
+                  <a:srgbClr val="FF0000"/>
+                </a:solidFill>
+                <a:latin typeface="Courier New" pitchFamily="49" charset="0"/>
+                <a:cs typeface="Courier New" pitchFamily="49" charset="0"/>
+              </a:rPr>
+              <a:t>DAT 0,  0</a:t>
+            </a:r>
+          </a:p>
+          <a:p>
+            <a:pPr>
+              <a:buNone/>
+            </a:pPr>
+            <a:r>
+              <a:rPr lang="sv-SE" dirty="0" smtClean="0">
+                <a:solidFill>
+                  <a:srgbClr val="00B0F0"/>
+                </a:solidFill>
+                <a:latin typeface="Courier New" pitchFamily="49" charset="0"/>
+                <a:cs typeface="Courier New" pitchFamily="49" charset="0"/>
+              </a:rPr>
+              <a:t>JMP 0,  &lt;-2</a:t>
+            </a:r>
+          </a:p>
+          <a:p>
+            <a:endParaRPr lang="sv-SE" dirty="0" smtClean="0">
+              <a:solidFill>
+                <a:srgbClr val="00FF00"/>
+              </a:solidFill>
+              <a:latin typeface="Courier New" pitchFamily="49" charset="0"/>
+              <a:cs typeface="Courier New" pitchFamily="49" charset="0"/>
+            </a:endParaRPr>
+          </a:p>
+          <a:p>
+            <a:endParaRPr lang="sv-SE" dirty="0"/>
+          </a:p>
+        </p:txBody>
+      </p:sp>
+    </p:spTree>
+  </p:cSld>
+  <p:clrMapOvr>
+    <a:masterClrMapping/>
+  </p:clrMapOvr>
+</p:sld>
+</file>
+
+<file path=ppt/slides/slide19.xml><?xml version="1.0" encoding="utf-8"?>
+<p:sld xmlns:a="http://schemas.openxmlformats.org/drawingml/2006/main" xmlns:r="http://schemas.openxmlformats.org/officeDocument/2006/relationships" xmlns:p="http://schemas.openxmlformats.org/presentationml/2006/main">
+  <p:cSld>
+    <p:spTree>
+      <p:nvGrpSpPr>
+        <p:cNvPr id="1" name=""/>
+        <p:cNvGrpSpPr/>
+        <p:nvPr/>
+      </p:nvGrpSpPr>
+      <p:grpSpPr>
+        <a:xfrm>
+          <a:off x="0" y="0"/>
+          <a:ext cx="0" cy="0"/>
+          <a:chOff x="0" y="0"/>
+          <a:chExt cx="0" cy="0"/>
+        </a:xfrm>
+      </p:grpSpPr>
+      <p:sp>
+        <p:nvSpPr>
+          <p:cNvPr id="2" name="Title 1"/>
+          <p:cNvSpPr>
+            <a:spLocks noGrp="1"/>
+          </p:cNvSpPr>
+          <p:nvPr>
+            <p:ph type="title"/>
+          </p:nvPr>
+        </p:nvSpPr>
+        <p:spPr/>
+        <p:txBody>
+          <a:bodyPr/>
+          <a:lstStyle/>
+          <a:p>
+            <a:r>
+              <a:rPr lang="sv-SE" dirty="0" err="1" smtClean="0">
+                <a:solidFill>
+                  <a:srgbClr val="00FF00"/>
+                </a:solidFill>
+              </a:rPr>
+              <a:t>Core</a:t>
+            </a:r>
+            <a:r>
+              <a:rPr lang="sv-SE" dirty="0" smtClean="0">
+                <a:solidFill>
+                  <a:srgbClr val="00FF00"/>
+                </a:solidFill>
+              </a:rPr>
+              <a:t> </a:t>
+            </a:r>
+            <a:r>
+              <a:rPr lang="sv-SE" dirty="0" err="1" smtClean="0">
+                <a:solidFill>
+                  <a:srgbClr val="00FF00"/>
+                </a:solidFill>
+              </a:rPr>
+              <a:t>Wars</a:t>
+            </a:r>
+            <a:r>
+              <a:rPr lang="sv-SE" dirty="0" smtClean="0">
+                <a:solidFill>
+                  <a:srgbClr val="00FF00"/>
+                </a:solidFill>
+              </a:rPr>
+              <a:t> Strategier</a:t>
+            </a:r>
+            <a:endParaRPr lang="sv-SE" dirty="0">
+              <a:solidFill>
+                <a:srgbClr val="00FF00"/>
+              </a:solidFill>
+            </a:endParaRPr>
+          </a:p>
+        </p:txBody>
+      </p:sp>
+      <p:sp>
+        <p:nvSpPr>
+          <p:cNvPr id="3" name="Content Placeholder 2"/>
+          <p:cNvSpPr>
+            <a:spLocks noGrp="1"/>
+          </p:cNvSpPr>
+          <p:nvPr>
+            <p:ph sz="half" idx="1"/>
+          </p:nvPr>
+        </p:nvSpPr>
         <p:spPr/>
         <p:txBody>
           <a:bodyPr>
@@ -7761,7 +7485,15 @@
                   <a:srgbClr val="00FF00"/>
                 </a:solidFill>
               </a:rPr>
-              <a:t> </a:t>
+              <a:t> &amp; Gate (</a:t>
+            </a:r>
+            <a:r>
+              <a:rPr lang="sv-SE" dirty="0" err="1" smtClean="0">
+                <a:solidFill>
+                  <a:srgbClr val="00FF00"/>
+                </a:solidFill>
+              </a:rPr>
+              <a:t>stealth</a:t>
             </a:r>
             <a:r>
               <a:rPr lang="sv-SE" dirty="0" smtClean="0">
@@ -7769,7 +7501,17 @@
                   <a:srgbClr val="00FF00"/>
                 </a:solidFill>
               </a:rPr>
-              <a:t>&amp; Gate </a:t>
+              <a:t> &amp; agility)</a:t>
+            </a:r>
+          </a:p>
+          <a:p>
+            <a:r>
+              <a:rPr lang="sv-SE" dirty="0" err="1" smtClean="0">
+                <a:solidFill>
+                  <a:srgbClr val="00FF00"/>
+                </a:solidFill>
+              </a:rPr>
+              <a:t>Imp</a:t>
             </a:r>
             <a:r>
               <a:rPr lang="sv-SE" dirty="0" smtClean="0">
@@ -7777,7 +7519,27 @@
                   <a:srgbClr val="00FF00"/>
                 </a:solidFill>
               </a:rPr>
-              <a:t>(</a:t>
+              <a:t> spirals</a:t>
+            </a:r>
+          </a:p>
+          <a:p>
+            <a:r>
+              <a:rPr lang="sv-SE" dirty="0" smtClean="0">
+                <a:solidFill>
+                  <a:srgbClr val="00FF00"/>
+                </a:solidFill>
+              </a:rPr>
+              <a:t>Bomber (rock)</a:t>
+            </a:r>
+          </a:p>
+          <a:p>
+            <a:r>
+              <a:rPr lang="sv-SE" dirty="0" smtClean="0">
+                <a:solidFill>
+                  <a:srgbClr val="00FF00"/>
+                </a:solidFill>
+              </a:rPr>
+              <a:t>Scanner (</a:t>
             </a:r>
             <a:r>
               <a:rPr lang="sv-SE" dirty="0" err="1" smtClean="0">
@@ -7785,7 +7547,7 @@
                   <a:srgbClr val="00FF00"/>
                 </a:solidFill>
               </a:rPr>
-              <a:t>stealth</a:t>
+              <a:t>scissor</a:t>
             </a:r>
             <a:r>
               <a:rPr lang="sv-SE" dirty="0" smtClean="0">
@@ -7793,13 +7555,8 @@
                   <a:srgbClr val="00FF00"/>
                 </a:solidFill>
               </a:rPr>
-              <a:t> &amp; agility)</a:t>
-            </a:r>
-            <a:endParaRPr lang="sv-SE" dirty="0" smtClean="0">
-              <a:solidFill>
-                <a:srgbClr val="00FF00"/>
-              </a:solidFill>
-            </a:endParaRPr>
+              <a:t>)</a:t>
+            </a:r>
           </a:p>
           <a:p>
             <a:r>
@@ -7808,7 +7565,7 @@
                   <a:srgbClr val="00FF00"/>
                 </a:solidFill>
               </a:rPr>
-              <a:t>Imp</a:t>
+              <a:t>Replicator</a:t>
             </a:r>
             <a:r>
               <a:rPr lang="sv-SE" dirty="0" smtClean="0">
@@ -7816,27 +7573,41 @@
                   <a:srgbClr val="00FF00"/>
                 </a:solidFill>
               </a:rPr>
-              <a:t> spirals</a:t>
-            </a:r>
-          </a:p>
-          <a:p>
+              <a:t> (</a:t>
+            </a:r>
+            <a:r>
+              <a:rPr lang="sv-SE" dirty="0" err="1" smtClean="0">
+                <a:solidFill>
+                  <a:srgbClr val="00FF00"/>
+                </a:solidFill>
+              </a:rPr>
+              <a:t>paper</a:t>
+            </a:r>
             <a:r>
               <a:rPr lang="sv-SE" dirty="0" smtClean="0">
                 <a:solidFill>
                   <a:srgbClr val="00FF00"/>
                 </a:solidFill>
               </a:rPr>
-              <a:t>Bomber (rock)</a:t>
-            </a:r>
-          </a:p>
-          <a:p>
+              <a:t>)</a:t>
+            </a:r>
+          </a:p>
+          <a:p>
+            <a:r>
+              <a:rPr lang="sv-SE" dirty="0" err="1" smtClean="0">
+                <a:solidFill>
+                  <a:srgbClr val="00FF00"/>
+                </a:solidFill>
+              </a:rPr>
+              <a:t>Vampire</a:t>
+            </a:r>
             <a:r>
               <a:rPr lang="sv-SE" dirty="0" smtClean="0">
                 <a:solidFill>
                   <a:srgbClr val="00FF00"/>
                 </a:solidFill>
               </a:rPr>
-              <a:t>Scanner (</a:t>
+              <a:t> (</a:t>
             </a:r>
             <a:r>
               <a:rPr lang="sv-SE" dirty="0" err="1" smtClean="0">
@@ -7852,81 +7623,8 @@
                   <a:srgbClr val="00FF00"/>
                 </a:solidFill>
               </a:rPr>
-              <a:t>)</a:t>
-            </a:r>
-          </a:p>
-          <a:p>
-            <a:r>
-              <a:rPr lang="sv-SE" dirty="0" err="1" smtClean="0">
-                <a:solidFill>
-                  <a:srgbClr val="00FF00"/>
-                </a:solidFill>
-              </a:rPr>
-              <a:t>Replicator</a:t>
-            </a:r>
-            <a:r>
-              <a:rPr lang="sv-SE" dirty="0" smtClean="0">
-                <a:solidFill>
-                  <a:srgbClr val="00FF00"/>
-                </a:solidFill>
-              </a:rPr>
-              <a:t> (</a:t>
-            </a:r>
-            <a:r>
-              <a:rPr lang="sv-SE" dirty="0" err="1" smtClean="0">
-                <a:solidFill>
-                  <a:srgbClr val="00FF00"/>
-                </a:solidFill>
-              </a:rPr>
-              <a:t>paper</a:t>
-            </a:r>
-            <a:r>
-              <a:rPr lang="sv-SE" dirty="0" smtClean="0">
-                <a:solidFill>
-                  <a:srgbClr val="00FF00"/>
-                </a:solidFill>
-              </a:rPr>
-              <a:t>)</a:t>
-            </a:r>
-          </a:p>
-          <a:p>
-            <a:r>
-              <a:rPr lang="sv-SE" dirty="0" err="1" smtClean="0">
-                <a:solidFill>
-                  <a:srgbClr val="00FF00"/>
-                </a:solidFill>
-              </a:rPr>
-              <a:t>Vampire</a:t>
-            </a:r>
-            <a:r>
-              <a:rPr lang="sv-SE" dirty="0" smtClean="0">
-                <a:solidFill>
-                  <a:srgbClr val="00FF00"/>
-                </a:solidFill>
-              </a:rPr>
-              <a:t> (</a:t>
-            </a:r>
-            <a:r>
-              <a:rPr lang="sv-SE" dirty="0" err="1" smtClean="0">
-                <a:solidFill>
-                  <a:srgbClr val="00FF00"/>
-                </a:solidFill>
-              </a:rPr>
-              <a:t>scissor</a:t>
-            </a:r>
-            <a:r>
-              <a:rPr lang="sv-SE" dirty="0" smtClean="0">
-                <a:solidFill>
-                  <a:srgbClr val="00FF00"/>
-                </a:solidFill>
-              </a:rPr>
               <a:t>?)</a:t>
             </a:r>
-            <a:endParaRPr lang="sv-SE" dirty="0" smtClean="0">
-              <a:solidFill>
-                <a:srgbClr val="00FF00"/>
-              </a:solidFill>
-            </a:endParaRPr>
           </a:p>
           <a:p>
             <a:r>
@@ -8138,21 +7836,18 @@
                   <a:srgbClr val="00FF00"/>
                 </a:solidFill>
               </a:rPr>
-              <a:t> </a:t>
-            </a:r>
+              <a:t> Society 1988 standarden.</a:t>
+            </a:r>
+          </a:p>
+          <a:p>
             <a:r>
               <a:rPr lang="sv-SE" dirty="0" smtClean="0">
                 <a:solidFill>
                   <a:srgbClr val="00FF00"/>
                 </a:solidFill>
               </a:rPr>
-              <a:t>Society 1988 standarden.</a:t>
-            </a:r>
-            <a:endParaRPr lang="sv-SE" dirty="0" smtClean="0">
-              <a:solidFill>
-                <a:srgbClr val="00FF00"/>
-              </a:solidFill>
-            </a:endParaRPr>
+              <a:t>Utspelar sig i ett cirkulärt minne.</a:t>
+            </a:r>
           </a:p>
           <a:p>
             <a:r>
@@ -8161,7 +7856,7 @@
                   <a:srgbClr val="00FF00"/>
                 </a:solidFill>
               </a:rPr>
-              <a:t>Utspelar sig i ett cirkulärt minne.</a:t>
+              <a:t>Varje instruktion har längd 1.</a:t>
             </a:r>
           </a:p>
           <a:p>
@@ -8171,25 +7866,7 @@
                   <a:srgbClr val="00FF00"/>
                 </a:solidFill>
               </a:rPr>
-              <a:t>Varje instruktion har längd 1.</a:t>
-            </a:r>
-          </a:p>
-          <a:p>
-            <a:r>
-              <a:rPr lang="sv-SE" dirty="0" smtClean="0">
-                <a:solidFill>
-                  <a:srgbClr val="00FF00"/>
-                </a:solidFill>
-              </a:rPr>
-              <a:t>All adressering är </a:t>
-            </a:r>
-            <a:r>
-              <a:rPr lang="sv-SE" dirty="0" smtClean="0">
-                <a:solidFill>
-                  <a:srgbClr val="00FF00"/>
-                </a:solidFill>
-              </a:rPr>
-              <a:t>relativ.</a:t>
+              <a:t>All adressering är relativ.</a:t>
             </a:r>
             <a:endParaRPr lang="sv-SE" dirty="0">
               <a:solidFill>
@@ -8948,13 +8625,6 @@
               </a:rPr>
               <a:t>MOV -1, &lt;-1</a:t>
             </a:r>
-            <a:endParaRPr lang="en-US" dirty="0" smtClean="0">
-              <a:solidFill>
-                <a:srgbClr val="00FF00"/>
-              </a:solidFill>
-              <a:latin typeface="Courier New" pitchFamily="49" charset="0"/>
-              <a:cs typeface="Courier New" pitchFamily="49" charset="0"/>
-            </a:endParaRPr>
           </a:p>
           <a:p>
             <a:pPr lvl="1">
@@ -9053,6 +8723,186 @@
 </file>
 
 <file path=ppt/slides/slide5.xml><?xml version="1.0" encoding="utf-8"?>
+<p:sld xmlns:a="http://schemas.openxmlformats.org/drawingml/2006/main" xmlns:r="http://schemas.openxmlformats.org/officeDocument/2006/relationships" xmlns:p="http://schemas.openxmlformats.org/presentationml/2006/main">
+  <p:cSld>
+    <p:spTree>
+      <p:nvGrpSpPr>
+        <p:cNvPr id="1" name=""/>
+        <p:cNvGrpSpPr/>
+        <p:nvPr/>
+      </p:nvGrpSpPr>
+      <p:grpSpPr>
+        <a:xfrm>
+          <a:off x="0" y="0"/>
+          <a:ext cx="0" cy="0"/>
+          <a:chOff x="0" y="0"/>
+          <a:chExt cx="0" cy="0"/>
+        </a:xfrm>
+      </p:grpSpPr>
+      <p:pic>
+        <p:nvPicPr>
+          <p:cNvPr id="1026" name="Picture 2" descr="C:\Users\J3X\Documents\Digital-konstruktion\Report &amp; presentation\huvudblockschema_g.png"/>
+          <p:cNvPicPr>
+            <a:picLocks noChangeAspect="1" noChangeArrowheads="1"/>
+          </p:cNvPicPr>
+          <p:nvPr/>
+        </p:nvPicPr>
+        <p:blipFill>
+          <a:blip r:embed="rId2" cstate="print"/>
+          <a:srcRect/>
+          <a:stretch>
+            <a:fillRect/>
+          </a:stretch>
+        </p:blipFill>
+        <p:spPr bwMode="auto">
+          <a:xfrm>
+            <a:off x="1016361" y="0"/>
+            <a:ext cx="7111278" cy="6858000"/>
+          </a:xfrm>
+          <a:prstGeom prst="rect">
+            <a:avLst/>
+          </a:prstGeom>
+          <a:noFill/>
+        </p:spPr>
+      </p:pic>
+      <p:sp>
+        <p:nvSpPr>
+          <p:cNvPr id="3" name="TextBox 2"/>
+          <p:cNvSpPr txBox="1"/>
+          <p:nvPr/>
+        </p:nvSpPr>
+        <p:spPr>
+          <a:xfrm>
+            <a:off x="6012160" y="6488668"/>
+            <a:ext cx="3131840" cy="369332"/>
+          </a:xfrm>
+          <a:prstGeom prst="rect">
+            <a:avLst/>
+          </a:prstGeom>
+          <a:noFill/>
+        </p:spPr>
+        <p:txBody>
+          <a:bodyPr wrap="square" rtlCol="0">
+            <a:spAutoFit/>
+          </a:bodyPr>
+          <a:lstStyle/>
+          <a:p>
+            <a:pPr algn="r"/>
+            <a:r>
+              <a:rPr lang="sv-SE" smtClean="0">
+                <a:solidFill>
+                  <a:srgbClr val="00FF00"/>
+                </a:solidFill>
+              </a:rPr>
+              <a:t>Huvudblockschema</a:t>
+            </a:r>
+            <a:endParaRPr lang="sv-SE" dirty="0">
+              <a:solidFill>
+                <a:srgbClr val="00FF00"/>
+              </a:solidFill>
+            </a:endParaRPr>
+          </a:p>
+        </p:txBody>
+      </p:sp>
+    </p:spTree>
+  </p:cSld>
+  <p:clrMapOvr>
+    <a:masterClrMapping/>
+  </p:clrMapOvr>
+</p:sld>
+</file>
+
+<file path=ppt/slides/slide6.xml><?xml version="1.0" encoding="utf-8"?>
+<p:sld xmlns:a="http://schemas.openxmlformats.org/drawingml/2006/main" xmlns:r="http://schemas.openxmlformats.org/officeDocument/2006/relationships" xmlns:p="http://schemas.openxmlformats.org/presentationml/2006/main">
+  <p:cSld>
+    <p:spTree>
+      <p:nvGrpSpPr>
+        <p:cNvPr id="1" name=""/>
+        <p:cNvGrpSpPr/>
+        <p:nvPr/>
+      </p:nvGrpSpPr>
+      <p:grpSpPr>
+        <a:xfrm>
+          <a:off x="0" y="0"/>
+          <a:ext cx="0" cy="0"/>
+          <a:chOff x="0" y="0"/>
+          <a:chExt cx="0" cy="0"/>
+        </a:xfrm>
+      </p:grpSpPr>
+      <p:pic>
+        <p:nvPicPr>
+          <p:cNvPr id="2050" name="Picture 2" descr="C:\Users\J3X\Documents\Digital-konstruktion\Report &amp; presentation\vga_teori_g.png"/>
+          <p:cNvPicPr>
+            <a:picLocks noChangeAspect="1" noChangeArrowheads="1"/>
+          </p:cNvPicPr>
+          <p:nvPr/>
+        </p:nvPicPr>
+        <p:blipFill>
+          <a:blip r:embed="rId2" cstate="print"/>
+          <a:srcRect/>
+          <a:stretch>
+            <a:fillRect/>
+          </a:stretch>
+        </p:blipFill>
+        <p:spPr bwMode="auto">
+          <a:xfrm>
+            <a:off x="484981" y="619125"/>
+            <a:ext cx="8174038" cy="5619750"/>
+          </a:xfrm>
+          <a:prstGeom prst="rect">
+            <a:avLst/>
+          </a:prstGeom>
+          <a:noFill/>
+        </p:spPr>
+      </p:pic>
+      <p:sp>
+        <p:nvSpPr>
+          <p:cNvPr id="3" name="TextBox 2"/>
+          <p:cNvSpPr txBox="1"/>
+          <p:nvPr/>
+        </p:nvSpPr>
+        <p:spPr>
+          <a:xfrm>
+            <a:off x="6012160" y="6488668"/>
+            <a:ext cx="3131840" cy="369332"/>
+          </a:xfrm>
+          <a:prstGeom prst="rect">
+            <a:avLst/>
+          </a:prstGeom>
+          <a:noFill/>
+        </p:spPr>
+        <p:txBody>
+          <a:bodyPr wrap="square" rtlCol="0">
+            <a:spAutoFit/>
+          </a:bodyPr>
+          <a:lstStyle/>
+          <a:p>
+            <a:pPr algn="r"/>
+            <a:r>
+              <a:rPr lang="sv-SE" dirty="0" smtClean="0">
+                <a:solidFill>
+                  <a:srgbClr val="00FF00"/>
+                </a:solidFill>
+              </a:rPr>
+              <a:t>VGA teori</a:t>
+            </a:r>
+            <a:endParaRPr lang="sv-SE" dirty="0">
+              <a:solidFill>
+                <a:srgbClr val="00FF00"/>
+              </a:solidFill>
+            </a:endParaRPr>
+          </a:p>
+        </p:txBody>
+      </p:sp>
+    </p:spTree>
+  </p:cSld>
+  <p:clrMapOvr>
+    <a:masterClrMapping/>
+  </p:clrMapOvr>
+</p:sld>
+</file>
+
+<file path=ppt/slides/slide7.xml><?xml version="1.0" encoding="utf-8"?>
 <p:sld xmlns:a="http://schemas.openxmlformats.org/drawingml/2006/main" xmlns:r="http://schemas.openxmlformats.org/officeDocument/2006/relationships" xmlns:p="http://schemas.openxmlformats.org/presentationml/2006/main">
   <p:cSld>
     <p:spTree>
@@ -9140,7 +8990,7 @@
 </p:sld>
 </file>
 
-<file path=ppt/slides/slide6.xml><?xml version="1.0" encoding="utf-8"?>
+<file path=ppt/slides/slide8.xml><?xml version="1.0" encoding="utf-8"?>
 <p:sld xmlns:a="http://schemas.openxmlformats.org/drawingml/2006/main" xmlns:r="http://schemas.openxmlformats.org/officeDocument/2006/relationships" xmlns:p="http://schemas.openxmlformats.org/presentationml/2006/main">
   <p:cSld>
     <p:spTree>
@@ -9230,7 +9080,7 @@
 </p:sld>
 </file>
 
-<file path=ppt/slides/slide7.xml><?xml version="1.0" encoding="utf-8"?>
+<file path=ppt/slides/slide9.xml><?xml version="1.0" encoding="utf-8"?>
 <p:sld xmlns:a="http://schemas.openxmlformats.org/drawingml/2006/main" xmlns:r="http://schemas.openxmlformats.org/officeDocument/2006/relationships" xmlns:p="http://schemas.openxmlformats.org/presentationml/2006/main">
   <p:cSld>
     <p:spTree>
@@ -9303,152 +9153,6 @@
                 </a:solidFill>
               </a:rPr>
               <a:t>Spelar FIFO</a:t>
-            </a:r>
-            <a:endParaRPr lang="sv-SE" dirty="0">
-              <a:solidFill>
-                <a:srgbClr val="00FF00"/>
-              </a:solidFill>
-            </a:endParaRPr>
-          </a:p>
-        </p:txBody>
-      </p:sp>
-    </p:spTree>
-  </p:cSld>
-  <p:clrMapOvr>
-    <a:masterClrMapping/>
-  </p:clrMapOvr>
-</p:sld>
-</file>
-
-<file path=ppt/slides/slide8.xml><?xml version="1.0" encoding="utf-8"?>
-<p:sld xmlns:a="http://schemas.openxmlformats.org/drawingml/2006/main" xmlns:r="http://schemas.openxmlformats.org/officeDocument/2006/relationships" xmlns:p="http://schemas.openxmlformats.org/presentationml/2006/main">
-  <p:cSld>
-    <p:spTree>
-      <p:nvGrpSpPr>
-        <p:cNvPr id="1" name=""/>
-        <p:cNvGrpSpPr/>
-        <p:nvPr/>
-      </p:nvGrpSpPr>
-      <p:grpSpPr>
-        <a:xfrm>
-          <a:off x="0" y="0"/>
-          <a:ext cx="0" cy="0"/>
-          <a:chOff x="0" y="0"/>
-          <a:chExt cx="0" cy="0"/>
-        </a:xfrm>
-      </p:grpSpPr>
-      <p:pic>
-        <p:nvPicPr>
-          <p:cNvPr id="3074" name="Picture 2" descr="C:\Users\J3X\Documents\Digital-konstruktion\Report &amp; presentation\uart_g.png"/>
-          <p:cNvPicPr>
-            <a:picLocks noChangeAspect="1" noChangeArrowheads="1"/>
-          </p:cNvPicPr>
-          <p:nvPr/>
-        </p:nvPicPr>
-        <p:blipFill>
-          <a:blip r:embed="rId2" cstate="print"/>
-          <a:srcRect/>
-          <a:stretch>
-            <a:fillRect/>
-          </a:stretch>
-        </p:blipFill>
-        <p:spPr bwMode="auto">
-          <a:xfrm>
-            <a:off x="1" y="920027"/>
-            <a:ext cx="9143999" cy="5017947"/>
-          </a:xfrm>
-          <a:prstGeom prst="rect">
-            <a:avLst/>
-          </a:prstGeom>
-          <a:noFill/>
-        </p:spPr>
-      </p:pic>
-      <p:sp>
-        <p:nvSpPr>
-          <p:cNvPr id="5" name="TextBox 4"/>
-          <p:cNvSpPr txBox="1"/>
-          <p:nvPr/>
-        </p:nvSpPr>
-        <p:spPr>
-          <a:xfrm>
-            <a:off x="6012160" y="6488668"/>
-            <a:ext cx="3131840" cy="369332"/>
-          </a:xfrm>
-          <a:prstGeom prst="rect">
-            <a:avLst/>
-          </a:prstGeom>
-          <a:noFill/>
-        </p:spPr>
-        <p:txBody>
-          <a:bodyPr wrap="square" rtlCol="0">
-            <a:spAutoFit/>
-          </a:bodyPr>
-          <a:lstStyle/>
-          <a:p>
-            <a:pPr algn="r"/>
-            <a:r>
-              <a:rPr lang="sv-SE" dirty="0" smtClean="0">
-                <a:solidFill>
-                  <a:srgbClr val="00FF00"/>
-                </a:solidFill>
-              </a:rPr>
-              <a:t>FBART Kontroller</a:t>
-            </a:r>
-            <a:endParaRPr lang="sv-SE" dirty="0">
-              <a:solidFill>
-                <a:srgbClr val="00FF00"/>
-              </a:solidFill>
-            </a:endParaRPr>
-          </a:p>
-        </p:txBody>
-      </p:sp>
-    </p:spTree>
-  </p:cSld>
-  <p:clrMapOvr>
-    <a:masterClrMapping/>
-  </p:clrMapOvr>
-</p:sld>
-</file>
-
-<file path=ppt/slides/slide9.xml><?xml version="1.0" encoding="utf-8"?>
-<p:sld xmlns:a="http://schemas.openxmlformats.org/drawingml/2006/main" xmlns:r="http://schemas.openxmlformats.org/officeDocument/2006/relationships" xmlns:p="http://schemas.openxmlformats.org/presentationml/2006/main">
-  <p:cSld>
-    <p:spTree>
-      <p:nvGrpSpPr>
-        <p:cNvPr id="1" name=""/>
-        <p:cNvGrpSpPr/>
-        <p:nvPr/>
-      </p:nvGrpSpPr>
-      <p:grpSpPr>
-        <a:xfrm>
-          <a:off x="0" y="0"/>
-          <a:ext cx="0" cy="0"/>
-          <a:chOff x="0" y="0"/>
-          <a:chExt cx="0" cy="0"/>
-        </a:xfrm>
-      </p:grpSpPr>
-      <p:sp>
-        <p:nvSpPr>
-          <p:cNvPr id="4" name="Title 3"/>
-          <p:cNvSpPr>
-            <a:spLocks noGrp="1"/>
-          </p:cNvSpPr>
-          <p:nvPr>
-            <p:ph type="ctrTitle"/>
-          </p:nvPr>
-        </p:nvSpPr>
-        <p:spPr/>
-        <p:txBody>
-          <a:bodyPr/>
-          <a:lstStyle/>
-          <a:p>
-            <a:r>
-              <a:rPr lang="sv-SE" dirty="0" smtClean="0">
-                <a:solidFill>
-                  <a:srgbClr val="00FF00"/>
-                </a:solidFill>
-              </a:rPr>
-              <a:t>Mjukvara</a:t>
             </a:r>
             <a:endParaRPr lang="sv-SE" dirty="0">
               <a:solidFill>
